--- a/lecture23/MPL.pptx
+++ b/lecture23/MPL.pptx
@@ -5,17 +5,18 @@
     <p:sldMasterId id="2147483648" r:id="rId1"/>
   </p:sldMasterIdLst>
   <p:notesMasterIdLst>
-    <p:notesMasterId r:id="rId10"/>
+    <p:notesMasterId r:id="rId11"/>
   </p:notesMasterIdLst>
   <p:sldIdLst>
     <p:sldId id="256" r:id="rId2"/>
     <p:sldId id="280" r:id="rId3"/>
     <p:sldId id="264" r:id="rId4"/>
-    <p:sldId id="257" r:id="rId5"/>
-    <p:sldId id="281" r:id="rId6"/>
-    <p:sldId id="282" r:id="rId7"/>
-    <p:sldId id="283" r:id="rId8"/>
-    <p:sldId id="284" r:id="rId9"/>
+    <p:sldId id="286" r:id="rId5"/>
+    <p:sldId id="257" r:id="rId6"/>
+    <p:sldId id="281" r:id="rId7"/>
+    <p:sldId id="282" r:id="rId8"/>
+    <p:sldId id="283" r:id="rId9"/>
+    <p:sldId id="284" r:id="rId10"/>
   </p:sldIdLst>
   <p:sldSz cx="12192000" cy="6858000"/>
   <p:notesSz cx="6858000" cy="9144000"/>
@@ -204,7 +205,7 @@
           <a:p>
             <a:fld id="{E4000954-A5B4-439D-B948-3A55F45B70E6}" type="datetimeFigureOut">
               <a:rPr lang="en-US" smtClean="0"/>
-              <a:t>4/6/2020</a:t>
+              <a:t>4/12/2020</a:t>
             </a:fld>
             <a:endParaRPr lang="en-US"/>
           </a:p>
@@ -600,7 +601,7 @@
           <a:p>
             <a:fld id="{A7838A26-196F-4AE3-A11B-80459C796BD0}" type="datetimeFigureOut">
               <a:rPr lang="en-US" smtClean="0"/>
-              <a:t>4/6/2020</a:t>
+              <a:t>4/12/2020</a:t>
             </a:fld>
             <a:endParaRPr lang="en-US"/>
           </a:p>
@@ -768,7 +769,7 @@
           <a:p>
             <a:fld id="{A7838A26-196F-4AE3-A11B-80459C796BD0}" type="datetimeFigureOut">
               <a:rPr lang="en-US" smtClean="0"/>
-              <a:t>4/6/2020</a:t>
+              <a:t>4/12/2020</a:t>
             </a:fld>
             <a:endParaRPr lang="en-US"/>
           </a:p>
@@ -946,7 +947,7 @@
           <a:p>
             <a:fld id="{A7838A26-196F-4AE3-A11B-80459C796BD0}" type="datetimeFigureOut">
               <a:rPr lang="en-US" smtClean="0"/>
-              <a:t>4/6/2020</a:t>
+              <a:t>4/12/2020</a:t>
             </a:fld>
             <a:endParaRPr lang="en-US"/>
           </a:p>
@@ -1114,7 +1115,7 @@
           <a:p>
             <a:fld id="{A7838A26-196F-4AE3-A11B-80459C796BD0}" type="datetimeFigureOut">
               <a:rPr lang="en-US" smtClean="0"/>
-              <a:t>4/6/2020</a:t>
+              <a:t>4/12/2020</a:t>
             </a:fld>
             <a:endParaRPr lang="en-US"/>
           </a:p>
@@ -1359,7 +1360,7 @@
           <a:p>
             <a:fld id="{A7838A26-196F-4AE3-A11B-80459C796BD0}" type="datetimeFigureOut">
               <a:rPr lang="en-US" smtClean="0"/>
-              <a:t>4/6/2020</a:t>
+              <a:t>4/12/2020</a:t>
             </a:fld>
             <a:endParaRPr lang="en-US"/>
           </a:p>
@@ -1588,7 +1589,7 @@
           <a:p>
             <a:fld id="{A7838A26-196F-4AE3-A11B-80459C796BD0}" type="datetimeFigureOut">
               <a:rPr lang="en-US" smtClean="0"/>
-              <a:t>4/6/2020</a:t>
+              <a:t>4/12/2020</a:t>
             </a:fld>
             <a:endParaRPr lang="en-US"/>
           </a:p>
@@ -1952,7 +1953,7 @@
           <a:p>
             <a:fld id="{A7838A26-196F-4AE3-A11B-80459C796BD0}" type="datetimeFigureOut">
               <a:rPr lang="en-US" smtClean="0"/>
-              <a:t>4/6/2020</a:t>
+              <a:t>4/12/2020</a:t>
             </a:fld>
             <a:endParaRPr lang="en-US"/>
           </a:p>
@@ -2069,7 +2070,7 @@
           <a:p>
             <a:fld id="{A7838A26-196F-4AE3-A11B-80459C796BD0}" type="datetimeFigureOut">
               <a:rPr lang="en-US" smtClean="0"/>
-              <a:t>4/6/2020</a:t>
+              <a:t>4/12/2020</a:t>
             </a:fld>
             <a:endParaRPr lang="en-US"/>
           </a:p>
@@ -2164,7 +2165,7 @@
           <a:p>
             <a:fld id="{A7838A26-196F-4AE3-A11B-80459C796BD0}" type="datetimeFigureOut">
               <a:rPr lang="en-US" smtClean="0"/>
-              <a:t>4/6/2020</a:t>
+              <a:t>4/12/2020</a:t>
             </a:fld>
             <a:endParaRPr lang="en-US"/>
           </a:p>
@@ -2439,7 +2440,7 @@
           <a:p>
             <a:fld id="{A7838A26-196F-4AE3-A11B-80459C796BD0}" type="datetimeFigureOut">
               <a:rPr lang="en-US" smtClean="0"/>
-              <a:t>4/6/2020</a:t>
+              <a:t>4/12/2020</a:t>
             </a:fld>
             <a:endParaRPr lang="en-US"/>
           </a:p>
@@ -2691,7 +2692,7 @@
           <a:p>
             <a:fld id="{A7838A26-196F-4AE3-A11B-80459C796BD0}" type="datetimeFigureOut">
               <a:rPr lang="en-US" smtClean="0"/>
-              <a:t>4/6/2020</a:t>
+              <a:t>4/12/2020</a:t>
             </a:fld>
             <a:endParaRPr lang="en-US"/>
           </a:p>
@@ -2902,7 +2903,7 @@
           <a:p>
             <a:fld id="{A7838A26-196F-4AE3-A11B-80459C796BD0}" type="datetimeFigureOut">
               <a:rPr lang="en-US" smtClean="0"/>
-              <a:t>4/6/2020</a:t>
+              <a:t>4/12/2020</a:t>
             </a:fld>
             <a:endParaRPr lang="en-US"/>
           </a:p>
@@ -4158,7 +4159,7 @@
           <a:prstGeom prst="straightConnector1">
             <a:avLst/>
           </a:prstGeom>
-          <a:ln w="114300">
+          <a:ln w="177800">
             <a:solidFill>
               <a:schemeClr val="bg2">
                 <a:lumMod val="75000"/>
@@ -4233,7 +4234,7 @@
         </p:nvSpPr>
         <p:spPr>
           <a:xfrm>
-            <a:off x="4840173" y="2078631"/>
+            <a:off x="4742641" y="2093188"/>
             <a:ext cx="1491703" cy="338554"/>
           </a:xfrm>
           <a:prstGeom prst="rect">
@@ -4270,7 +4271,7 @@
           </a:prstGeom>
           <a:solidFill>
             <a:srgbClr val="FF0000">
-              <a:alpha val="15000"/>
+              <a:alpha val="35000"/>
             </a:srgbClr>
           </a:solidFill>
           <a:ln>
@@ -4318,7 +4319,7 @@
           </a:prstGeom>
           <a:solidFill>
             <a:srgbClr val="FF0000">
-              <a:alpha val="15000"/>
+              <a:alpha val="35000"/>
             </a:srgbClr>
           </a:solidFill>
           <a:ln>
@@ -4399,14 +4400,14 @@
         <p:spPr>
           <a:xfrm>
             <a:off x="688063" y="1176978"/>
-            <a:ext cx="2534089" cy="1455919"/>
+            <a:ext cx="2534089" cy="1964091"/>
           </a:xfrm>
           <a:prstGeom prst="ellipse">
             <a:avLst/>
           </a:prstGeom>
           <a:solidFill>
             <a:srgbClr val="FF0000">
-              <a:alpha val="15000"/>
+              <a:alpha val="35000"/>
             </a:srgbClr>
           </a:solidFill>
           <a:ln>
@@ -4675,15 +4676,15 @@
         </p:nvSpPr>
         <p:spPr>
           <a:xfrm>
-            <a:off x="7670966" y="1922149"/>
-            <a:ext cx="2490561" cy="1291625"/>
+            <a:off x="7670966" y="1532517"/>
+            <a:ext cx="2490561" cy="1681257"/>
           </a:xfrm>
           <a:prstGeom prst="ellipse">
             <a:avLst/>
           </a:prstGeom>
           <a:solidFill>
             <a:srgbClr val="FF0000">
-              <a:alpha val="15000"/>
+              <a:alpha val="35000"/>
             </a:srgbClr>
           </a:solidFill>
           <a:ln>
@@ -4846,7 +4847,7 @@
         </p:nvSpPr>
         <p:spPr>
           <a:xfrm>
-            <a:off x="1520409" y="754458"/>
+            <a:off x="1234651" y="907494"/>
             <a:ext cx="2410063" cy="369332"/>
           </a:xfrm>
           <a:prstGeom prst="rect">
@@ -4967,8 +4968,8 @@
         </p:nvSpPr>
         <p:spPr>
           <a:xfrm>
-            <a:off x="8375242" y="1612820"/>
-            <a:ext cx="1786285" cy="369332"/>
+            <a:off x="8044022" y="1246312"/>
+            <a:ext cx="2150109" cy="369332"/>
           </a:xfrm>
           <a:prstGeom prst="rect">
             <a:avLst/>
@@ -4995,7 +4996,7 @@
                   <a:srgbClr val="FF0000"/>
                 </a:solidFill>
               </a:rPr>
-              <a:t>()</a:t>
+              <a:t>() Thread</a:t>
             </a:r>
           </a:p>
         </p:txBody>
@@ -5138,7 +5139,7 @@
             </a:r>
             <a:r>
               <a:rPr lang="en-US" sz="2800" u="sng" dirty="0"/>
-              <a:t>Asynchronous</a:t>
+              <a:t>Synchronous</a:t>
             </a:r>
             <a:r>
               <a:rPr lang="en-US" sz="2800" dirty="0"/>
@@ -5187,14 +5188,11 @@
           <a:bodyPr rtlCol="0" anchor="ctr"/>
           <a:lstStyle/>
           <a:p>
-            <a:r>
-              <a:rPr lang="en-US" sz="2400" dirty="0">
-                <a:solidFill>
-                  <a:schemeClr val="tx1"/>
-                </a:solidFill>
-              </a:rPr>
-              <a:t>Sender</a:t>
-            </a:r>
+            <a:endParaRPr lang="en-US" sz="2400" dirty="0">
+              <a:solidFill>
+                <a:schemeClr val="tx1"/>
+              </a:solidFill>
+            </a:endParaRPr>
           </a:p>
         </p:txBody>
       </p:sp>
@@ -5626,19 +5624,6 @@
               </a:rPr>
               <a:t>                </a:t>
             </a:r>
-            <a:r>
-              <a:rPr lang="en-US" sz="2400" dirty="0" err="1">
-                <a:solidFill>
-                  <a:schemeClr val="tx1"/>
-                </a:solidFill>
-              </a:rPr>
-              <a:t>ClientHander</a:t>
-            </a:r>
-            <a:endParaRPr lang="en-US" sz="2400" dirty="0">
-              <a:solidFill>
-                <a:schemeClr val="tx1"/>
-              </a:solidFill>
-            </a:endParaRPr>
           </a:p>
         </p:txBody>
       </p:sp>
@@ -5861,20 +5846,20 @@
         <p:nvCxnSpPr>
           <p:cNvPr id="26" name="Straight Arrow Connector 25"/>
           <p:cNvCxnSpPr>
-            <a:stCxn id="4" idx="3"/>
+            <a:cxnSpLocks/>
             <a:endCxn id="21" idx="1"/>
           </p:cNvCxnSpPr>
           <p:nvPr/>
         </p:nvCxnSpPr>
         <p:spPr>
           <a:xfrm flipV="1">
-            <a:off x="4575747" y="2262466"/>
-            <a:ext cx="1703983" cy="1"/>
+            <a:off x="4555715" y="2262466"/>
+            <a:ext cx="1724015" cy="7210"/>
           </a:xfrm>
           <a:prstGeom prst="straightConnector1">
             <a:avLst/>
           </a:prstGeom>
-          <a:ln w="114300">
+          <a:ln w="136525">
             <a:solidFill>
               <a:schemeClr val="bg2">
                 <a:lumMod val="75000"/>
@@ -5949,7 +5934,7 @@
         </p:nvSpPr>
         <p:spPr>
           <a:xfrm>
-            <a:off x="4827691" y="2082778"/>
+            <a:off x="5052745" y="2090757"/>
             <a:ext cx="1491703" cy="338554"/>
           </a:xfrm>
           <a:prstGeom prst="rect">
@@ -5965,7 +5950,7 @@
           <a:p>
             <a:r>
               <a:rPr lang="en-US" sz="1600" dirty="0"/>
-              <a:t>Socket Data</a:t>
+              <a:t>TCP Socket</a:t>
             </a:r>
           </a:p>
         </p:txBody>
@@ -5986,7 +5971,7 @@
           </a:prstGeom>
           <a:solidFill>
             <a:srgbClr val="FF0000">
-              <a:alpha val="15000"/>
+              <a:alpha val="35000"/>
             </a:srgbClr>
           </a:solidFill>
           <a:ln>
@@ -6034,7 +6019,7 @@
           </a:prstGeom>
           <a:solidFill>
             <a:srgbClr val="FF0000">
-              <a:alpha val="15000"/>
+              <a:alpha val="35000"/>
             </a:srgbClr>
           </a:solidFill>
           <a:ln>
@@ -6082,7 +6067,7 @@
           </a:prstGeom>
           <a:solidFill>
             <a:srgbClr val="FF0000">
-              <a:alpha val="15000"/>
+              <a:alpha val="35000"/>
             </a:srgbClr>
           </a:solidFill>
           <a:ln>
@@ -6130,7 +6115,7 @@
           </a:prstGeom>
           <a:solidFill>
             <a:srgbClr val="FF0000">
-              <a:alpha val="15000"/>
+              <a:alpha val="35000"/>
             </a:srgbClr>
           </a:solidFill>
           <a:ln>
@@ -6204,21 +6189,90 @@
       </p:cxnSp>
       <p:sp>
         <p:nvSpPr>
-          <p:cNvPr id="42" name="Oval 41"/>
+          <p:cNvPr id="43" name="TextBox 42"/>
+          <p:cNvSpPr txBox="1"/>
+          <p:nvPr/>
+        </p:nvSpPr>
+        <p:spPr>
+          <a:xfrm>
+            <a:off x="607457" y="1506713"/>
+            <a:ext cx="2371026" cy="1477328"/>
+          </a:xfrm>
+          <a:prstGeom prst="rect">
+            <a:avLst/>
+          </a:prstGeom>
+          <a:noFill/>
+        </p:spPr>
+        <p:txBody>
+          <a:bodyPr wrap="square" rtlCol="0">
+            <a:spAutoFit/>
+          </a:bodyPr>
+          <a:lstStyle/>
+          <a:p>
+            <a:r>
+              <a:rPr lang="en-US" i="1" dirty="0"/>
+              <a:t>while(more messages)</a:t>
+            </a:r>
+          </a:p>
+          <a:p>
+            <a:r>
+              <a:rPr lang="en-US" i="1" dirty="0"/>
+              <a:t>{   </a:t>
+            </a:r>
+          </a:p>
+          <a:p>
+            <a:r>
+              <a:rPr lang="en-US" i="1" dirty="0"/>
+              <a:t>   </a:t>
+            </a:r>
+            <a:r>
+              <a:rPr lang="en-US" i="1" dirty="0" err="1"/>
+              <a:t>PostMessage</a:t>
+            </a:r>
+            <a:r>
+              <a:rPr lang="en-US" i="1" dirty="0"/>
+              <a:t>()</a:t>
+            </a:r>
+          </a:p>
+          <a:p>
+            <a:r>
+              <a:rPr lang="en-US" i="1" dirty="0"/>
+              <a:t>  </a:t>
+            </a:r>
+            <a:r>
+              <a:rPr lang="en-US" i="1" dirty="0" err="1"/>
+              <a:t>GetMessage</a:t>
+            </a:r>
+            <a:r>
+              <a:rPr lang="en-US" i="1" dirty="0"/>
+              <a:t>()</a:t>
+            </a:r>
+          </a:p>
+          <a:p>
+            <a:r>
+              <a:rPr lang="en-US" i="1" dirty="0"/>
+              <a:t>}</a:t>
+            </a:r>
+          </a:p>
+        </p:txBody>
+      </p:sp>
+      <p:sp>
+        <p:nvSpPr>
+          <p:cNvPr id="45" name="Oval 44"/>
           <p:cNvSpPr/>
           <p:nvPr/>
         </p:nvSpPr>
         <p:spPr>
           <a:xfrm>
-            <a:off x="1127199" y="1116765"/>
-            <a:ext cx="2298774" cy="1110860"/>
+            <a:off x="209343" y="1162715"/>
+            <a:ext cx="3194162" cy="2232900"/>
           </a:xfrm>
           <a:prstGeom prst="ellipse">
             <a:avLst/>
           </a:prstGeom>
           <a:solidFill>
             <a:srgbClr val="FF0000">
-              <a:alpha val="15000"/>
+              <a:alpha val="35000"/>
             </a:srgbClr>
           </a:solidFill>
           <a:ln>
@@ -6246,91 +6300,27 @@
           <a:lstStyle/>
           <a:p>
             <a:pPr algn="ctr"/>
-            <a:endParaRPr lang="en-US"/>
-          </a:p>
-        </p:txBody>
-      </p:sp>
-      <p:sp>
-        <p:nvSpPr>
-          <p:cNvPr id="43" name="TextBox 42"/>
-          <p:cNvSpPr txBox="1"/>
-          <p:nvPr/>
-        </p:nvSpPr>
-        <p:spPr>
-          <a:xfrm>
-            <a:off x="1345309" y="1201691"/>
-            <a:ext cx="2078000" cy="954107"/>
-          </a:xfrm>
-          <a:prstGeom prst="rect">
-            <a:avLst/>
-          </a:prstGeom>
-          <a:noFill/>
-        </p:spPr>
-        <p:txBody>
-          <a:bodyPr wrap="square" rtlCol="0">
-            <a:spAutoFit/>
-          </a:bodyPr>
-          <a:lstStyle/>
-          <a:p>
-            <a:r>
-              <a:rPr lang="en-US" sz="1400" i="1" dirty="0"/>
-              <a:t>while(more messages)</a:t>
-            </a:r>
-          </a:p>
-          <a:p>
-            <a:r>
-              <a:rPr lang="en-US" sz="1400" i="1" dirty="0"/>
-              <a:t>{   </a:t>
-            </a:r>
-          </a:p>
-          <a:p>
-            <a:r>
-              <a:rPr lang="en-US" sz="1400" i="1" dirty="0"/>
-              <a:t>   </a:t>
-            </a:r>
-            <a:r>
-              <a:rPr lang="en-US" sz="1400" i="1" dirty="0" err="1"/>
-              <a:t>PostMessage</a:t>
-            </a:r>
-            <a:r>
-              <a:rPr lang="en-US" sz="1400" i="1" dirty="0"/>
-              <a:t>()</a:t>
-            </a:r>
-          </a:p>
-          <a:p>
-            <a:r>
-              <a:rPr lang="en-US" sz="1400" i="1" dirty="0"/>
-              <a:t>}</a:t>
-            </a:r>
-          </a:p>
-        </p:txBody>
-      </p:sp>
-      <p:sp>
-        <p:nvSpPr>
-          <p:cNvPr id="44" name="Curved Left Arrow 43"/>
+            <a:endParaRPr lang="en-US" dirty="0"/>
+          </a:p>
+        </p:txBody>
+      </p:sp>
+      <p:sp>
+        <p:nvSpPr>
+          <p:cNvPr id="16" name="Right Arrow 15"/>
           <p:cNvSpPr/>
           <p:nvPr/>
         </p:nvSpPr>
         <p:spPr>
-          <a:xfrm flipH="1">
-            <a:off x="2636290" y="1512066"/>
-            <a:ext cx="349912" cy="436908"/>
-          </a:xfrm>
-          <a:prstGeom prst="curvedLeftArrow">
-            <a:avLst>
-              <a:gd name="adj1" fmla="val 25000"/>
-              <a:gd name="adj2" fmla="val 46753"/>
-              <a:gd name="adj3" fmla="val 25000"/>
-            </a:avLst>
+          <a:xfrm rot="16200000">
+            <a:off x="7784171" y="3599504"/>
+            <a:ext cx="1019549" cy="832020"/>
+          </a:xfrm>
+          <a:prstGeom prst="rightArrow">
+            <a:avLst/>
           </a:prstGeom>
           <a:solidFill>
-            <a:srgbClr val="FF0000"/>
+            <a:schemeClr val="accent2"/>
           </a:solidFill>
-          <a:ln>
-            <a:solidFill>
-              <a:srgbClr val="FF0000"/>
-            </a:solidFill>
-          </a:ln>
         </p:spPr>
         <p:style>
           <a:lnRef idx="2">
@@ -6353,424 +6343,10 @@
           <a:lstStyle/>
           <a:p>
             <a:pPr algn="ctr"/>
-            <a:endParaRPr lang="en-US">
-              <a:solidFill>
-                <a:schemeClr val="tx1"/>
-              </a:solidFill>
-            </a:endParaRPr>
-          </a:p>
-        </p:txBody>
-      </p:sp>
-      <p:sp>
-        <p:nvSpPr>
-          <p:cNvPr id="45" name="Oval 44"/>
-          <p:cNvSpPr/>
-          <p:nvPr/>
-        </p:nvSpPr>
-        <p:spPr>
-          <a:xfrm>
-            <a:off x="961868" y="2131574"/>
-            <a:ext cx="2224253" cy="1303017"/>
-          </a:xfrm>
-          <a:prstGeom prst="ellipse">
-            <a:avLst/>
-          </a:prstGeom>
-          <a:solidFill>
-            <a:srgbClr val="FF0000">
-              <a:alpha val="15000"/>
-            </a:srgbClr>
-          </a:solidFill>
-          <a:ln>
-            <a:noFill/>
-          </a:ln>
-        </p:spPr>
-        <p:style>
-          <a:lnRef idx="2">
-            <a:schemeClr val="accent1">
-              <a:shade val="50000"/>
-            </a:schemeClr>
-          </a:lnRef>
-          <a:fillRef idx="1">
-            <a:schemeClr val="accent1"/>
-          </a:fillRef>
-          <a:effectRef idx="0">
-            <a:schemeClr val="accent1"/>
-          </a:effectRef>
-          <a:fontRef idx="minor">
-            <a:schemeClr val="lt1"/>
-          </a:fontRef>
-        </p:style>
-        <p:txBody>
-          <a:bodyPr rtlCol="0" anchor="ctr"/>
-          <a:lstStyle/>
-          <a:p>
-            <a:pPr algn="ctr"/>
-            <a:endParaRPr lang="en-US"/>
-          </a:p>
-        </p:txBody>
-      </p:sp>
-      <p:sp>
-        <p:nvSpPr>
-          <p:cNvPr id="46" name="TextBox 45"/>
-          <p:cNvSpPr txBox="1"/>
-          <p:nvPr/>
-        </p:nvSpPr>
-        <p:spPr>
-          <a:xfrm>
-            <a:off x="1199694" y="2326032"/>
-            <a:ext cx="2078000" cy="954107"/>
-          </a:xfrm>
-          <a:prstGeom prst="rect">
-            <a:avLst/>
-          </a:prstGeom>
-          <a:noFill/>
-        </p:spPr>
-        <p:txBody>
-          <a:bodyPr wrap="square" rtlCol="0">
-            <a:spAutoFit/>
-          </a:bodyPr>
-          <a:lstStyle/>
-          <a:p>
-            <a:r>
-              <a:rPr lang="en-US" sz="1400" i="1" dirty="0"/>
-              <a:t>while(more messages)</a:t>
-            </a:r>
-          </a:p>
-          <a:p>
-            <a:r>
-              <a:rPr lang="en-US" sz="1400" i="1" dirty="0"/>
-              <a:t>{   </a:t>
-            </a:r>
-          </a:p>
-          <a:p>
-            <a:r>
-              <a:rPr lang="en-US" sz="1400" i="1" dirty="0"/>
-              <a:t>   </a:t>
-            </a:r>
-            <a:r>
-              <a:rPr lang="en-US" sz="1400" i="1" dirty="0" err="1"/>
-              <a:t>GetMessage</a:t>
-            </a:r>
-            <a:r>
-              <a:rPr lang="en-US" sz="1400" i="1" dirty="0"/>
-              <a:t>()</a:t>
-            </a:r>
-          </a:p>
-          <a:p>
-            <a:r>
-              <a:rPr lang="en-US" sz="1400" i="1" dirty="0"/>
-              <a:t>}</a:t>
-            </a:r>
-          </a:p>
-        </p:txBody>
-      </p:sp>
-      <p:sp>
-        <p:nvSpPr>
-          <p:cNvPr id="47" name="Curved Left Arrow 46"/>
-          <p:cNvSpPr/>
-          <p:nvPr/>
-        </p:nvSpPr>
-        <p:spPr>
-          <a:xfrm>
-            <a:off x="3002157" y="2674364"/>
-            <a:ext cx="407478" cy="398455"/>
-          </a:xfrm>
-          <a:prstGeom prst="curvedLeftArrow">
-            <a:avLst>
-              <a:gd name="adj1" fmla="val 25000"/>
-              <a:gd name="adj2" fmla="val 46753"/>
-              <a:gd name="adj3" fmla="val 25000"/>
-            </a:avLst>
-          </a:prstGeom>
-          <a:solidFill>
-            <a:srgbClr val="FF0000"/>
-          </a:solidFill>
-          <a:ln>
-            <a:solidFill>
-              <a:srgbClr val="FF0000"/>
-            </a:solidFill>
-          </a:ln>
-        </p:spPr>
-        <p:style>
-          <a:lnRef idx="2">
-            <a:schemeClr val="accent1">
-              <a:shade val="50000"/>
-            </a:schemeClr>
-          </a:lnRef>
-          <a:fillRef idx="1">
-            <a:schemeClr val="accent1"/>
-          </a:fillRef>
-          <a:effectRef idx="0">
-            <a:schemeClr val="accent1"/>
-          </a:effectRef>
-          <a:fontRef idx="minor">
-            <a:schemeClr val="lt1"/>
-          </a:fontRef>
-        </p:style>
-        <p:txBody>
-          <a:bodyPr rtlCol="0" anchor="ctr"/>
-          <a:lstStyle/>
-          <a:p>
-            <a:pPr algn="ctr"/>
-            <a:endParaRPr lang="en-US">
-              <a:solidFill>
-                <a:schemeClr val="tx1"/>
-              </a:solidFill>
-            </a:endParaRPr>
-          </a:p>
-        </p:txBody>
-      </p:sp>
-      <p:sp>
-        <p:nvSpPr>
-          <p:cNvPr id="50" name="Oval 49"/>
-          <p:cNvSpPr/>
-          <p:nvPr/>
-        </p:nvSpPr>
-        <p:spPr>
-          <a:xfrm>
-            <a:off x="7634685" y="968665"/>
-            <a:ext cx="2231142" cy="1169846"/>
-          </a:xfrm>
-          <a:prstGeom prst="ellipse">
-            <a:avLst/>
-          </a:prstGeom>
-          <a:solidFill>
-            <a:srgbClr val="FF0000">
-              <a:alpha val="15000"/>
-            </a:srgbClr>
-          </a:solidFill>
-          <a:ln>
-            <a:noFill/>
-          </a:ln>
-        </p:spPr>
-        <p:style>
-          <a:lnRef idx="2">
-            <a:schemeClr val="accent1">
-              <a:shade val="50000"/>
-            </a:schemeClr>
-          </a:lnRef>
-          <a:fillRef idx="1">
-            <a:schemeClr val="accent1"/>
-          </a:fillRef>
-          <a:effectRef idx="0">
-            <a:schemeClr val="accent1"/>
-          </a:effectRef>
-          <a:fontRef idx="minor">
-            <a:schemeClr val="lt1"/>
-          </a:fontRef>
-        </p:style>
-        <p:txBody>
-          <a:bodyPr rtlCol="0" anchor="ctr"/>
-          <a:lstStyle/>
-          <a:p>
-            <a:pPr algn="ctr"/>
-            <a:endParaRPr lang="en-US"/>
-          </a:p>
-        </p:txBody>
-      </p:sp>
-      <p:sp>
-        <p:nvSpPr>
-          <p:cNvPr id="52" name="Curved Left Arrow 51"/>
-          <p:cNvSpPr/>
-          <p:nvPr/>
-        </p:nvSpPr>
-        <p:spPr>
-          <a:xfrm flipH="1">
-            <a:off x="7505999" y="2663850"/>
-            <a:ext cx="349912" cy="436908"/>
-          </a:xfrm>
-          <a:prstGeom prst="curvedLeftArrow">
-            <a:avLst>
-              <a:gd name="adj1" fmla="val 25000"/>
-              <a:gd name="adj2" fmla="val 46753"/>
-              <a:gd name="adj3" fmla="val 25000"/>
-            </a:avLst>
-          </a:prstGeom>
-          <a:solidFill>
-            <a:srgbClr val="FF0000"/>
-          </a:solidFill>
-          <a:ln>
-            <a:solidFill>
-              <a:srgbClr val="FF0000"/>
-            </a:solidFill>
-          </a:ln>
-        </p:spPr>
-        <p:style>
-          <a:lnRef idx="2">
-            <a:schemeClr val="accent1">
-              <a:shade val="50000"/>
-            </a:schemeClr>
-          </a:lnRef>
-          <a:fillRef idx="1">
-            <a:schemeClr val="accent1"/>
-          </a:fillRef>
-          <a:effectRef idx="0">
-            <a:schemeClr val="accent1"/>
-          </a:effectRef>
-          <a:fontRef idx="minor">
-            <a:schemeClr val="lt1"/>
-          </a:fontRef>
-        </p:style>
-        <p:txBody>
-          <a:bodyPr rtlCol="0" anchor="ctr"/>
-          <a:lstStyle/>
-          <a:p>
-            <a:pPr algn="ctr"/>
-            <a:endParaRPr lang="en-US">
-              <a:solidFill>
-                <a:schemeClr val="tx1"/>
-              </a:solidFill>
-            </a:endParaRPr>
-          </a:p>
-        </p:txBody>
-      </p:sp>
-      <p:sp>
-        <p:nvSpPr>
-          <p:cNvPr id="16" name="Right Arrow 15"/>
-          <p:cNvSpPr/>
-          <p:nvPr/>
-        </p:nvSpPr>
-        <p:spPr>
-          <a:xfrm rot="16200000">
-            <a:off x="7784171" y="3599504"/>
-            <a:ext cx="1019549" cy="832020"/>
-          </a:xfrm>
-          <a:prstGeom prst="rightArrow">
-            <a:avLst/>
-          </a:prstGeom>
-          <a:solidFill>
-            <a:schemeClr val="accent2"/>
-          </a:solidFill>
-        </p:spPr>
-        <p:style>
-          <a:lnRef idx="2">
-            <a:schemeClr val="accent1">
-              <a:shade val="50000"/>
-            </a:schemeClr>
-          </a:lnRef>
-          <a:fillRef idx="1">
-            <a:schemeClr val="accent1"/>
-          </a:fillRef>
-          <a:effectRef idx="0">
-            <a:schemeClr val="accent1"/>
-          </a:effectRef>
-          <a:fontRef idx="minor">
-            <a:schemeClr val="lt1"/>
-          </a:fontRef>
-        </p:style>
-        <p:txBody>
-          <a:bodyPr rtlCol="0" anchor="ctr"/>
-          <a:lstStyle/>
-          <a:p>
-            <a:pPr algn="ctr"/>
             <a:r>
               <a:rPr lang="en-US" sz="1400" dirty="0"/>
               <a:t>Create Thread</a:t>
             </a:r>
-          </a:p>
-        </p:txBody>
-      </p:sp>
-      <p:sp>
-        <p:nvSpPr>
-          <p:cNvPr id="54" name="Oval 53"/>
-          <p:cNvSpPr/>
-          <p:nvPr/>
-        </p:nvSpPr>
-        <p:spPr>
-          <a:xfrm>
-            <a:off x="7528543" y="2377979"/>
-            <a:ext cx="2404981" cy="1086398"/>
-          </a:xfrm>
-          <a:prstGeom prst="ellipse">
-            <a:avLst/>
-          </a:prstGeom>
-          <a:solidFill>
-            <a:srgbClr val="FF0000">
-              <a:alpha val="15000"/>
-            </a:srgbClr>
-          </a:solidFill>
-          <a:ln>
-            <a:noFill/>
-          </a:ln>
-        </p:spPr>
-        <p:style>
-          <a:lnRef idx="2">
-            <a:schemeClr val="accent1">
-              <a:shade val="50000"/>
-            </a:schemeClr>
-          </a:lnRef>
-          <a:fillRef idx="1">
-            <a:schemeClr val="accent1"/>
-          </a:fillRef>
-          <a:effectRef idx="0">
-            <a:schemeClr val="accent1"/>
-          </a:effectRef>
-          <a:fontRef idx="minor">
-            <a:schemeClr val="lt1"/>
-          </a:fontRef>
-        </p:style>
-        <p:txBody>
-          <a:bodyPr rtlCol="0" anchor="ctr"/>
-          <a:lstStyle/>
-          <a:p>
-            <a:pPr algn="ctr"/>
-            <a:endParaRPr lang="en-US"/>
-          </a:p>
-        </p:txBody>
-      </p:sp>
-      <p:sp>
-        <p:nvSpPr>
-          <p:cNvPr id="55" name="Curved Left Arrow 54"/>
-          <p:cNvSpPr/>
-          <p:nvPr/>
-        </p:nvSpPr>
-        <p:spPr>
-          <a:xfrm>
-            <a:off x="7871873" y="1484391"/>
-            <a:ext cx="374830" cy="436908"/>
-          </a:xfrm>
-          <a:prstGeom prst="curvedLeftArrow">
-            <a:avLst>
-              <a:gd name="adj1" fmla="val 25000"/>
-              <a:gd name="adj2" fmla="val 46753"/>
-              <a:gd name="adj3" fmla="val 25000"/>
-            </a:avLst>
-          </a:prstGeom>
-          <a:solidFill>
-            <a:srgbClr val="FF0000"/>
-          </a:solidFill>
-          <a:ln>
-            <a:solidFill>
-              <a:srgbClr val="FF0000"/>
-            </a:solidFill>
-          </a:ln>
-        </p:spPr>
-        <p:style>
-          <a:lnRef idx="2">
-            <a:schemeClr val="accent1">
-              <a:shade val="50000"/>
-            </a:schemeClr>
-          </a:lnRef>
-          <a:fillRef idx="1">
-            <a:schemeClr val="accent1"/>
-          </a:fillRef>
-          <a:effectRef idx="0">
-            <a:schemeClr val="accent1"/>
-          </a:effectRef>
-          <a:fontRef idx="minor">
-            <a:schemeClr val="lt1"/>
-          </a:fontRef>
-        </p:style>
-        <p:txBody>
-          <a:bodyPr rtlCol="0" anchor="ctr"/>
-          <a:lstStyle/>
-          <a:p>
-            <a:pPr algn="ctr"/>
-            <a:endParaRPr lang="en-US">
-              <a:solidFill>
-                <a:schemeClr val="tx1"/>
-              </a:solidFill>
-            </a:endParaRPr>
           </a:p>
         </p:txBody>
       </p:sp>
@@ -6858,14 +6434,14 @@
       </p:sp>
       <p:sp>
         <p:nvSpPr>
-          <p:cNvPr id="61" name="TextBox 60"/>
+          <p:cNvPr id="62" name="TextBox 61"/>
           <p:cNvSpPr txBox="1"/>
           <p:nvPr/>
         </p:nvSpPr>
         <p:spPr>
           <a:xfrm>
-            <a:off x="7985624" y="655460"/>
-            <a:ext cx="1804187" cy="369332"/>
+            <a:off x="3630769" y="1252196"/>
+            <a:ext cx="1303542" cy="369332"/>
           </a:xfrm>
           <a:prstGeom prst="rect">
             <a:avLst/>
@@ -6884,7 +6460,7 @@
                   <a:srgbClr val="FF0000"/>
                 </a:solidFill>
               </a:rPr>
-              <a:t>ResponseProc</a:t>
+              <a:t>SendProc</a:t>
             </a:r>
             <a:r>
               <a:rPr lang="en-US" b="1" i="1" dirty="0">
@@ -6899,14 +6475,14 @@
       </p:sp>
       <p:sp>
         <p:nvSpPr>
-          <p:cNvPr id="62" name="TextBox 61"/>
+          <p:cNvPr id="63" name="TextBox 62"/>
           <p:cNvSpPr txBox="1"/>
           <p:nvPr/>
         </p:nvSpPr>
         <p:spPr>
           <a:xfrm>
-            <a:off x="3630769" y="1252196"/>
-            <a:ext cx="1303542" cy="369332"/>
+            <a:off x="3539798" y="2909421"/>
+            <a:ext cx="1199568" cy="369332"/>
           </a:xfrm>
           <a:prstGeom prst="rect">
             <a:avLst/>
@@ -6925,7 +6501,7 @@
                   <a:srgbClr val="FF0000"/>
                 </a:solidFill>
               </a:rPr>
-              <a:t>SendProc</a:t>
+              <a:t>RecvProc</a:t>
             </a:r>
             <a:r>
               <a:rPr lang="en-US" b="1" i="1" dirty="0">
@@ -6940,14 +6516,14 @@
       </p:sp>
       <p:sp>
         <p:nvSpPr>
-          <p:cNvPr id="63" name="TextBox 62"/>
+          <p:cNvPr id="49" name="TextBox 48"/>
           <p:cNvSpPr txBox="1"/>
           <p:nvPr/>
         </p:nvSpPr>
         <p:spPr>
           <a:xfrm>
-            <a:off x="3539798" y="2909421"/>
-            <a:ext cx="1199568" cy="369332"/>
+            <a:off x="1001563" y="703437"/>
+            <a:ext cx="2410063" cy="369332"/>
           </a:xfrm>
           <a:prstGeom prst="rect">
             <a:avLst/>
@@ -6960,35 +6536,27 @@
           </a:bodyPr>
           <a:lstStyle/>
           <a:p>
-            <a:r>
-              <a:rPr lang="en-US" b="1" i="1" dirty="0" err="1">
-                <a:solidFill>
-                  <a:srgbClr val="FF0000"/>
-                </a:solidFill>
-              </a:rPr>
-              <a:t>RecvProc</a:t>
-            </a:r>
             <a:r>
               <a:rPr lang="en-US" b="1" i="1" dirty="0">
                 <a:solidFill>
                   <a:srgbClr val="FF0000"/>
                 </a:solidFill>
               </a:rPr>
-              <a:t>()</a:t>
-            </a:r>
-          </a:p>
-        </p:txBody>
-      </p:sp>
-      <p:sp>
-        <p:nvSpPr>
-          <p:cNvPr id="48" name="TextBox 47"/>
+              <a:t>Primary: main() Thread</a:t>
+            </a:r>
+          </a:p>
+        </p:txBody>
+      </p:sp>
+      <p:sp>
+        <p:nvSpPr>
+          <p:cNvPr id="9" name="TextBox 8"/>
           <p:cNvSpPr txBox="1"/>
           <p:nvPr/>
         </p:nvSpPr>
         <p:spPr>
           <a:xfrm>
-            <a:off x="1215872" y="3328150"/>
-            <a:ext cx="1786285" cy="369332"/>
+            <a:off x="3459770" y="1475785"/>
+            <a:ext cx="1944447" cy="307777"/>
           </a:xfrm>
           <a:prstGeom prst="rect">
             <a:avLst/>
@@ -7002,198 +6570,14 @@
           <a:lstStyle/>
           <a:p>
             <a:r>
-              <a:rPr lang="en-US" b="1" i="1" dirty="0" err="1">
-                <a:solidFill>
-                  <a:srgbClr val="FF0000"/>
-                </a:solidFill>
-              </a:rPr>
-              <a:t>ResponseProc</a:t>
-            </a:r>
-            <a:r>
-              <a:rPr lang="en-US" b="1" i="1" dirty="0">
-                <a:solidFill>
-                  <a:srgbClr val="FF0000"/>
-                </a:solidFill>
-              </a:rPr>
-              <a:t>()</a:t>
-            </a:r>
-          </a:p>
-        </p:txBody>
-      </p:sp>
-      <p:sp>
-        <p:nvSpPr>
-          <p:cNvPr id="49" name="TextBox 48"/>
-          <p:cNvSpPr txBox="1"/>
-          <p:nvPr/>
-        </p:nvSpPr>
-        <p:spPr>
-          <a:xfrm>
-            <a:off x="1520409" y="754458"/>
-            <a:ext cx="2410063" cy="369332"/>
-          </a:xfrm>
-          <a:prstGeom prst="rect">
-            <a:avLst/>
-          </a:prstGeom>
-          <a:noFill/>
-        </p:spPr>
-        <p:txBody>
-          <a:bodyPr wrap="square" rtlCol="0">
-            <a:spAutoFit/>
-          </a:bodyPr>
-          <a:lstStyle/>
-          <a:p>
-            <a:r>
-              <a:rPr lang="en-US" b="1" i="1" dirty="0">
-                <a:solidFill>
-                  <a:srgbClr val="FF0000"/>
-                </a:solidFill>
-              </a:rPr>
-              <a:t>Primary Thread</a:t>
-            </a:r>
-          </a:p>
-        </p:txBody>
-      </p:sp>
-      <p:sp>
-        <p:nvSpPr>
-          <p:cNvPr id="56" name="TextBox 55"/>
-          <p:cNvSpPr txBox="1"/>
-          <p:nvPr/>
-        </p:nvSpPr>
-        <p:spPr>
-          <a:xfrm>
-            <a:off x="8189699" y="1115978"/>
-            <a:ext cx="2078000" cy="954107"/>
-          </a:xfrm>
-          <a:prstGeom prst="rect">
-            <a:avLst/>
-          </a:prstGeom>
-          <a:noFill/>
-        </p:spPr>
-        <p:txBody>
-          <a:bodyPr wrap="square" rtlCol="0">
-            <a:spAutoFit/>
-          </a:bodyPr>
-          <a:lstStyle/>
-          <a:p>
-            <a:r>
-              <a:rPr lang="en-US" sz="1400" i="1" dirty="0"/>
-              <a:t>while(more messages)</a:t>
-            </a:r>
-          </a:p>
-          <a:p>
-            <a:r>
-              <a:rPr lang="en-US" sz="1400" i="1" dirty="0"/>
-              <a:t>{   </a:t>
-            </a:r>
-          </a:p>
-          <a:p>
-            <a:r>
-              <a:rPr lang="en-US" sz="1400" i="1" dirty="0"/>
-              <a:t>   </a:t>
-            </a:r>
-            <a:r>
               <a:rPr lang="en-US" sz="1400" i="1" dirty="0" err="1"/>
-              <a:t>PostMessage</a:t>
+              <a:t>SendSocketMessage</a:t>
             </a:r>
             <a:r>
               <a:rPr lang="en-US" sz="1400" i="1" dirty="0"/>
               <a:t>()</a:t>
             </a:r>
           </a:p>
-          <a:p>
-            <a:r>
-              <a:rPr lang="en-US" sz="1400" i="1" dirty="0"/>
-              <a:t>}</a:t>
-            </a:r>
-          </a:p>
-        </p:txBody>
-      </p:sp>
-      <p:sp>
-        <p:nvSpPr>
-          <p:cNvPr id="57" name="TextBox 56"/>
-          <p:cNvSpPr txBox="1"/>
-          <p:nvPr/>
-        </p:nvSpPr>
-        <p:spPr>
-          <a:xfrm>
-            <a:off x="7909588" y="2405016"/>
-            <a:ext cx="2078000" cy="954107"/>
-          </a:xfrm>
-          <a:prstGeom prst="rect">
-            <a:avLst/>
-          </a:prstGeom>
-          <a:noFill/>
-        </p:spPr>
-        <p:txBody>
-          <a:bodyPr wrap="square" rtlCol="0">
-            <a:spAutoFit/>
-          </a:bodyPr>
-          <a:lstStyle/>
-          <a:p>
-            <a:r>
-              <a:rPr lang="en-US" sz="1400" i="1" dirty="0"/>
-              <a:t>while(more messages)</a:t>
-            </a:r>
-          </a:p>
-          <a:p>
-            <a:r>
-              <a:rPr lang="en-US" sz="1400" i="1" dirty="0"/>
-              <a:t>{   </a:t>
-            </a:r>
-          </a:p>
-          <a:p>
-            <a:r>
-              <a:rPr lang="en-US" sz="1400" i="1" dirty="0"/>
-              <a:t>   </a:t>
-            </a:r>
-            <a:r>
-              <a:rPr lang="en-US" sz="1400" i="1" dirty="0" err="1"/>
-              <a:t>GetMessage</a:t>
-            </a:r>
-            <a:r>
-              <a:rPr lang="en-US" sz="1400" i="1" dirty="0"/>
-              <a:t>()</a:t>
-            </a:r>
-          </a:p>
-          <a:p>
-            <a:r>
-              <a:rPr lang="en-US" sz="1400" i="1" dirty="0"/>
-              <a:t>}</a:t>
-            </a:r>
-          </a:p>
-        </p:txBody>
-      </p:sp>
-      <p:sp>
-        <p:nvSpPr>
-          <p:cNvPr id="9" name="TextBox 8"/>
-          <p:cNvSpPr txBox="1"/>
-          <p:nvPr/>
-        </p:nvSpPr>
-        <p:spPr>
-          <a:xfrm>
-            <a:off x="3459770" y="1475785"/>
-            <a:ext cx="1944447" cy="307777"/>
-          </a:xfrm>
-          <a:prstGeom prst="rect">
-            <a:avLst/>
-          </a:prstGeom>
-          <a:noFill/>
-        </p:spPr>
-        <p:txBody>
-          <a:bodyPr wrap="square" rtlCol="0">
-            <a:spAutoFit/>
-          </a:bodyPr>
-          <a:lstStyle/>
-          <a:p>
-            <a:r>
-              <a:rPr lang="en-US" sz="1400" i="1" dirty="0" err="1"/>
-              <a:t>SendSocketMessage</a:t>
-            </a:r>
-            <a:r>
-              <a:rPr lang="en-US" sz="1400" i="1" dirty="0"/>
-              <a:t>()</a:t>
-            </a:r>
-          </a:p>
         </p:txBody>
       </p:sp>
       <p:sp>
@@ -7204,8 +6588,8 @@
         </p:nvSpPr>
         <p:spPr>
           <a:xfrm>
-            <a:off x="8268559" y="3191038"/>
-            <a:ext cx="1786285" cy="369332"/>
+            <a:off x="7873232" y="679431"/>
+            <a:ext cx="2410063" cy="369332"/>
           </a:xfrm>
           <a:prstGeom prst="rect">
             <a:avLst/>
@@ -7232,7 +6616,7 @@
                   <a:srgbClr val="FF0000"/>
                 </a:solidFill>
               </a:rPr>
-              <a:t>()</a:t>
+              <a:t>() Thread</a:t>
             </a:r>
           </a:p>
         </p:txBody>
@@ -7336,10 +6720,139 @@
           </a:p>
         </p:txBody>
       </p:sp>
+      <p:sp>
+        <p:nvSpPr>
+          <p:cNvPr id="53" name="Oval 52">
+            <a:extLst>
+              <a:ext uri="{FF2B5EF4-FFF2-40B4-BE49-F238E27FC236}">
+                <a16:creationId xmlns:a16="http://schemas.microsoft.com/office/drawing/2014/main" id="{ED7A0789-C59F-47B7-B97C-2FC5D2B49C29}"/>
+              </a:ext>
+            </a:extLst>
+          </p:cNvPr>
+          <p:cNvSpPr/>
+          <p:nvPr/>
+        </p:nvSpPr>
+        <p:spPr>
+          <a:xfrm>
+            <a:off x="7481183" y="1119361"/>
+            <a:ext cx="3194162" cy="2232900"/>
+          </a:xfrm>
+          <a:prstGeom prst="ellipse">
+            <a:avLst/>
+          </a:prstGeom>
+          <a:solidFill>
+            <a:srgbClr val="FF0000">
+              <a:alpha val="35000"/>
+            </a:srgbClr>
+          </a:solidFill>
+          <a:ln>
+            <a:noFill/>
+          </a:ln>
+        </p:spPr>
+        <p:style>
+          <a:lnRef idx="2">
+            <a:schemeClr val="accent1">
+              <a:shade val="50000"/>
+            </a:schemeClr>
+          </a:lnRef>
+          <a:fillRef idx="1">
+            <a:schemeClr val="accent1"/>
+          </a:fillRef>
+          <a:effectRef idx="0">
+            <a:schemeClr val="accent1"/>
+          </a:effectRef>
+          <a:fontRef idx="minor">
+            <a:schemeClr val="lt1"/>
+          </a:fontRef>
+        </p:style>
+        <p:txBody>
+          <a:bodyPr rtlCol="0" anchor="ctr"/>
+          <a:lstStyle/>
+          <a:p>
+            <a:pPr algn="ctr"/>
+            <a:endParaRPr lang="en-US" dirty="0"/>
+          </a:p>
+        </p:txBody>
+      </p:sp>
+      <p:sp>
+        <p:nvSpPr>
+          <p:cNvPr id="67" name="TextBox 66">
+            <a:extLst>
+              <a:ext uri="{FF2B5EF4-FFF2-40B4-BE49-F238E27FC236}">
+                <a16:creationId xmlns:a16="http://schemas.microsoft.com/office/drawing/2014/main" id="{3BC7BA4B-68FE-4248-B38E-DB2C044414D1}"/>
+              </a:ext>
+            </a:extLst>
+          </p:cNvPr>
+          <p:cNvSpPr txBox="1"/>
+          <p:nvPr/>
+        </p:nvSpPr>
+        <p:spPr>
+          <a:xfrm>
+            <a:off x="8289628" y="1552811"/>
+            <a:ext cx="2371026" cy="1477328"/>
+          </a:xfrm>
+          <a:prstGeom prst="rect">
+            <a:avLst/>
+          </a:prstGeom>
+          <a:noFill/>
+        </p:spPr>
+        <p:txBody>
+          <a:bodyPr wrap="square" rtlCol="0">
+            <a:spAutoFit/>
+          </a:bodyPr>
+          <a:lstStyle/>
+          <a:p>
+            <a:r>
+              <a:rPr lang="en-US" i="1" dirty="0"/>
+              <a:t>while(more messages)</a:t>
+            </a:r>
+          </a:p>
+          <a:p>
+            <a:r>
+              <a:rPr lang="en-US" i="1" dirty="0"/>
+              <a:t>{   </a:t>
+            </a:r>
+          </a:p>
+          <a:p>
+            <a:r>
+              <a:rPr lang="en-US" i="1" dirty="0"/>
+              <a:t>   </a:t>
+            </a:r>
+            <a:r>
+              <a:rPr lang="en-US" i="1" dirty="0" err="1"/>
+              <a:t>GetMessage</a:t>
+            </a:r>
+            <a:r>
+              <a:rPr lang="en-US" i="1" dirty="0"/>
+              <a:t>()</a:t>
+            </a:r>
+          </a:p>
+          <a:p>
+            <a:r>
+              <a:rPr lang="en-US" i="1" dirty="0"/>
+              <a:t>  </a:t>
+            </a:r>
+            <a:r>
+              <a:rPr lang="en-US" i="1" dirty="0" err="1"/>
+              <a:t>PostMessage</a:t>
+            </a:r>
+            <a:r>
+              <a:rPr lang="en-US" i="1" dirty="0"/>
+              <a:t>()</a:t>
+            </a:r>
+          </a:p>
+          <a:p>
+            <a:r>
+              <a:rPr lang="en-US" i="1" dirty="0"/>
+              <a:t>}</a:t>
+            </a:r>
+          </a:p>
+        </p:txBody>
+      </p:sp>
     </p:spTree>
     <p:extLst>
       <p:ext uri="{BB962C8B-B14F-4D97-AF65-F5344CB8AC3E}">
-        <p14:creationId xmlns:p14="http://schemas.microsoft.com/office/powerpoint/2010/main" val="605578329"/>
+        <p14:creationId xmlns:p14="http://schemas.microsoft.com/office/powerpoint/2010/main" val="1072944679"/>
       </p:ext>
     </p:extLst>
   </p:cSld>
@@ -7368,6 +6881,52 @@
       </p:grpSpPr>
       <p:sp>
         <p:nvSpPr>
+          <p:cNvPr id="29" name="Rectangle 28"/>
+          <p:cNvSpPr/>
+          <p:nvPr/>
+        </p:nvSpPr>
+        <p:spPr>
+          <a:xfrm>
+            <a:off x="168592" y="710119"/>
+            <a:ext cx="3942030" cy="5921026"/>
+          </a:xfrm>
+          <a:prstGeom prst="rect">
+            <a:avLst/>
+          </a:prstGeom>
+          <a:solidFill>
+            <a:srgbClr val="FFC000"/>
+          </a:solidFill>
+        </p:spPr>
+        <p:style>
+          <a:lnRef idx="2">
+            <a:schemeClr val="accent1">
+              <a:shade val="50000"/>
+            </a:schemeClr>
+          </a:lnRef>
+          <a:fillRef idx="1">
+            <a:schemeClr val="accent1"/>
+          </a:fillRef>
+          <a:effectRef idx="0">
+            <a:schemeClr val="accent1"/>
+          </a:effectRef>
+          <a:fontRef idx="minor">
+            <a:schemeClr val="lt1"/>
+          </a:fontRef>
+        </p:style>
+        <p:txBody>
+          <a:bodyPr rtlCol="0" anchor="b" anchorCtr="1"/>
+          <a:lstStyle/>
+          <a:p>
+            <a:pPr algn="ctr"/>
+            <a:r>
+              <a:rPr lang="en-US" dirty="0"/>
+              <a:t>Process 1</a:t>
+            </a:r>
+          </a:p>
+        </p:txBody>
+      </p:sp>
+      <p:sp>
+        <p:nvSpPr>
           <p:cNvPr id="2" name="Title 1"/>
           <p:cNvSpPr>
             <a:spLocks noGrp="1"/>
@@ -7376,92 +6935,2104 @@
             <p:ph type="title"/>
           </p:nvPr>
         </p:nvSpPr>
-        <p:spPr/>
-        <p:txBody>
-          <a:bodyPr/>
-          <a:lstStyle/>
-          <a:p>
-            <a:r>
-              <a:rPr lang="en-US" dirty="0"/>
-              <a:t>MPL Specializations  </a:t>
-            </a:r>
-          </a:p>
-        </p:txBody>
-      </p:sp>
-      <p:sp>
-        <p:nvSpPr>
-          <p:cNvPr id="3" name="Content Placeholder 2"/>
-          <p:cNvSpPr>
-            <a:spLocks noGrp="1"/>
-          </p:cNvSpPr>
-          <p:nvPr>
-            <p:ph idx="1"/>
-          </p:nvPr>
-        </p:nvSpPr>
-        <p:spPr/>
+        <p:spPr>
+          <a:xfrm>
+            <a:off x="1712611" y="-57803"/>
+            <a:ext cx="8724699" cy="572867"/>
+          </a:xfrm>
+        </p:spPr>
         <p:txBody>
           <a:bodyPr>
             <a:normAutofit/>
           </a:bodyPr>
           <a:lstStyle/>
           <a:p>
-            <a:pPr lvl="1"/>
-            <a:r>
-              <a:rPr lang="en-US" sz="3200" dirty="0"/>
-              <a:t>Default MPL: variable sized message passing</a:t>
-            </a:r>
-          </a:p>
-          <a:p>
-            <a:pPr lvl="2"/>
-            <a:r>
-              <a:rPr lang="en-US" sz="2400" dirty="0"/>
-              <a:t>Simple and flexible</a:t>
-            </a:r>
-          </a:p>
-          <a:p>
-            <a:pPr lvl="1"/>
-            <a:r>
-              <a:rPr lang="en-US" sz="3200" dirty="0"/>
-              <a:t>Specialization 1:  fixed size message passing</a:t>
-            </a:r>
-          </a:p>
-          <a:p>
-            <a:pPr lvl="2"/>
-            <a:r>
-              <a:rPr lang="en-US" sz="2400" dirty="0"/>
-              <a:t>Better performance (high throughput applications)</a:t>
-            </a:r>
-          </a:p>
-          <a:p>
-            <a:pPr lvl="1"/>
-            <a:r>
-              <a:rPr lang="en-US" sz="3200" dirty="0"/>
-              <a:t>Specialization 2: SSL enabled (secure) message passing</a:t>
-            </a:r>
-          </a:p>
-          <a:p>
-            <a:pPr lvl="2"/>
-            <a:r>
-              <a:rPr lang="en-US" sz="2400" dirty="0"/>
-              <a:t>Security: based PKI (Public Key Infrastructure)</a:t>
-            </a:r>
-          </a:p>
-          <a:p>
-            <a:pPr lvl="1"/>
-            <a:r>
-              <a:rPr lang="en-US" sz="3200" dirty="0"/>
-              <a:t>Specialization 3:</a:t>
-            </a:r>
-            <a:r>
-              <a:rPr lang="en-US" sz="3600" dirty="0"/>
-              <a:t> Emphasize recovery</a:t>
-            </a:r>
-          </a:p>
-          <a:p>
-            <a:pPr lvl="2"/>
-            <a:r>
-              <a:rPr lang="en-US" sz="2400" dirty="0"/>
-              <a:t>High reliability applications</a:t>
+            <a:pPr algn="ctr"/>
+            <a:r>
+              <a:rPr lang="en-US" sz="2800" dirty="0"/>
+              <a:t>MPL Concept:  </a:t>
+            </a:r>
+            <a:r>
+              <a:rPr lang="en-US" sz="2800" u="sng" dirty="0"/>
+              <a:t>Asynchronous</a:t>
+            </a:r>
+            <a:r>
+              <a:rPr lang="en-US" sz="2800" dirty="0"/>
+              <a:t> Full Duplex (Bidirectional)</a:t>
+            </a:r>
+          </a:p>
+        </p:txBody>
+      </p:sp>
+      <p:sp>
+        <p:nvSpPr>
+          <p:cNvPr id="5" name="Rectangle 4"/>
+          <p:cNvSpPr/>
+          <p:nvPr/>
+        </p:nvSpPr>
+        <p:spPr>
+          <a:xfrm>
+            <a:off x="260165" y="1050587"/>
+            <a:ext cx="3807112" cy="2363822"/>
+          </a:xfrm>
+          <a:prstGeom prst="rect">
+            <a:avLst/>
+          </a:prstGeom>
+          <a:solidFill>
+            <a:schemeClr val="bg1">
+              <a:lumMod val="75000"/>
+            </a:schemeClr>
+          </a:solidFill>
+        </p:spPr>
+        <p:style>
+          <a:lnRef idx="2">
+            <a:schemeClr val="accent1">
+              <a:shade val="50000"/>
+            </a:schemeClr>
+          </a:lnRef>
+          <a:fillRef idx="1">
+            <a:schemeClr val="accent1"/>
+          </a:fillRef>
+          <a:effectRef idx="0">
+            <a:schemeClr val="accent1"/>
+          </a:effectRef>
+          <a:fontRef idx="minor">
+            <a:schemeClr val="lt1"/>
+          </a:fontRef>
+        </p:style>
+        <p:txBody>
+          <a:bodyPr rtlCol="0" anchor="ctr"/>
+          <a:lstStyle/>
+          <a:p>
+            <a:r>
+              <a:rPr lang="en-US" sz="2400" dirty="0">
+                <a:solidFill>
+                  <a:schemeClr val="tx1"/>
+                </a:solidFill>
+              </a:rPr>
+              <a:t>Sender</a:t>
+            </a:r>
+          </a:p>
+        </p:txBody>
+      </p:sp>
+      <p:sp>
+        <p:nvSpPr>
+          <p:cNvPr id="6" name="Rectangle 5"/>
+          <p:cNvSpPr/>
+          <p:nvPr/>
+        </p:nvSpPr>
+        <p:spPr>
+          <a:xfrm>
+            <a:off x="6738940" y="710119"/>
+            <a:ext cx="3942030" cy="5921026"/>
+          </a:xfrm>
+          <a:prstGeom prst="rect">
+            <a:avLst/>
+          </a:prstGeom>
+          <a:solidFill>
+            <a:srgbClr val="FFC000"/>
+          </a:solidFill>
+        </p:spPr>
+        <p:style>
+          <a:lnRef idx="2">
+            <a:schemeClr val="accent1">
+              <a:shade val="50000"/>
+            </a:schemeClr>
+          </a:lnRef>
+          <a:fillRef idx="1">
+            <a:schemeClr val="accent1"/>
+          </a:fillRef>
+          <a:effectRef idx="0">
+            <a:schemeClr val="accent1"/>
+          </a:effectRef>
+          <a:fontRef idx="minor">
+            <a:schemeClr val="lt1"/>
+          </a:fontRef>
+        </p:style>
+        <p:txBody>
+          <a:bodyPr rtlCol="0" anchor="b" anchorCtr="1"/>
+          <a:lstStyle/>
+          <a:p>
+            <a:pPr algn="ctr"/>
+            <a:r>
+              <a:rPr lang="en-US" dirty="0"/>
+              <a:t>Process 2</a:t>
+            </a:r>
+          </a:p>
+        </p:txBody>
+      </p:sp>
+      <p:pic>
+        <p:nvPicPr>
+          <p:cNvPr id="3" name="Picture 2"/>
+          <p:cNvPicPr>
+            <a:picLocks noChangeAspect="1"/>
+          </p:cNvPicPr>
+          <p:nvPr/>
+        </p:nvPicPr>
+        <p:blipFill>
+          <a:blip r:embed="rId2" cstate="print">
+            <a:extLst>
+              <a:ext uri="{28A0092B-C50C-407E-A947-70E740481C1C}">
+                <a14:useLocalDpi xmlns:a14="http://schemas.microsoft.com/office/drawing/2010/main" val="0"/>
+              </a:ext>
+            </a:extLst>
+          </a:blip>
+          <a:stretch>
+            <a:fillRect/>
+          </a:stretch>
+        </p:blipFill>
+        <p:spPr>
+          <a:xfrm>
+            <a:off x="2967434" y="1675833"/>
+            <a:ext cx="1121516" cy="313507"/>
+          </a:xfrm>
+          <a:prstGeom prst="rect">
+            <a:avLst/>
+          </a:prstGeom>
+        </p:spPr>
+      </p:pic>
+      <p:pic>
+        <p:nvPicPr>
+          <p:cNvPr id="7" name="Picture 6"/>
+          <p:cNvPicPr>
+            <a:picLocks noChangeAspect="1"/>
+          </p:cNvPicPr>
+          <p:nvPr/>
+        </p:nvPicPr>
+        <p:blipFill>
+          <a:blip r:embed="rId2" cstate="print">
+            <a:extLst>
+              <a:ext uri="{28A0092B-C50C-407E-A947-70E740481C1C}">
+                <a14:useLocalDpi xmlns:a14="http://schemas.microsoft.com/office/drawing/2010/main" val="0"/>
+              </a:ext>
+            </a:extLst>
+          </a:blip>
+          <a:stretch>
+            <a:fillRect/>
+          </a:stretch>
+        </p:blipFill>
+        <p:spPr>
+          <a:xfrm>
+            <a:off x="2930981" y="2521593"/>
+            <a:ext cx="1121516" cy="313507"/>
+          </a:xfrm>
+          <a:prstGeom prst="rect">
+            <a:avLst/>
+          </a:prstGeom>
+        </p:spPr>
+      </p:pic>
+      <p:sp>
+        <p:nvSpPr>
+          <p:cNvPr id="4" name="Rectangle 3"/>
+          <p:cNvSpPr/>
+          <p:nvPr/>
+        </p:nvSpPr>
+        <p:spPr>
+          <a:xfrm>
+            <a:off x="3969453" y="2041787"/>
+            <a:ext cx="606294" cy="441359"/>
+          </a:xfrm>
+          <a:prstGeom prst="rect">
+            <a:avLst/>
+          </a:prstGeom>
+          <a:solidFill>
+            <a:srgbClr val="FFFF00"/>
+          </a:solidFill>
+        </p:spPr>
+        <p:style>
+          <a:lnRef idx="2">
+            <a:schemeClr val="accent1">
+              <a:shade val="50000"/>
+            </a:schemeClr>
+          </a:lnRef>
+          <a:fillRef idx="1">
+            <a:schemeClr val="accent1"/>
+          </a:fillRef>
+          <a:effectRef idx="0">
+            <a:schemeClr val="accent1"/>
+          </a:effectRef>
+          <a:fontRef idx="minor">
+            <a:schemeClr val="lt1"/>
+          </a:fontRef>
+        </p:style>
+        <p:txBody>
+          <a:bodyPr rtlCol="0" anchor="ctr"/>
+          <a:lstStyle/>
+          <a:p>
+            <a:pPr algn="ctr"/>
+            <a:endParaRPr lang="en-US"/>
+          </a:p>
+        </p:txBody>
+      </p:sp>
+      <p:sp>
+        <p:nvSpPr>
+          <p:cNvPr id="10" name="Curved Left Arrow 9"/>
+          <p:cNvSpPr/>
+          <p:nvPr/>
+        </p:nvSpPr>
+        <p:spPr>
+          <a:xfrm flipH="1">
+            <a:off x="3755516" y="1812757"/>
+            <a:ext cx="349912" cy="436908"/>
+          </a:xfrm>
+          <a:prstGeom prst="curvedLeftArrow">
+            <a:avLst>
+              <a:gd name="adj1" fmla="val 25000"/>
+              <a:gd name="adj2" fmla="val 46753"/>
+              <a:gd name="adj3" fmla="val 25000"/>
+            </a:avLst>
+          </a:prstGeom>
+          <a:solidFill>
+            <a:srgbClr val="FF0000"/>
+          </a:solidFill>
+          <a:ln>
+            <a:solidFill>
+              <a:srgbClr val="FF0000"/>
+            </a:solidFill>
+          </a:ln>
+        </p:spPr>
+        <p:style>
+          <a:lnRef idx="2">
+            <a:schemeClr val="accent1">
+              <a:shade val="50000"/>
+            </a:schemeClr>
+          </a:lnRef>
+          <a:fillRef idx="1">
+            <a:schemeClr val="accent1"/>
+          </a:fillRef>
+          <a:effectRef idx="0">
+            <a:schemeClr val="accent1"/>
+          </a:effectRef>
+          <a:fontRef idx="minor">
+            <a:schemeClr val="lt1"/>
+          </a:fontRef>
+        </p:style>
+        <p:txBody>
+          <a:bodyPr rtlCol="0" anchor="ctr"/>
+          <a:lstStyle/>
+          <a:p>
+            <a:pPr algn="ctr"/>
+            <a:endParaRPr lang="en-US">
+              <a:solidFill>
+                <a:schemeClr val="tx1"/>
+              </a:solidFill>
+            </a:endParaRPr>
+          </a:p>
+        </p:txBody>
+      </p:sp>
+      <p:sp>
+        <p:nvSpPr>
+          <p:cNvPr id="11" name="Curved Left Arrow 10"/>
+          <p:cNvSpPr/>
+          <p:nvPr/>
+        </p:nvSpPr>
+        <p:spPr>
+          <a:xfrm>
+            <a:off x="4036753" y="2355164"/>
+            <a:ext cx="407478" cy="398455"/>
+          </a:xfrm>
+          <a:prstGeom prst="curvedLeftArrow">
+            <a:avLst>
+              <a:gd name="adj1" fmla="val 25000"/>
+              <a:gd name="adj2" fmla="val 46753"/>
+              <a:gd name="adj3" fmla="val 25000"/>
+            </a:avLst>
+          </a:prstGeom>
+          <a:solidFill>
+            <a:srgbClr val="FF0000"/>
+          </a:solidFill>
+          <a:ln>
+            <a:solidFill>
+              <a:srgbClr val="FF0000"/>
+            </a:solidFill>
+          </a:ln>
+        </p:spPr>
+        <p:style>
+          <a:lnRef idx="2">
+            <a:schemeClr val="accent1">
+              <a:shade val="50000"/>
+            </a:schemeClr>
+          </a:lnRef>
+          <a:fillRef idx="1">
+            <a:schemeClr val="accent1"/>
+          </a:fillRef>
+          <a:effectRef idx="0">
+            <a:schemeClr val="accent1"/>
+          </a:effectRef>
+          <a:fontRef idx="minor">
+            <a:schemeClr val="lt1"/>
+          </a:fontRef>
+        </p:style>
+        <p:txBody>
+          <a:bodyPr rtlCol="0" anchor="ctr"/>
+          <a:lstStyle/>
+          <a:p>
+            <a:pPr algn="ctr"/>
+            <a:endParaRPr lang="en-US">
+              <a:solidFill>
+                <a:schemeClr val="tx1"/>
+              </a:solidFill>
+            </a:endParaRPr>
+          </a:p>
+        </p:txBody>
+      </p:sp>
+      <p:sp>
+        <p:nvSpPr>
+          <p:cNvPr id="12" name="TextBox 11"/>
+          <p:cNvSpPr txBox="1"/>
+          <p:nvPr/>
+        </p:nvSpPr>
+        <p:spPr>
+          <a:xfrm>
+            <a:off x="4709896" y="5076488"/>
+            <a:ext cx="1677139" cy="369332"/>
+          </a:xfrm>
+          <a:prstGeom prst="rect">
+            <a:avLst/>
+          </a:prstGeom>
+          <a:noFill/>
+        </p:spPr>
+        <p:txBody>
+          <a:bodyPr wrap="square" rtlCol="0">
+            <a:spAutoFit/>
+          </a:bodyPr>
+          <a:lstStyle/>
+          <a:p>
+            <a:r>
+              <a:rPr lang="en-US" dirty="0"/>
+              <a:t>Socket  connect</a:t>
+            </a:r>
+          </a:p>
+        </p:txBody>
+      </p:sp>
+      <p:sp>
+        <p:nvSpPr>
+          <p:cNvPr id="13" name="Rectangle 12"/>
+          <p:cNvSpPr/>
+          <p:nvPr/>
+        </p:nvSpPr>
+        <p:spPr>
+          <a:xfrm>
+            <a:off x="6389993" y="4824198"/>
+            <a:ext cx="345990" cy="436956"/>
+          </a:xfrm>
+          <a:prstGeom prst="rect">
+            <a:avLst/>
+          </a:prstGeom>
+          <a:solidFill>
+            <a:srgbClr val="FFFF00"/>
+          </a:solidFill>
+        </p:spPr>
+        <p:style>
+          <a:lnRef idx="2">
+            <a:schemeClr val="accent1">
+              <a:shade val="50000"/>
+            </a:schemeClr>
+          </a:lnRef>
+          <a:fillRef idx="1">
+            <a:schemeClr val="accent1"/>
+          </a:fillRef>
+          <a:effectRef idx="0">
+            <a:schemeClr val="accent1"/>
+          </a:effectRef>
+          <a:fontRef idx="minor">
+            <a:schemeClr val="lt1"/>
+          </a:fontRef>
+        </p:style>
+        <p:txBody>
+          <a:bodyPr rtlCol="0" anchor="ctr"/>
+          <a:lstStyle/>
+          <a:p>
+            <a:pPr algn="ctr"/>
+            <a:endParaRPr lang="en-US"/>
+          </a:p>
+        </p:txBody>
+      </p:sp>
+      <p:sp>
+        <p:nvSpPr>
+          <p:cNvPr id="14" name="Rectangle 13"/>
+          <p:cNvSpPr/>
+          <p:nvPr/>
+        </p:nvSpPr>
+        <p:spPr>
+          <a:xfrm>
+            <a:off x="6733025" y="4525196"/>
+            <a:ext cx="2913349" cy="1086492"/>
+          </a:xfrm>
+          <a:prstGeom prst="rect">
+            <a:avLst/>
+          </a:prstGeom>
+          <a:solidFill>
+            <a:schemeClr val="accent2"/>
+          </a:solidFill>
+        </p:spPr>
+        <p:style>
+          <a:lnRef idx="2">
+            <a:schemeClr val="accent1">
+              <a:shade val="50000"/>
+            </a:schemeClr>
+          </a:lnRef>
+          <a:fillRef idx="1">
+            <a:schemeClr val="accent1"/>
+          </a:fillRef>
+          <a:effectRef idx="0">
+            <a:schemeClr val="accent1"/>
+          </a:effectRef>
+          <a:fontRef idx="minor">
+            <a:schemeClr val="lt1"/>
+          </a:fontRef>
+        </p:style>
+        <p:txBody>
+          <a:bodyPr rtlCol="0" anchor="ctr"/>
+          <a:lstStyle/>
+          <a:p>
+            <a:pPr algn="ctr"/>
+            <a:r>
+              <a:rPr lang="en-US" dirty="0"/>
+              <a:t>Receiver</a:t>
+            </a:r>
+          </a:p>
+        </p:txBody>
+      </p:sp>
+      <p:sp>
+        <p:nvSpPr>
+          <p:cNvPr id="17" name="Rectangle 16"/>
+          <p:cNvSpPr/>
+          <p:nvPr/>
+        </p:nvSpPr>
+        <p:spPr>
+          <a:xfrm>
+            <a:off x="6791086" y="1050587"/>
+            <a:ext cx="3818746" cy="2457156"/>
+          </a:xfrm>
+          <a:prstGeom prst="rect">
+            <a:avLst/>
+          </a:prstGeom>
+          <a:solidFill>
+            <a:schemeClr val="bg1">
+              <a:lumMod val="75000"/>
+            </a:schemeClr>
+          </a:solidFill>
+        </p:spPr>
+        <p:style>
+          <a:lnRef idx="2">
+            <a:schemeClr val="accent1">
+              <a:shade val="50000"/>
+            </a:schemeClr>
+          </a:lnRef>
+          <a:fillRef idx="1">
+            <a:schemeClr val="accent1"/>
+          </a:fillRef>
+          <a:effectRef idx="0">
+            <a:schemeClr val="accent1"/>
+          </a:effectRef>
+          <a:fontRef idx="minor">
+            <a:schemeClr val="lt1"/>
+          </a:fontRef>
+        </p:style>
+        <p:txBody>
+          <a:bodyPr rtlCol="0" anchor="ctr"/>
+          <a:lstStyle/>
+          <a:p>
+            <a:pPr algn="r"/>
+            <a:r>
+              <a:rPr lang="en-US" sz="2400" dirty="0">
+                <a:solidFill>
+                  <a:schemeClr val="tx1"/>
+                </a:solidFill>
+              </a:rPr>
+              <a:t>                </a:t>
+            </a:r>
+            <a:r>
+              <a:rPr lang="en-US" sz="2400" dirty="0" err="1">
+                <a:solidFill>
+                  <a:schemeClr val="tx1"/>
+                </a:solidFill>
+              </a:rPr>
+              <a:t>ClientHander</a:t>
+            </a:r>
+            <a:endParaRPr lang="en-US" sz="2400" dirty="0">
+              <a:solidFill>
+                <a:schemeClr val="tx1"/>
+              </a:solidFill>
+            </a:endParaRPr>
+          </a:p>
+        </p:txBody>
+      </p:sp>
+      <p:pic>
+        <p:nvPicPr>
+          <p:cNvPr id="18" name="Picture 17"/>
+          <p:cNvPicPr>
+            <a:picLocks noChangeAspect="1"/>
+          </p:cNvPicPr>
+          <p:nvPr/>
+        </p:nvPicPr>
+        <p:blipFill>
+          <a:blip r:embed="rId2" cstate="print">
+            <a:extLst>
+              <a:ext uri="{28A0092B-C50C-407E-A947-70E740481C1C}">
+                <a14:useLocalDpi xmlns:a14="http://schemas.microsoft.com/office/drawing/2010/main" val="0"/>
+              </a:ext>
+            </a:extLst>
+          </a:blip>
+          <a:stretch>
+            <a:fillRect/>
+          </a:stretch>
+        </p:blipFill>
+        <p:spPr>
+          <a:xfrm>
+            <a:off x="6792891" y="1670737"/>
+            <a:ext cx="1121516" cy="313507"/>
+          </a:xfrm>
+          <a:prstGeom prst="rect">
+            <a:avLst/>
+          </a:prstGeom>
+        </p:spPr>
+      </p:pic>
+      <p:pic>
+        <p:nvPicPr>
+          <p:cNvPr id="19" name="Picture 18"/>
+          <p:cNvPicPr>
+            <a:picLocks noChangeAspect="1"/>
+          </p:cNvPicPr>
+          <p:nvPr/>
+        </p:nvPicPr>
+        <p:blipFill>
+          <a:blip r:embed="rId2" cstate="print">
+            <a:extLst>
+              <a:ext uri="{28A0092B-C50C-407E-A947-70E740481C1C}">
+                <a14:useLocalDpi xmlns:a14="http://schemas.microsoft.com/office/drawing/2010/main" val="0"/>
+              </a:ext>
+            </a:extLst>
+          </a:blip>
+          <a:stretch>
+            <a:fillRect/>
+          </a:stretch>
+        </p:blipFill>
+        <p:spPr>
+          <a:xfrm>
+            <a:off x="6792315" y="2529047"/>
+            <a:ext cx="1121516" cy="313507"/>
+          </a:xfrm>
+          <a:prstGeom prst="rect">
+            <a:avLst/>
+          </a:prstGeom>
+        </p:spPr>
+      </p:pic>
+      <p:sp>
+        <p:nvSpPr>
+          <p:cNvPr id="21" name="Rectangle 20"/>
+          <p:cNvSpPr/>
+          <p:nvPr/>
+        </p:nvSpPr>
+        <p:spPr>
+          <a:xfrm>
+            <a:off x="6279730" y="2041786"/>
+            <a:ext cx="624651" cy="441359"/>
+          </a:xfrm>
+          <a:prstGeom prst="rect">
+            <a:avLst/>
+          </a:prstGeom>
+          <a:solidFill>
+            <a:srgbClr val="FFFF00"/>
+          </a:solidFill>
+        </p:spPr>
+        <p:style>
+          <a:lnRef idx="2">
+            <a:schemeClr val="accent1">
+              <a:shade val="50000"/>
+            </a:schemeClr>
+          </a:lnRef>
+          <a:fillRef idx="1">
+            <a:schemeClr val="accent1"/>
+          </a:fillRef>
+          <a:effectRef idx="0">
+            <a:schemeClr val="accent1"/>
+          </a:effectRef>
+          <a:fontRef idx="minor">
+            <a:schemeClr val="lt1"/>
+          </a:fontRef>
+        </p:style>
+        <p:txBody>
+          <a:bodyPr rtlCol="0" anchor="ctr"/>
+          <a:lstStyle/>
+          <a:p>
+            <a:pPr algn="ctr"/>
+            <a:endParaRPr lang="en-US"/>
+          </a:p>
+        </p:txBody>
+      </p:sp>
+      <p:sp>
+        <p:nvSpPr>
+          <p:cNvPr id="22" name="Curved Left Arrow 21"/>
+          <p:cNvSpPr/>
+          <p:nvPr/>
+        </p:nvSpPr>
+        <p:spPr>
+          <a:xfrm flipH="1">
+            <a:off x="6493338" y="2366178"/>
+            <a:ext cx="349912" cy="436908"/>
+          </a:xfrm>
+          <a:prstGeom prst="curvedLeftArrow">
+            <a:avLst>
+              <a:gd name="adj1" fmla="val 25000"/>
+              <a:gd name="adj2" fmla="val 46753"/>
+              <a:gd name="adj3" fmla="val 25000"/>
+            </a:avLst>
+          </a:prstGeom>
+          <a:solidFill>
+            <a:srgbClr val="FF0000"/>
+          </a:solidFill>
+          <a:ln>
+            <a:solidFill>
+              <a:srgbClr val="FF0000"/>
+            </a:solidFill>
+          </a:ln>
+        </p:spPr>
+        <p:style>
+          <a:lnRef idx="2">
+            <a:schemeClr val="accent1">
+              <a:shade val="50000"/>
+            </a:schemeClr>
+          </a:lnRef>
+          <a:fillRef idx="1">
+            <a:schemeClr val="accent1"/>
+          </a:fillRef>
+          <a:effectRef idx="0">
+            <a:schemeClr val="accent1"/>
+          </a:effectRef>
+          <a:fontRef idx="minor">
+            <a:schemeClr val="lt1"/>
+          </a:fontRef>
+        </p:style>
+        <p:txBody>
+          <a:bodyPr rtlCol="0" anchor="ctr"/>
+          <a:lstStyle/>
+          <a:p>
+            <a:pPr algn="ctr"/>
+            <a:endParaRPr lang="en-US">
+              <a:solidFill>
+                <a:schemeClr val="tx1"/>
+              </a:solidFill>
+            </a:endParaRPr>
+          </a:p>
+        </p:txBody>
+      </p:sp>
+      <p:sp>
+        <p:nvSpPr>
+          <p:cNvPr id="23" name="Curved Left Arrow 22"/>
+          <p:cNvSpPr/>
+          <p:nvPr/>
+        </p:nvSpPr>
+        <p:spPr>
+          <a:xfrm>
+            <a:off x="6754479" y="1792625"/>
+            <a:ext cx="407478" cy="398455"/>
+          </a:xfrm>
+          <a:prstGeom prst="curvedLeftArrow">
+            <a:avLst>
+              <a:gd name="adj1" fmla="val 25000"/>
+              <a:gd name="adj2" fmla="val 46753"/>
+              <a:gd name="adj3" fmla="val 25000"/>
+            </a:avLst>
+          </a:prstGeom>
+          <a:solidFill>
+            <a:srgbClr val="FF0000"/>
+          </a:solidFill>
+          <a:ln>
+            <a:solidFill>
+              <a:srgbClr val="FF0000"/>
+            </a:solidFill>
+          </a:ln>
+        </p:spPr>
+        <p:style>
+          <a:lnRef idx="2">
+            <a:schemeClr val="accent1">
+              <a:shade val="50000"/>
+            </a:schemeClr>
+          </a:lnRef>
+          <a:fillRef idx="1">
+            <a:schemeClr val="accent1"/>
+          </a:fillRef>
+          <a:effectRef idx="0">
+            <a:schemeClr val="accent1"/>
+          </a:effectRef>
+          <a:fontRef idx="minor">
+            <a:schemeClr val="lt1"/>
+          </a:fontRef>
+        </p:style>
+        <p:txBody>
+          <a:bodyPr rtlCol="0" anchor="ctr"/>
+          <a:lstStyle/>
+          <a:p>
+            <a:pPr algn="ctr"/>
+            <a:endParaRPr lang="en-US">
+              <a:solidFill>
+                <a:schemeClr val="tx1"/>
+              </a:solidFill>
+            </a:endParaRPr>
+          </a:p>
+        </p:txBody>
+      </p:sp>
+      <p:cxnSp>
+        <p:nvCxnSpPr>
+          <p:cNvPr id="26" name="Straight Arrow Connector 25"/>
+          <p:cNvCxnSpPr>
+            <a:stCxn id="4" idx="3"/>
+            <a:endCxn id="21" idx="1"/>
+          </p:cNvCxnSpPr>
+          <p:nvPr/>
+        </p:nvCxnSpPr>
+        <p:spPr>
+          <a:xfrm flipV="1">
+            <a:off x="4575747" y="2262466"/>
+            <a:ext cx="1703983" cy="1"/>
+          </a:xfrm>
+          <a:prstGeom prst="straightConnector1">
+            <a:avLst/>
+          </a:prstGeom>
+          <a:ln w="114300">
+            <a:solidFill>
+              <a:schemeClr val="bg2">
+                <a:lumMod val="75000"/>
+              </a:schemeClr>
+            </a:solidFill>
+            <a:headEnd type="triangle"/>
+            <a:tailEnd type="triangle"/>
+          </a:ln>
+        </p:spPr>
+        <p:style>
+          <a:lnRef idx="1">
+            <a:schemeClr val="accent1"/>
+          </a:lnRef>
+          <a:fillRef idx="0">
+            <a:schemeClr val="accent1"/>
+          </a:fillRef>
+          <a:effectRef idx="0">
+            <a:schemeClr val="accent1"/>
+          </a:effectRef>
+          <a:fontRef idx="minor">
+            <a:schemeClr val="tx1"/>
+          </a:fontRef>
+        </p:style>
+      </p:cxnSp>
+      <p:cxnSp>
+        <p:nvCxnSpPr>
+          <p:cNvPr id="30" name="Straight Arrow Connector 29"/>
+          <p:cNvCxnSpPr>
+            <a:stCxn id="13" idx="1"/>
+          </p:cNvCxnSpPr>
+          <p:nvPr/>
+        </p:nvCxnSpPr>
+        <p:spPr>
+          <a:xfrm flipH="1">
+            <a:off x="4540840" y="5042676"/>
+            <a:ext cx="1849153" cy="0"/>
+          </a:xfrm>
+          <a:prstGeom prst="straightConnector1">
+            <a:avLst/>
+          </a:prstGeom>
+          <a:ln w="44450">
+            <a:solidFill>
+              <a:schemeClr val="bg2">
+                <a:lumMod val="75000"/>
+              </a:schemeClr>
+            </a:solidFill>
+            <a:prstDash val="dash"/>
+            <a:headEnd type="triangle"/>
+            <a:tailEnd type="none"/>
+          </a:ln>
+        </p:spPr>
+        <p:style>
+          <a:lnRef idx="1">
+            <a:schemeClr val="accent1"/>
+          </a:lnRef>
+          <a:fillRef idx="0">
+            <a:schemeClr val="accent1"/>
+          </a:fillRef>
+          <a:effectRef idx="0">
+            <a:schemeClr val="accent1"/>
+          </a:effectRef>
+          <a:fontRef idx="minor">
+            <a:schemeClr val="tx1"/>
+          </a:fontRef>
+        </p:style>
+      </p:cxnSp>
+      <p:sp>
+        <p:nvSpPr>
+          <p:cNvPr id="33" name="TextBox 32"/>
+          <p:cNvSpPr txBox="1"/>
+          <p:nvPr/>
+        </p:nvSpPr>
+        <p:spPr>
+          <a:xfrm>
+            <a:off x="4827691" y="2082778"/>
+            <a:ext cx="1491703" cy="338554"/>
+          </a:xfrm>
+          <a:prstGeom prst="rect">
+            <a:avLst/>
+          </a:prstGeom>
+          <a:noFill/>
+        </p:spPr>
+        <p:txBody>
+          <a:bodyPr wrap="square" rtlCol="0">
+            <a:spAutoFit/>
+          </a:bodyPr>
+          <a:lstStyle/>
+          <a:p>
+            <a:r>
+              <a:rPr lang="en-US" sz="1600" dirty="0"/>
+              <a:t>Socket Data</a:t>
+            </a:r>
+          </a:p>
+        </p:txBody>
+      </p:sp>
+      <p:sp>
+        <p:nvSpPr>
+          <p:cNvPr id="8" name="Oval 7"/>
+          <p:cNvSpPr/>
+          <p:nvPr/>
+        </p:nvSpPr>
+        <p:spPr>
+          <a:xfrm>
+            <a:off x="3483734" y="1532939"/>
+            <a:ext cx="1261132" cy="719116"/>
+          </a:xfrm>
+          <a:prstGeom prst="ellipse">
+            <a:avLst/>
+          </a:prstGeom>
+          <a:solidFill>
+            <a:srgbClr val="FF0000">
+              <a:alpha val="35000"/>
+            </a:srgbClr>
+          </a:solidFill>
+          <a:ln>
+            <a:noFill/>
+          </a:ln>
+        </p:spPr>
+        <p:style>
+          <a:lnRef idx="2">
+            <a:schemeClr val="accent1">
+              <a:shade val="50000"/>
+            </a:schemeClr>
+          </a:lnRef>
+          <a:fillRef idx="1">
+            <a:schemeClr val="accent1"/>
+          </a:fillRef>
+          <a:effectRef idx="0">
+            <a:schemeClr val="accent1"/>
+          </a:effectRef>
+          <a:fontRef idx="minor">
+            <a:schemeClr val="lt1"/>
+          </a:fontRef>
+        </p:style>
+        <p:txBody>
+          <a:bodyPr rtlCol="0" anchor="ctr"/>
+          <a:lstStyle/>
+          <a:p>
+            <a:pPr algn="ctr"/>
+            <a:endParaRPr lang="en-US"/>
+          </a:p>
+        </p:txBody>
+      </p:sp>
+      <p:sp>
+        <p:nvSpPr>
+          <p:cNvPr id="25" name="Oval 24"/>
+          <p:cNvSpPr/>
+          <p:nvPr/>
+        </p:nvSpPr>
+        <p:spPr>
+          <a:xfrm>
+            <a:off x="3411597" y="2282118"/>
+            <a:ext cx="1230945" cy="741330"/>
+          </a:xfrm>
+          <a:prstGeom prst="ellipse">
+            <a:avLst/>
+          </a:prstGeom>
+          <a:solidFill>
+            <a:srgbClr val="FF0000">
+              <a:alpha val="35000"/>
+            </a:srgbClr>
+          </a:solidFill>
+          <a:ln>
+            <a:noFill/>
+          </a:ln>
+        </p:spPr>
+        <p:style>
+          <a:lnRef idx="2">
+            <a:schemeClr val="accent1">
+              <a:shade val="50000"/>
+            </a:schemeClr>
+          </a:lnRef>
+          <a:fillRef idx="1">
+            <a:schemeClr val="accent1"/>
+          </a:fillRef>
+          <a:effectRef idx="0">
+            <a:schemeClr val="accent1"/>
+          </a:effectRef>
+          <a:fontRef idx="minor">
+            <a:schemeClr val="lt1"/>
+          </a:fontRef>
+        </p:style>
+        <p:txBody>
+          <a:bodyPr rtlCol="0" anchor="ctr"/>
+          <a:lstStyle/>
+          <a:p>
+            <a:pPr algn="ctr"/>
+            <a:endParaRPr lang="en-US"/>
+          </a:p>
+        </p:txBody>
+      </p:sp>
+      <p:sp>
+        <p:nvSpPr>
+          <p:cNvPr id="27" name="Oval 26"/>
+          <p:cNvSpPr/>
+          <p:nvPr/>
+        </p:nvSpPr>
+        <p:spPr>
+          <a:xfrm>
+            <a:off x="6267411" y="1504047"/>
+            <a:ext cx="1261132" cy="741330"/>
+          </a:xfrm>
+          <a:prstGeom prst="ellipse">
+            <a:avLst/>
+          </a:prstGeom>
+          <a:solidFill>
+            <a:srgbClr val="FF0000">
+              <a:alpha val="35000"/>
+            </a:srgbClr>
+          </a:solidFill>
+          <a:ln>
+            <a:noFill/>
+          </a:ln>
+        </p:spPr>
+        <p:style>
+          <a:lnRef idx="2">
+            <a:schemeClr val="accent1">
+              <a:shade val="50000"/>
+            </a:schemeClr>
+          </a:lnRef>
+          <a:fillRef idx="1">
+            <a:schemeClr val="accent1"/>
+          </a:fillRef>
+          <a:effectRef idx="0">
+            <a:schemeClr val="accent1"/>
+          </a:effectRef>
+          <a:fontRef idx="minor">
+            <a:schemeClr val="lt1"/>
+          </a:fontRef>
+        </p:style>
+        <p:txBody>
+          <a:bodyPr rtlCol="0" anchor="ctr"/>
+          <a:lstStyle/>
+          <a:p>
+            <a:pPr algn="ctr"/>
+            <a:endParaRPr lang="en-US"/>
+          </a:p>
+        </p:txBody>
+      </p:sp>
+      <p:sp>
+        <p:nvSpPr>
+          <p:cNvPr id="28" name="Oval 27"/>
+          <p:cNvSpPr/>
+          <p:nvPr/>
+        </p:nvSpPr>
+        <p:spPr>
+          <a:xfrm>
+            <a:off x="6273815" y="2262232"/>
+            <a:ext cx="1261132" cy="741330"/>
+          </a:xfrm>
+          <a:prstGeom prst="ellipse">
+            <a:avLst/>
+          </a:prstGeom>
+          <a:solidFill>
+            <a:srgbClr val="FF0000">
+              <a:alpha val="35000"/>
+            </a:srgbClr>
+          </a:solidFill>
+          <a:ln>
+            <a:noFill/>
+          </a:ln>
+        </p:spPr>
+        <p:style>
+          <a:lnRef idx="2">
+            <a:schemeClr val="accent1">
+              <a:shade val="50000"/>
+            </a:schemeClr>
+          </a:lnRef>
+          <a:fillRef idx="1">
+            <a:schemeClr val="accent1"/>
+          </a:fillRef>
+          <a:effectRef idx="0">
+            <a:schemeClr val="accent1"/>
+          </a:effectRef>
+          <a:fontRef idx="minor">
+            <a:schemeClr val="lt1"/>
+          </a:fontRef>
+        </p:style>
+        <p:txBody>
+          <a:bodyPr rtlCol="0" anchor="ctr"/>
+          <a:lstStyle/>
+          <a:p>
+            <a:pPr algn="ctr"/>
+            <a:endParaRPr lang="en-US"/>
+          </a:p>
+        </p:txBody>
+      </p:sp>
+      <p:cxnSp>
+        <p:nvCxnSpPr>
+          <p:cNvPr id="31" name="Straight Arrow Connector 30"/>
+          <p:cNvCxnSpPr/>
+          <p:nvPr/>
+        </p:nvCxnSpPr>
+        <p:spPr>
+          <a:xfrm flipH="1" flipV="1">
+            <a:off x="4540840" y="2483146"/>
+            <a:ext cx="34907" cy="2463500"/>
+          </a:xfrm>
+          <a:prstGeom prst="straightConnector1">
+            <a:avLst/>
+          </a:prstGeom>
+          <a:ln w="44450">
+            <a:solidFill>
+              <a:schemeClr val="bg2">
+                <a:lumMod val="75000"/>
+              </a:schemeClr>
+            </a:solidFill>
+            <a:prstDash val="dash"/>
+            <a:headEnd type="none"/>
+            <a:tailEnd type="none"/>
+          </a:ln>
+        </p:spPr>
+        <p:style>
+          <a:lnRef idx="1">
+            <a:schemeClr val="accent1"/>
+          </a:lnRef>
+          <a:fillRef idx="0">
+            <a:schemeClr val="accent1"/>
+          </a:fillRef>
+          <a:effectRef idx="0">
+            <a:schemeClr val="accent1"/>
+          </a:effectRef>
+          <a:fontRef idx="minor">
+            <a:schemeClr val="tx1"/>
+          </a:fontRef>
+        </p:style>
+      </p:cxnSp>
+      <p:sp>
+        <p:nvSpPr>
+          <p:cNvPr id="42" name="Oval 41"/>
+          <p:cNvSpPr/>
+          <p:nvPr/>
+        </p:nvSpPr>
+        <p:spPr>
+          <a:xfrm>
+            <a:off x="1127199" y="1116765"/>
+            <a:ext cx="2298774" cy="1110860"/>
+          </a:xfrm>
+          <a:prstGeom prst="ellipse">
+            <a:avLst/>
+          </a:prstGeom>
+          <a:solidFill>
+            <a:srgbClr val="FF0000">
+              <a:alpha val="35000"/>
+            </a:srgbClr>
+          </a:solidFill>
+          <a:ln>
+            <a:noFill/>
+          </a:ln>
+        </p:spPr>
+        <p:style>
+          <a:lnRef idx="2">
+            <a:schemeClr val="accent1">
+              <a:shade val="50000"/>
+            </a:schemeClr>
+          </a:lnRef>
+          <a:fillRef idx="1">
+            <a:schemeClr val="accent1"/>
+          </a:fillRef>
+          <a:effectRef idx="0">
+            <a:schemeClr val="accent1"/>
+          </a:effectRef>
+          <a:fontRef idx="minor">
+            <a:schemeClr val="lt1"/>
+          </a:fontRef>
+        </p:style>
+        <p:txBody>
+          <a:bodyPr rtlCol="0" anchor="ctr"/>
+          <a:lstStyle/>
+          <a:p>
+            <a:pPr algn="ctr"/>
+            <a:endParaRPr lang="en-US"/>
+          </a:p>
+        </p:txBody>
+      </p:sp>
+      <p:sp>
+        <p:nvSpPr>
+          <p:cNvPr id="43" name="TextBox 42"/>
+          <p:cNvSpPr txBox="1"/>
+          <p:nvPr/>
+        </p:nvSpPr>
+        <p:spPr>
+          <a:xfrm>
+            <a:off x="1345309" y="1201691"/>
+            <a:ext cx="2078000" cy="954107"/>
+          </a:xfrm>
+          <a:prstGeom prst="rect">
+            <a:avLst/>
+          </a:prstGeom>
+          <a:noFill/>
+        </p:spPr>
+        <p:txBody>
+          <a:bodyPr wrap="square" rtlCol="0">
+            <a:spAutoFit/>
+          </a:bodyPr>
+          <a:lstStyle/>
+          <a:p>
+            <a:r>
+              <a:rPr lang="en-US" sz="1400" i="1" dirty="0"/>
+              <a:t>while(more messages)</a:t>
+            </a:r>
+          </a:p>
+          <a:p>
+            <a:r>
+              <a:rPr lang="en-US" sz="1400" i="1" dirty="0"/>
+              <a:t>{   </a:t>
+            </a:r>
+          </a:p>
+          <a:p>
+            <a:r>
+              <a:rPr lang="en-US" sz="1400" i="1" dirty="0"/>
+              <a:t>   </a:t>
+            </a:r>
+            <a:r>
+              <a:rPr lang="en-US" sz="1400" i="1" dirty="0" err="1"/>
+              <a:t>PostMessage</a:t>
+            </a:r>
+            <a:r>
+              <a:rPr lang="en-US" sz="1400" i="1" dirty="0"/>
+              <a:t>()</a:t>
+            </a:r>
+          </a:p>
+          <a:p>
+            <a:r>
+              <a:rPr lang="en-US" sz="1400" i="1" dirty="0"/>
+              <a:t>}</a:t>
+            </a:r>
+          </a:p>
+        </p:txBody>
+      </p:sp>
+      <p:sp>
+        <p:nvSpPr>
+          <p:cNvPr id="44" name="Curved Left Arrow 43"/>
+          <p:cNvSpPr/>
+          <p:nvPr/>
+        </p:nvSpPr>
+        <p:spPr>
+          <a:xfrm flipH="1">
+            <a:off x="2636290" y="1512066"/>
+            <a:ext cx="349912" cy="436908"/>
+          </a:xfrm>
+          <a:prstGeom prst="curvedLeftArrow">
+            <a:avLst>
+              <a:gd name="adj1" fmla="val 25000"/>
+              <a:gd name="adj2" fmla="val 46753"/>
+              <a:gd name="adj3" fmla="val 25000"/>
+            </a:avLst>
+          </a:prstGeom>
+          <a:solidFill>
+            <a:srgbClr val="FF0000"/>
+          </a:solidFill>
+          <a:ln>
+            <a:solidFill>
+              <a:srgbClr val="FF0000"/>
+            </a:solidFill>
+          </a:ln>
+        </p:spPr>
+        <p:style>
+          <a:lnRef idx="2">
+            <a:schemeClr val="accent1">
+              <a:shade val="50000"/>
+            </a:schemeClr>
+          </a:lnRef>
+          <a:fillRef idx="1">
+            <a:schemeClr val="accent1"/>
+          </a:fillRef>
+          <a:effectRef idx="0">
+            <a:schemeClr val="accent1"/>
+          </a:effectRef>
+          <a:fontRef idx="minor">
+            <a:schemeClr val="lt1"/>
+          </a:fontRef>
+        </p:style>
+        <p:txBody>
+          <a:bodyPr rtlCol="0" anchor="ctr"/>
+          <a:lstStyle/>
+          <a:p>
+            <a:pPr algn="ctr"/>
+            <a:endParaRPr lang="en-US">
+              <a:solidFill>
+                <a:schemeClr val="tx1"/>
+              </a:solidFill>
+            </a:endParaRPr>
+          </a:p>
+        </p:txBody>
+      </p:sp>
+      <p:sp>
+        <p:nvSpPr>
+          <p:cNvPr id="45" name="Oval 44"/>
+          <p:cNvSpPr/>
+          <p:nvPr/>
+        </p:nvSpPr>
+        <p:spPr>
+          <a:xfrm>
+            <a:off x="961868" y="2131574"/>
+            <a:ext cx="2224253" cy="1303017"/>
+          </a:xfrm>
+          <a:prstGeom prst="ellipse">
+            <a:avLst/>
+          </a:prstGeom>
+          <a:solidFill>
+            <a:srgbClr val="FF0000">
+              <a:alpha val="35000"/>
+            </a:srgbClr>
+          </a:solidFill>
+          <a:ln>
+            <a:noFill/>
+          </a:ln>
+        </p:spPr>
+        <p:style>
+          <a:lnRef idx="2">
+            <a:schemeClr val="accent1">
+              <a:shade val="50000"/>
+            </a:schemeClr>
+          </a:lnRef>
+          <a:fillRef idx="1">
+            <a:schemeClr val="accent1"/>
+          </a:fillRef>
+          <a:effectRef idx="0">
+            <a:schemeClr val="accent1"/>
+          </a:effectRef>
+          <a:fontRef idx="minor">
+            <a:schemeClr val="lt1"/>
+          </a:fontRef>
+        </p:style>
+        <p:txBody>
+          <a:bodyPr rtlCol="0" anchor="ctr"/>
+          <a:lstStyle/>
+          <a:p>
+            <a:pPr algn="ctr"/>
+            <a:endParaRPr lang="en-US"/>
+          </a:p>
+        </p:txBody>
+      </p:sp>
+      <p:sp>
+        <p:nvSpPr>
+          <p:cNvPr id="46" name="TextBox 45"/>
+          <p:cNvSpPr txBox="1"/>
+          <p:nvPr/>
+        </p:nvSpPr>
+        <p:spPr>
+          <a:xfrm>
+            <a:off x="1199694" y="2326032"/>
+            <a:ext cx="2078000" cy="954107"/>
+          </a:xfrm>
+          <a:prstGeom prst="rect">
+            <a:avLst/>
+          </a:prstGeom>
+          <a:noFill/>
+        </p:spPr>
+        <p:txBody>
+          <a:bodyPr wrap="square" rtlCol="0">
+            <a:spAutoFit/>
+          </a:bodyPr>
+          <a:lstStyle/>
+          <a:p>
+            <a:r>
+              <a:rPr lang="en-US" sz="1400" i="1" dirty="0"/>
+              <a:t>while(more messages)</a:t>
+            </a:r>
+          </a:p>
+          <a:p>
+            <a:r>
+              <a:rPr lang="en-US" sz="1400" i="1" dirty="0"/>
+              <a:t>{   </a:t>
+            </a:r>
+          </a:p>
+          <a:p>
+            <a:r>
+              <a:rPr lang="en-US" sz="1400" i="1" dirty="0"/>
+              <a:t>   </a:t>
+            </a:r>
+            <a:r>
+              <a:rPr lang="en-US" sz="1400" i="1" dirty="0" err="1"/>
+              <a:t>GetMessage</a:t>
+            </a:r>
+            <a:r>
+              <a:rPr lang="en-US" sz="1400" i="1" dirty="0"/>
+              <a:t>()</a:t>
+            </a:r>
+          </a:p>
+          <a:p>
+            <a:r>
+              <a:rPr lang="en-US" sz="1400" i="1" dirty="0"/>
+              <a:t>}</a:t>
+            </a:r>
+          </a:p>
+        </p:txBody>
+      </p:sp>
+      <p:sp>
+        <p:nvSpPr>
+          <p:cNvPr id="47" name="Curved Left Arrow 46"/>
+          <p:cNvSpPr/>
+          <p:nvPr/>
+        </p:nvSpPr>
+        <p:spPr>
+          <a:xfrm>
+            <a:off x="3002157" y="2674364"/>
+            <a:ext cx="407478" cy="398455"/>
+          </a:xfrm>
+          <a:prstGeom prst="curvedLeftArrow">
+            <a:avLst>
+              <a:gd name="adj1" fmla="val 25000"/>
+              <a:gd name="adj2" fmla="val 46753"/>
+              <a:gd name="adj3" fmla="val 25000"/>
+            </a:avLst>
+          </a:prstGeom>
+          <a:solidFill>
+            <a:srgbClr val="FF0000"/>
+          </a:solidFill>
+          <a:ln>
+            <a:solidFill>
+              <a:srgbClr val="FF0000"/>
+            </a:solidFill>
+          </a:ln>
+        </p:spPr>
+        <p:style>
+          <a:lnRef idx="2">
+            <a:schemeClr val="accent1">
+              <a:shade val="50000"/>
+            </a:schemeClr>
+          </a:lnRef>
+          <a:fillRef idx="1">
+            <a:schemeClr val="accent1"/>
+          </a:fillRef>
+          <a:effectRef idx="0">
+            <a:schemeClr val="accent1"/>
+          </a:effectRef>
+          <a:fontRef idx="minor">
+            <a:schemeClr val="lt1"/>
+          </a:fontRef>
+        </p:style>
+        <p:txBody>
+          <a:bodyPr rtlCol="0" anchor="ctr"/>
+          <a:lstStyle/>
+          <a:p>
+            <a:pPr algn="ctr"/>
+            <a:endParaRPr lang="en-US">
+              <a:solidFill>
+                <a:schemeClr val="tx1"/>
+              </a:solidFill>
+            </a:endParaRPr>
+          </a:p>
+        </p:txBody>
+      </p:sp>
+      <p:sp>
+        <p:nvSpPr>
+          <p:cNvPr id="50" name="Oval 49"/>
+          <p:cNvSpPr/>
+          <p:nvPr/>
+        </p:nvSpPr>
+        <p:spPr>
+          <a:xfrm>
+            <a:off x="7634685" y="968665"/>
+            <a:ext cx="2231142" cy="1169846"/>
+          </a:xfrm>
+          <a:prstGeom prst="ellipse">
+            <a:avLst/>
+          </a:prstGeom>
+          <a:solidFill>
+            <a:srgbClr val="FF0000">
+              <a:alpha val="35000"/>
+            </a:srgbClr>
+          </a:solidFill>
+          <a:ln>
+            <a:noFill/>
+          </a:ln>
+        </p:spPr>
+        <p:style>
+          <a:lnRef idx="2">
+            <a:schemeClr val="accent1">
+              <a:shade val="50000"/>
+            </a:schemeClr>
+          </a:lnRef>
+          <a:fillRef idx="1">
+            <a:schemeClr val="accent1"/>
+          </a:fillRef>
+          <a:effectRef idx="0">
+            <a:schemeClr val="accent1"/>
+          </a:effectRef>
+          <a:fontRef idx="minor">
+            <a:schemeClr val="lt1"/>
+          </a:fontRef>
+        </p:style>
+        <p:txBody>
+          <a:bodyPr rtlCol="0" anchor="ctr"/>
+          <a:lstStyle/>
+          <a:p>
+            <a:pPr algn="ctr"/>
+            <a:endParaRPr lang="en-US"/>
+          </a:p>
+        </p:txBody>
+      </p:sp>
+      <p:sp>
+        <p:nvSpPr>
+          <p:cNvPr id="52" name="Curved Left Arrow 51"/>
+          <p:cNvSpPr/>
+          <p:nvPr/>
+        </p:nvSpPr>
+        <p:spPr>
+          <a:xfrm flipH="1">
+            <a:off x="7505999" y="2663850"/>
+            <a:ext cx="349912" cy="436908"/>
+          </a:xfrm>
+          <a:prstGeom prst="curvedLeftArrow">
+            <a:avLst>
+              <a:gd name="adj1" fmla="val 25000"/>
+              <a:gd name="adj2" fmla="val 46753"/>
+              <a:gd name="adj3" fmla="val 25000"/>
+            </a:avLst>
+          </a:prstGeom>
+          <a:solidFill>
+            <a:srgbClr val="FF0000"/>
+          </a:solidFill>
+          <a:ln>
+            <a:solidFill>
+              <a:srgbClr val="FF0000"/>
+            </a:solidFill>
+          </a:ln>
+        </p:spPr>
+        <p:style>
+          <a:lnRef idx="2">
+            <a:schemeClr val="accent1">
+              <a:shade val="50000"/>
+            </a:schemeClr>
+          </a:lnRef>
+          <a:fillRef idx="1">
+            <a:schemeClr val="accent1"/>
+          </a:fillRef>
+          <a:effectRef idx="0">
+            <a:schemeClr val="accent1"/>
+          </a:effectRef>
+          <a:fontRef idx="minor">
+            <a:schemeClr val="lt1"/>
+          </a:fontRef>
+        </p:style>
+        <p:txBody>
+          <a:bodyPr rtlCol="0" anchor="ctr"/>
+          <a:lstStyle/>
+          <a:p>
+            <a:pPr algn="ctr"/>
+            <a:endParaRPr lang="en-US">
+              <a:solidFill>
+                <a:schemeClr val="tx1"/>
+              </a:solidFill>
+            </a:endParaRPr>
+          </a:p>
+        </p:txBody>
+      </p:sp>
+      <p:sp>
+        <p:nvSpPr>
+          <p:cNvPr id="16" name="Right Arrow 15"/>
+          <p:cNvSpPr/>
+          <p:nvPr/>
+        </p:nvSpPr>
+        <p:spPr>
+          <a:xfrm rot="16200000">
+            <a:off x="7784171" y="3599504"/>
+            <a:ext cx="1019549" cy="832020"/>
+          </a:xfrm>
+          <a:prstGeom prst="rightArrow">
+            <a:avLst/>
+          </a:prstGeom>
+          <a:solidFill>
+            <a:schemeClr val="accent2"/>
+          </a:solidFill>
+        </p:spPr>
+        <p:style>
+          <a:lnRef idx="2">
+            <a:schemeClr val="accent1">
+              <a:shade val="50000"/>
+            </a:schemeClr>
+          </a:lnRef>
+          <a:fillRef idx="1">
+            <a:schemeClr val="accent1"/>
+          </a:fillRef>
+          <a:effectRef idx="0">
+            <a:schemeClr val="accent1"/>
+          </a:effectRef>
+          <a:fontRef idx="minor">
+            <a:schemeClr val="lt1"/>
+          </a:fontRef>
+        </p:style>
+        <p:txBody>
+          <a:bodyPr rtlCol="0" anchor="ctr"/>
+          <a:lstStyle/>
+          <a:p>
+            <a:pPr algn="ctr"/>
+            <a:r>
+              <a:rPr lang="en-US" sz="1400" dirty="0"/>
+              <a:t>Create Thread</a:t>
+            </a:r>
+          </a:p>
+        </p:txBody>
+      </p:sp>
+      <p:sp>
+        <p:nvSpPr>
+          <p:cNvPr id="54" name="Oval 53"/>
+          <p:cNvSpPr/>
+          <p:nvPr/>
+        </p:nvSpPr>
+        <p:spPr>
+          <a:xfrm>
+            <a:off x="7528543" y="2377979"/>
+            <a:ext cx="2404981" cy="1086398"/>
+          </a:xfrm>
+          <a:prstGeom prst="ellipse">
+            <a:avLst/>
+          </a:prstGeom>
+          <a:solidFill>
+            <a:srgbClr val="FF0000">
+              <a:alpha val="35000"/>
+            </a:srgbClr>
+          </a:solidFill>
+          <a:ln>
+            <a:noFill/>
+          </a:ln>
+        </p:spPr>
+        <p:style>
+          <a:lnRef idx="2">
+            <a:schemeClr val="accent1">
+              <a:shade val="50000"/>
+            </a:schemeClr>
+          </a:lnRef>
+          <a:fillRef idx="1">
+            <a:schemeClr val="accent1"/>
+          </a:fillRef>
+          <a:effectRef idx="0">
+            <a:schemeClr val="accent1"/>
+          </a:effectRef>
+          <a:fontRef idx="minor">
+            <a:schemeClr val="lt1"/>
+          </a:fontRef>
+        </p:style>
+        <p:txBody>
+          <a:bodyPr rtlCol="0" anchor="ctr"/>
+          <a:lstStyle/>
+          <a:p>
+            <a:pPr algn="ctr"/>
+            <a:endParaRPr lang="en-US"/>
+          </a:p>
+        </p:txBody>
+      </p:sp>
+      <p:sp>
+        <p:nvSpPr>
+          <p:cNvPr id="55" name="Curved Left Arrow 54"/>
+          <p:cNvSpPr/>
+          <p:nvPr/>
+        </p:nvSpPr>
+        <p:spPr>
+          <a:xfrm>
+            <a:off x="7871873" y="1484391"/>
+            <a:ext cx="374830" cy="436908"/>
+          </a:xfrm>
+          <a:prstGeom prst="curvedLeftArrow">
+            <a:avLst>
+              <a:gd name="adj1" fmla="val 25000"/>
+              <a:gd name="adj2" fmla="val 46753"/>
+              <a:gd name="adj3" fmla="val 25000"/>
+            </a:avLst>
+          </a:prstGeom>
+          <a:solidFill>
+            <a:srgbClr val="FF0000"/>
+          </a:solidFill>
+          <a:ln>
+            <a:solidFill>
+              <a:srgbClr val="FF0000"/>
+            </a:solidFill>
+          </a:ln>
+        </p:spPr>
+        <p:style>
+          <a:lnRef idx="2">
+            <a:schemeClr val="accent1">
+              <a:shade val="50000"/>
+            </a:schemeClr>
+          </a:lnRef>
+          <a:fillRef idx="1">
+            <a:schemeClr val="accent1"/>
+          </a:fillRef>
+          <a:effectRef idx="0">
+            <a:schemeClr val="accent1"/>
+          </a:effectRef>
+          <a:fontRef idx="minor">
+            <a:schemeClr val="lt1"/>
+          </a:fontRef>
+        </p:style>
+        <p:txBody>
+          <a:bodyPr rtlCol="0" anchor="ctr"/>
+          <a:lstStyle/>
+          <a:p>
+            <a:pPr algn="ctr"/>
+            <a:endParaRPr lang="en-US">
+              <a:solidFill>
+                <a:schemeClr val="tx1"/>
+              </a:solidFill>
+            </a:endParaRPr>
+          </a:p>
+        </p:txBody>
+      </p:sp>
+      <p:sp>
+        <p:nvSpPr>
+          <p:cNvPr id="59" name="TextBox 58"/>
+          <p:cNvSpPr txBox="1"/>
+          <p:nvPr/>
+        </p:nvSpPr>
+        <p:spPr>
+          <a:xfrm>
+            <a:off x="6284505" y="1211298"/>
+            <a:ext cx="1252248" cy="369332"/>
+          </a:xfrm>
+          <a:prstGeom prst="rect">
+            <a:avLst/>
+          </a:prstGeom>
+          <a:noFill/>
+        </p:spPr>
+        <p:txBody>
+          <a:bodyPr wrap="square" rtlCol="0">
+            <a:spAutoFit/>
+          </a:bodyPr>
+          <a:lstStyle/>
+          <a:p>
+            <a:r>
+              <a:rPr lang="en-US" b="1" i="1" dirty="0" err="1">
+                <a:solidFill>
+                  <a:srgbClr val="FF0000"/>
+                </a:solidFill>
+              </a:rPr>
+              <a:t>SendProc</a:t>
+            </a:r>
+            <a:r>
+              <a:rPr lang="en-US" b="1" i="1" dirty="0">
+                <a:solidFill>
+                  <a:srgbClr val="FF0000"/>
+                </a:solidFill>
+              </a:rPr>
+              <a:t>()</a:t>
+            </a:r>
+          </a:p>
+        </p:txBody>
+      </p:sp>
+      <p:sp>
+        <p:nvSpPr>
+          <p:cNvPr id="60" name="TextBox 59"/>
+          <p:cNvSpPr txBox="1"/>
+          <p:nvPr/>
+        </p:nvSpPr>
+        <p:spPr>
+          <a:xfrm>
+            <a:off x="6258867" y="2913152"/>
+            <a:ext cx="1199568" cy="369332"/>
+          </a:xfrm>
+          <a:prstGeom prst="rect">
+            <a:avLst/>
+          </a:prstGeom>
+          <a:noFill/>
+        </p:spPr>
+        <p:txBody>
+          <a:bodyPr wrap="square" rtlCol="0">
+            <a:spAutoFit/>
+          </a:bodyPr>
+          <a:lstStyle/>
+          <a:p>
+            <a:r>
+              <a:rPr lang="en-US" b="1" i="1" dirty="0" err="1">
+                <a:solidFill>
+                  <a:srgbClr val="FF0000"/>
+                </a:solidFill>
+              </a:rPr>
+              <a:t>RecvProc</a:t>
+            </a:r>
+            <a:r>
+              <a:rPr lang="en-US" b="1" i="1" dirty="0">
+                <a:solidFill>
+                  <a:srgbClr val="FF0000"/>
+                </a:solidFill>
+              </a:rPr>
+              <a:t>()</a:t>
+            </a:r>
+          </a:p>
+        </p:txBody>
+      </p:sp>
+      <p:sp>
+        <p:nvSpPr>
+          <p:cNvPr id="62" name="TextBox 61"/>
+          <p:cNvSpPr txBox="1"/>
+          <p:nvPr/>
+        </p:nvSpPr>
+        <p:spPr>
+          <a:xfrm>
+            <a:off x="3630769" y="1252196"/>
+            <a:ext cx="1303542" cy="369332"/>
+          </a:xfrm>
+          <a:prstGeom prst="rect">
+            <a:avLst/>
+          </a:prstGeom>
+          <a:noFill/>
+        </p:spPr>
+        <p:txBody>
+          <a:bodyPr wrap="square" rtlCol="0">
+            <a:spAutoFit/>
+          </a:bodyPr>
+          <a:lstStyle/>
+          <a:p>
+            <a:r>
+              <a:rPr lang="en-US" b="1" i="1" dirty="0" err="1">
+                <a:solidFill>
+                  <a:srgbClr val="FF0000"/>
+                </a:solidFill>
+              </a:rPr>
+              <a:t>SendProc</a:t>
+            </a:r>
+            <a:r>
+              <a:rPr lang="en-US" b="1" i="1" dirty="0">
+                <a:solidFill>
+                  <a:srgbClr val="FF0000"/>
+                </a:solidFill>
+              </a:rPr>
+              <a:t>()</a:t>
+            </a:r>
+          </a:p>
+        </p:txBody>
+      </p:sp>
+      <p:sp>
+        <p:nvSpPr>
+          <p:cNvPr id="63" name="TextBox 62"/>
+          <p:cNvSpPr txBox="1"/>
+          <p:nvPr/>
+        </p:nvSpPr>
+        <p:spPr>
+          <a:xfrm>
+            <a:off x="3539798" y="2909421"/>
+            <a:ext cx="1199568" cy="369332"/>
+          </a:xfrm>
+          <a:prstGeom prst="rect">
+            <a:avLst/>
+          </a:prstGeom>
+          <a:noFill/>
+        </p:spPr>
+        <p:txBody>
+          <a:bodyPr wrap="square" rtlCol="0">
+            <a:spAutoFit/>
+          </a:bodyPr>
+          <a:lstStyle/>
+          <a:p>
+            <a:r>
+              <a:rPr lang="en-US" b="1" i="1" dirty="0" err="1">
+                <a:solidFill>
+                  <a:srgbClr val="FF0000"/>
+                </a:solidFill>
+              </a:rPr>
+              <a:t>RecvProc</a:t>
+            </a:r>
+            <a:r>
+              <a:rPr lang="en-US" b="1" i="1" dirty="0">
+                <a:solidFill>
+                  <a:srgbClr val="FF0000"/>
+                </a:solidFill>
+              </a:rPr>
+              <a:t>()</a:t>
+            </a:r>
+          </a:p>
+        </p:txBody>
+      </p:sp>
+      <p:sp>
+        <p:nvSpPr>
+          <p:cNvPr id="56" name="TextBox 55"/>
+          <p:cNvSpPr txBox="1"/>
+          <p:nvPr/>
+        </p:nvSpPr>
+        <p:spPr>
+          <a:xfrm>
+            <a:off x="8189699" y="1115978"/>
+            <a:ext cx="2078000" cy="954107"/>
+          </a:xfrm>
+          <a:prstGeom prst="rect">
+            <a:avLst/>
+          </a:prstGeom>
+          <a:noFill/>
+        </p:spPr>
+        <p:txBody>
+          <a:bodyPr wrap="square" rtlCol="0">
+            <a:spAutoFit/>
+          </a:bodyPr>
+          <a:lstStyle/>
+          <a:p>
+            <a:r>
+              <a:rPr lang="en-US" sz="1400" i="1" dirty="0"/>
+              <a:t>while(more messages)</a:t>
+            </a:r>
+          </a:p>
+          <a:p>
+            <a:r>
+              <a:rPr lang="en-US" sz="1400" i="1" dirty="0"/>
+              <a:t>{   </a:t>
+            </a:r>
+          </a:p>
+          <a:p>
+            <a:r>
+              <a:rPr lang="en-US" sz="1400" i="1" dirty="0"/>
+              <a:t>   </a:t>
+            </a:r>
+            <a:r>
+              <a:rPr lang="en-US" sz="1400" i="1" dirty="0" err="1"/>
+              <a:t>PostMessage</a:t>
+            </a:r>
+            <a:r>
+              <a:rPr lang="en-US" sz="1400" i="1" dirty="0"/>
+              <a:t>()</a:t>
+            </a:r>
+          </a:p>
+          <a:p>
+            <a:r>
+              <a:rPr lang="en-US" sz="1400" i="1" dirty="0"/>
+              <a:t>}</a:t>
+            </a:r>
+          </a:p>
+        </p:txBody>
+      </p:sp>
+      <p:sp>
+        <p:nvSpPr>
+          <p:cNvPr id="57" name="TextBox 56"/>
+          <p:cNvSpPr txBox="1"/>
+          <p:nvPr/>
+        </p:nvSpPr>
+        <p:spPr>
+          <a:xfrm>
+            <a:off x="7909588" y="2405016"/>
+            <a:ext cx="2078000" cy="954107"/>
+          </a:xfrm>
+          <a:prstGeom prst="rect">
+            <a:avLst/>
+          </a:prstGeom>
+          <a:noFill/>
+        </p:spPr>
+        <p:txBody>
+          <a:bodyPr wrap="square" rtlCol="0">
+            <a:spAutoFit/>
+          </a:bodyPr>
+          <a:lstStyle/>
+          <a:p>
+            <a:r>
+              <a:rPr lang="en-US" sz="1400" i="1" dirty="0"/>
+              <a:t>while(more messages)</a:t>
+            </a:r>
+          </a:p>
+          <a:p>
+            <a:r>
+              <a:rPr lang="en-US" sz="1400" i="1" dirty="0"/>
+              <a:t>{   </a:t>
+            </a:r>
+          </a:p>
+          <a:p>
+            <a:r>
+              <a:rPr lang="en-US" sz="1400" i="1" dirty="0"/>
+              <a:t>   </a:t>
+            </a:r>
+            <a:r>
+              <a:rPr lang="en-US" sz="1400" i="1" dirty="0" err="1"/>
+              <a:t>GetMessage</a:t>
+            </a:r>
+            <a:r>
+              <a:rPr lang="en-US" sz="1400" i="1" dirty="0"/>
+              <a:t>()</a:t>
+            </a:r>
+          </a:p>
+          <a:p>
+            <a:r>
+              <a:rPr lang="en-US" sz="1400" i="1" dirty="0"/>
+              <a:t>}</a:t>
+            </a:r>
+          </a:p>
+        </p:txBody>
+      </p:sp>
+      <p:sp>
+        <p:nvSpPr>
+          <p:cNvPr id="9" name="TextBox 8"/>
+          <p:cNvSpPr txBox="1"/>
+          <p:nvPr/>
+        </p:nvSpPr>
+        <p:spPr>
+          <a:xfrm>
+            <a:off x="3459770" y="1475785"/>
+            <a:ext cx="1944447" cy="307777"/>
+          </a:xfrm>
+          <a:prstGeom prst="rect">
+            <a:avLst/>
+          </a:prstGeom>
+          <a:noFill/>
+        </p:spPr>
+        <p:txBody>
+          <a:bodyPr wrap="square" rtlCol="0">
+            <a:spAutoFit/>
+          </a:bodyPr>
+          <a:lstStyle/>
+          <a:p>
+            <a:r>
+              <a:rPr lang="en-US" sz="1400" i="1" dirty="0" err="1"/>
+              <a:t>SendSocketMessage</a:t>
+            </a:r>
+            <a:r>
+              <a:rPr lang="en-US" sz="1400" i="1" dirty="0"/>
+              <a:t>()</a:t>
+            </a:r>
+          </a:p>
+        </p:txBody>
+      </p:sp>
+      <p:sp>
+        <p:nvSpPr>
+          <p:cNvPr id="58" name="TextBox 57"/>
+          <p:cNvSpPr txBox="1"/>
+          <p:nvPr/>
+        </p:nvSpPr>
+        <p:spPr>
+          <a:xfrm>
+            <a:off x="8268559" y="3191038"/>
+            <a:ext cx="1786285" cy="369332"/>
+          </a:xfrm>
+          <a:prstGeom prst="rect">
+            <a:avLst/>
+          </a:prstGeom>
+          <a:noFill/>
+        </p:spPr>
+        <p:txBody>
+          <a:bodyPr wrap="square" rtlCol="0">
+            <a:spAutoFit/>
+          </a:bodyPr>
+          <a:lstStyle/>
+          <a:p>
+            <a:r>
+              <a:rPr lang="en-US" b="1" i="1" dirty="0" err="1">
+                <a:solidFill>
+                  <a:srgbClr val="FF0000"/>
+                </a:solidFill>
+              </a:rPr>
+              <a:t>AppProc</a:t>
+            </a:r>
+            <a:r>
+              <a:rPr lang="en-US" b="1" i="1" dirty="0">
+                <a:solidFill>
+                  <a:srgbClr val="FF0000"/>
+                </a:solidFill>
+              </a:rPr>
+              <a:t>()</a:t>
+            </a:r>
+          </a:p>
+        </p:txBody>
+      </p:sp>
+      <p:sp>
+        <p:nvSpPr>
+          <p:cNvPr id="64" name="TextBox 63"/>
+          <p:cNvSpPr txBox="1"/>
+          <p:nvPr/>
+        </p:nvSpPr>
+        <p:spPr>
+          <a:xfrm>
+            <a:off x="3396215" y="2776546"/>
+            <a:ext cx="1944447" cy="307777"/>
+          </a:xfrm>
+          <a:prstGeom prst="rect">
+            <a:avLst/>
+          </a:prstGeom>
+          <a:noFill/>
+        </p:spPr>
+        <p:txBody>
+          <a:bodyPr wrap="square" rtlCol="0">
+            <a:spAutoFit/>
+          </a:bodyPr>
+          <a:lstStyle/>
+          <a:p>
+            <a:r>
+              <a:rPr lang="en-US" sz="1400" i="1" dirty="0" err="1"/>
+              <a:t>ReceiveSocketMessage</a:t>
+            </a:r>
+            <a:r>
+              <a:rPr lang="en-US" sz="1400" i="1" dirty="0"/>
+              <a:t>()</a:t>
+            </a:r>
+          </a:p>
+        </p:txBody>
+      </p:sp>
+      <p:sp>
+        <p:nvSpPr>
+          <p:cNvPr id="65" name="TextBox 64"/>
+          <p:cNvSpPr txBox="1"/>
+          <p:nvPr/>
+        </p:nvSpPr>
+        <p:spPr>
+          <a:xfrm>
+            <a:off x="6084506" y="1418494"/>
+            <a:ext cx="1944447" cy="307777"/>
+          </a:xfrm>
+          <a:prstGeom prst="rect">
+            <a:avLst/>
+          </a:prstGeom>
+          <a:noFill/>
+        </p:spPr>
+        <p:txBody>
+          <a:bodyPr wrap="square" rtlCol="0">
+            <a:spAutoFit/>
+          </a:bodyPr>
+          <a:lstStyle/>
+          <a:p>
+            <a:r>
+              <a:rPr lang="en-US" sz="1400" i="1" dirty="0" err="1"/>
+              <a:t>SendSocketMessage</a:t>
+            </a:r>
+            <a:r>
+              <a:rPr lang="en-US" sz="1400" i="1" dirty="0"/>
+              <a:t>()</a:t>
+            </a:r>
+          </a:p>
+        </p:txBody>
+      </p:sp>
+      <p:sp>
+        <p:nvSpPr>
+          <p:cNvPr id="66" name="TextBox 65"/>
+          <p:cNvSpPr txBox="1"/>
+          <p:nvPr/>
+        </p:nvSpPr>
+        <p:spPr>
+          <a:xfrm>
+            <a:off x="6025955" y="2759397"/>
+            <a:ext cx="1944447" cy="307777"/>
+          </a:xfrm>
+          <a:prstGeom prst="rect">
+            <a:avLst/>
+          </a:prstGeom>
+          <a:noFill/>
+        </p:spPr>
+        <p:txBody>
+          <a:bodyPr wrap="square" rtlCol="0">
+            <a:spAutoFit/>
+          </a:bodyPr>
+          <a:lstStyle/>
+          <a:p>
+            <a:r>
+              <a:rPr lang="en-US" sz="1400" i="1" dirty="0" err="1"/>
+              <a:t>ReceiveSocketMessage</a:t>
+            </a:r>
+            <a:r>
+              <a:rPr lang="en-US" sz="1400" i="1" dirty="0"/>
+              <a:t>()</a:t>
             </a:r>
           </a:p>
         </p:txBody>
@@ -7469,7 +9040,7 @@
     </p:spTree>
     <p:extLst>
       <p:ext uri="{BB962C8B-B14F-4D97-AF65-F5344CB8AC3E}">
-        <p14:creationId xmlns:p14="http://schemas.microsoft.com/office/powerpoint/2010/main" val="402962620"/>
+        <p14:creationId xmlns:p14="http://schemas.microsoft.com/office/powerpoint/2010/main" val="605578329"/>
       </p:ext>
     </p:extLst>
   </p:cSld>
@@ -7498,1182 +9069,100 @@
       </p:grpSpPr>
       <p:sp>
         <p:nvSpPr>
-          <p:cNvPr id="4" name="Rectangle 3"/>
-          <p:cNvSpPr/>
-          <p:nvPr/>
-        </p:nvSpPr>
-        <p:spPr>
-          <a:xfrm>
-            <a:off x="1453130" y="858058"/>
-            <a:ext cx="1366392" cy="1038847"/>
-          </a:xfrm>
-          <a:prstGeom prst="rect">
-            <a:avLst/>
-          </a:prstGeom>
-          <a:solidFill>
-            <a:schemeClr val="accent5">
-              <a:lumMod val="50000"/>
-            </a:schemeClr>
-          </a:solidFill>
-        </p:spPr>
-        <p:style>
-          <a:lnRef idx="2">
-            <a:schemeClr val="accent1">
-              <a:shade val="50000"/>
-            </a:schemeClr>
-          </a:lnRef>
-          <a:fillRef idx="1">
-            <a:schemeClr val="accent1"/>
-          </a:fillRef>
-          <a:effectRef idx="0">
-            <a:schemeClr val="accent1"/>
-          </a:effectRef>
-          <a:fontRef idx="minor">
-            <a:schemeClr val="lt1"/>
-          </a:fontRef>
-        </p:style>
-        <p:txBody>
-          <a:bodyPr rtlCol="0" anchor="t" anchorCtr="0"/>
-          <a:lstStyle/>
-          <a:p>
-            <a:pPr algn="ctr"/>
-            <a:r>
-              <a:rPr lang="en-US" sz="1600" u="sng" dirty="0"/>
-              <a:t>Sender</a:t>
-            </a:r>
-          </a:p>
-          <a:p>
-            <a:pPr algn="ctr"/>
-            <a:r>
-              <a:rPr lang="en-US" sz="1400" i="1" dirty="0"/>
-              <a:t>Connect()</a:t>
-            </a:r>
-          </a:p>
-          <a:p>
-            <a:pPr algn="ctr"/>
-            <a:r>
-              <a:rPr lang="en-US" sz="1400" i="1" dirty="0" err="1"/>
-              <a:t>PostMessage</a:t>
-            </a:r>
-            <a:r>
-              <a:rPr lang="en-US" sz="1400" i="1" dirty="0"/>
-              <a:t>()</a:t>
-            </a:r>
-          </a:p>
-          <a:p>
-            <a:pPr algn="ctr"/>
-            <a:r>
-              <a:rPr lang="en-US" sz="1400" i="1" dirty="0" err="1"/>
-              <a:t>GetMessage</a:t>
-            </a:r>
-            <a:r>
-              <a:rPr lang="en-US" sz="1400" i="1" dirty="0"/>
-              <a:t>()</a:t>
-            </a:r>
-          </a:p>
-        </p:txBody>
-      </p:sp>
-      <p:sp>
-        <p:nvSpPr>
-          <p:cNvPr id="5" name="Rectangle 4"/>
-          <p:cNvSpPr/>
-          <p:nvPr/>
-        </p:nvSpPr>
-        <p:spPr>
-          <a:xfrm>
-            <a:off x="8233734" y="846490"/>
-            <a:ext cx="1016112" cy="850279"/>
-          </a:xfrm>
-          <a:prstGeom prst="rect">
-            <a:avLst/>
-          </a:prstGeom>
-          <a:solidFill>
-            <a:schemeClr val="accent5">
-              <a:lumMod val="50000"/>
-            </a:schemeClr>
-          </a:solidFill>
-        </p:spPr>
-        <p:style>
-          <a:lnRef idx="2">
-            <a:schemeClr val="accent1">
-              <a:shade val="50000"/>
-            </a:schemeClr>
-          </a:lnRef>
-          <a:fillRef idx="1">
-            <a:schemeClr val="accent1"/>
-          </a:fillRef>
-          <a:effectRef idx="0">
-            <a:schemeClr val="accent1"/>
-          </a:effectRef>
-          <a:fontRef idx="minor">
-            <a:schemeClr val="lt1"/>
-          </a:fontRef>
-        </p:style>
-        <p:txBody>
-          <a:bodyPr rtlCol="0" anchor="t" anchorCtr="0"/>
-          <a:lstStyle/>
-          <a:p>
-            <a:pPr algn="ctr"/>
-            <a:r>
-              <a:rPr lang="en-US" sz="1600" u="sng" dirty="0"/>
-              <a:t>Receiver</a:t>
-            </a:r>
-          </a:p>
-          <a:p>
-            <a:pPr algn="ctr"/>
-            <a:r>
-              <a:rPr lang="en-US" sz="1400" i="1" dirty="0"/>
-              <a:t>Listen()</a:t>
-            </a:r>
-          </a:p>
-        </p:txBody>
-      </p:sp>
-      <p:sp>
-        <p:nvSpPr>
-          <p:cNvPr id="11" name="Rectangle 10"/>
-          <p:cNvSpPr/>
-          <p:nvPr/>
-        </p:nvSpPr>
-        <p:spPr>
-          <a:xfrm>
-            <a:off x="6201943" y="845250"/>
-            <a:ext cx="1362048" cy="850279"/>
-          </a:xfrm>
-          <a:prstGeom prst="rect">
-            <a:avLst/>
-          </a:prstGeom>
-          <a:solidFill>
-            <a:schemeClr val="accent5">
-              <a:lumMod val="50000"/>
-            </a:schemeClr>
-          </a:solidFill>
-        </p:spPr>
-        <p:style>
-          <a:lnRef idx="2">
-            <a:schemeClr val="accent1">
-              <a:shade val="50000"/>
-            </a:schemeClr>
-          </a:lnRef>
-          <a:fillRef idx="1">
-            <a:schemeClr val="accent1"/>
-          </a:fillRef>
-          <a:effectRef idx="0">
-            <a:schemeClr val="accent1"/>
-          </a:effectRef>
-          <a:fontRef idx="minor">
-            <a:schemeClr val="lt1"/>
-          </a:fontRef>
-        </p:style>
-        <p:txBody>
-          <a:bodyPr rtlCol="0" anchor="t" anchorCtr="0"/>
-          <a:lstStyle/>
-          <a:p>
-            <a:pPr algn="ctr"/>
-            <a:r>
-              <a:rPr lang="en-US" sz="1600" u="sng" dirty="0" err="1"/>
-              <a:t>ClientHandler</a:t>
-            </a:r>
-            <a:endParaRPr lang="en-US" sz="1600" u="sng" dirty="0"/>
-          </a:p>
-          <a:p>
-            <a:pPr algn="ctr"/>
-            <a:r>
-              <a:rPr lang="en-US" sz="1400" i="1" dirty="0" err="1"/>
-              <a:t>PostMessage</a:t>
-            </a:r>
-            <a:r>
-              <a:rPr lang="en-US" sz="1400" i="1" dirty="0"/>
-              <a:t>()</a:t>
-            </a:r>
-          </a:p>
-          <a:p>
-            <a:pPr algn="ctr"/>
-            <a:r>
-              <a:rPr lang="en-US" sz="1400" i="1" dirty="0" err="1"/>
-              <a:t>GetMessage</a:t>
-            </a:r>
-            <a:r>
-              <a:rPr lang="en-US" sz="1400" i="1" dirty="0"/>
-              <a:t>()</a:t>
-            </a:r>
-          </a:p>
-          <a:p>
-            <a:pPr algn="ctr"/>
-            <a:endParaRPr lang="en-US" sz="1600" dirty="0"/>
-          </a:p>
-        </p:txBody>
-      </p:sp>
-      <p:sp>
-        <p:nvSpPr>
-          <p:cNvPr id="33" name="Isosceles Triangle 32"/>
-          <p:cNvSpPr/>
-          <p:nvPr/>
-        </p:nvSpPr>
-        <p:spPr>
-          <a:xfrm>
-            <a:off x="1863271" y="2419390"/>
-            <a:ext cx="565727" cy="349772"/>
-          </a:xfrm>
-          <a:prstGeom prst="triangle">
-            <a:avLst/>
-          </a:prstGeom>
-          <a:solidFill>
-            <a:schemeClr val="tx1"/>
-          </a:solidFill>
-          <a:ln>
-            <a:solidFill>
-              <a:schemeClr val="tx1"/>
-            </a:solidFill>
-          </a:ln>
-        </p:spPr>
-        <p:style>
-          <a:lnRef idx="2">
-            <a:schemeClr val="accent1">
-              <a:shade val="50000"/>
-            </a:schemeClr>
-          </a:lnRef>
-          <a:fillRef idx="1">
-            <a:schemeClr val="accent1"/>
-          </a:fillRef>
-          <a:effectRef idx="0">
-            <a:schemeClr val="accent1"/>
-          </a:effectRef>
-          <a:fontRef idx="minor">
-            <a:schemeClr val="lt1"/>
-          </a:fontRef>
-        </p:style>
-        <p:txBody>
-          <a:bodyPr rtlCol="0" anchor="ctr"/>
-          <a:lstStyle/>
-          <a:p>
-            <a:pPr algn="ctr"/>
-            <a:endParaRPr lang="en-US" sz="1350"/>
-          </a:p>
-        </p:txBody>
-      </p:sp>
-      <p:cxnSp>
-        <p:nvCxnSpPr>
-          <p:cNvPr id="34" name="Straight Connector 33"/>
-          <p:cNvCxnSpPr>
-            <a:stCxn id="4" idx="2"/>
-            <a:endCxn id="33" idx="0"/>
-          </p:cNvCxnSpPr>
-          <p:nvPr/>
-        </p:nvCxnSpPr>
-        <p:spPr>
-          <a:xfrm>
-            <a:off x="2136326" y="1896905"/>
-            <a:ext cx="9809" cy="522485"/>
-          </a:xfrm>
-          <a:prstGeom prst="line">
-            <a:avLst/>
-          </a:prstGeom>
-          <a:ln w="25400">
-            <a:solidFill>
-              <a:schemeClr val="tx1"/>
-            </a:solidFill>
-          </a:ln>
-        </p:spPr>
-        <p:style>
-          <a:lnRef idx="1">
-            <a:schemeClr val="accent1"/>
-          </a:lnRef>
-          <a:fillRef idx="0">
-            <a:schemeClr val="accent1"/>
-          </a:fillRef>
-          <a:effectRef idx="0">
-            <a:schemeClr val="accent1"/>
-          </a:effectRef>
-          <a:fontRef idx="minor">
-            <a:schemeClr val="tx1"/>
-          </a:fontRef>
-        </p:style>
-      </p:cxnSp>
-      <p:cxnSp>
-        <p:nvCxnSpPr>
-          <p:cNvPr id="36" name="Straight Connector 35"/>
-          <p:cNvCxnSpPr>
-            <a:stCxn id="33" idx="3"/>
-            <a:endCxn id="89" idx="0"/>
-          </p:cNvCxnSpPr>
-          <p:nvPr/>
-        </p:nvCxnSpPr>
-        <p:spPr>
-          <a:xfrm>
-            <a:off x="2146135" y="2769162"/>
-            <a:ext cx="1" cy="416865"/>
-          </a:xfrm>
-          <a:prstGeom prst="line">
-            <a:avLst/>
-          </a:prstGeom>
-          <a:ln w="25400">
-            <a:solidFill>
-              <a:schemeClr val="tx1"/>
-            </a:solidFill>
-          </a:ln>
-        </p:spPr>
-        <p:style>
-          <a:lnRef idx="1">
-            <a:schemeClr val="accent1"/>
-          </a:lnRef>
-          <a:fillRef idx="0">
-            <a:schemeClr val="accent1"/>
-          </a:fillRef>
-          <a:effectRef idx="0">
-            <a:schemeClr val="accent1"/>
-          </a:effectRef>
-          <a:fontRef idx="minor">
-            <a:schemeClr val="tx1"/>
-          </a:fontRef>
-        </p:style>
-      </p:cxnSp>
-      <p:sp>
-        <p:nvSpPr>
-          <p:cNvPr id="85" name="Rectangle 84"/>
-          <p:cNvSpPr/>
-          <p:nvPr/>
-        </p:nvSpPr>
-        <p:spPr>
-          <a:xfrm>
-            <a:off x="6055593" y="3228668"/>
-            <a:ext cx="1662149" cy="651692"/>
-          </a:xfrm>
-          <a:prstGeom prst="rect">
-            <a:avLst/>
-          </a:prstGeom>
-          <a:solidFill>
-            <a:schemeClr val="accent1">
-              <a:alpha val="50000"/>
-            </a:schemeClr>
-          </a:solidFill>
-          <a:ln>
-            <a:prstDash val="dash"/>
-          </a:ln>
-        </p:spPr>
-        <p:style>
-          <a:lnRef idx="2">
-            <a:schemeClr val="accent1">
-              <a:shade val="50000"/>
-            </a:schemeClr>
-          </a:lnRef>
-          <a:fillRef idx="1">
-            <a:schemeClr val="accent1"/>
-          </a:fillRef>
-          <a:effectRef idx="0">
-            <a:schemeClr val="accent1"/>
-          </a:effectRef>
-          <a:fontRef idx="minor">
-            <a:schemeClr val="lt1"/>
-          </a:fontRef>
-        </p:style>
-        <p:txBody>
-          <a:bodyPr rtlCol="0" anchor="ctr"/>
-          <a:lstStyle/>
-          <a:p>
-            <a:pPr algn="ctr"/>
-            <a:r>
-              <a:rPr lang="en-US" sz="1600" i="1" dirty="0"/>
-              <a:t>Custom</a:t>
-            </a:r>
-          </a:p>
-          <a:p>
-            <a:pPr algn="ctr"/>
-            <a:r>
-              <a:rPr lang="en-US" sz="1600" i="1" dirty="0" err="1"/>
-              <a:t>ClientHandler</a:t>
-            </a:r>
-            <a:endParaRPr lang="en-US" sz="1600" i="1" dirty="0"/>
-          </a:p>
-        </p:txBody>
-      </p:sp>
-      <p:sp>
-        <p:nvSpPr>
-          <p:cNvPr id="86" name="Isosceles Triangle 85"/>
-          <p:cNvSpPr/>
-          <p:nvPr/>
-        </p:nvSpPr>
-        <p:spPr>
-          <a:xfrm>
-            <a:off x="6580912" y="2419390"/>
-            <a:ext cx="604109" cy="384692"/>
-          </a:xfrm>
-          <a:prstGeom prst="triangle">
-            <a:avLst/>
-          </a:prstGeom>
-          <a:solidFill>
-            <a:schemeClr val="tx1"/>
-          </a:solidFill>
-          <a:ln>
-            <a:solidFill>
-              <a:schemeClr val="tx1"/>
-            </a:solidFill>
-          </a:ln>
-        </p:spPr>
-        <p:style>
-          <a:lnRef idx="2">
-            <a:schemeClr val="accent1">
-              <a:shade val="50000"/>
-            </a:schemeClr>
-          </a:lnRef>
-          <a:fillRef idx="1">
-            <a:schemeClr val="accent1"/>
-          </a:fillRef>
-          <a:effectRef idx="0">
-            <a:schemeClr val="accent1"/>
-          </a:effectRef>
-          <a:fontRef idx="minor">
-            <a:schemeClr val="lt1"/>
-          </a:fontRef>
-        </p:style>
-        <p:txBody>
-          <a:bodyPr rtlCol="0" anchor="ctr"/>
-          <a:lstStyle/>
-          <a:p>
-            <a:pPr algn="ctr"/>
-            <a:endParaRPr lang="en-US" sz="1350"/>
-          </a:p>
-        </p:txBody>
-      </p:sp>
-      <p:cxnSp>
-        <p:nvCxnSpPr>
-          <p:cNvPr id="88" name="Straight Connector 87"/>
-          <p:cNvCxnSpPr>
-            <a:stCxn id="11" idx="2"/>
-            <a:endCxn id="86" idx="0"/>
-          </p:cNvCxnSpPr>
-          <p:nvPr/>
-        </p:nvCxnSpPr>
-        <p:spPr>
-          <a:xfrm>
-            <a:off x="6882967" y="1695529"/>
-            <a:ext cx="0" cy="723861"/>
-          </a:xfrm>
-          <a:prstGeom prst="line">
-            <a:avLst/>
-          </a:prstGeom>
-          <a:ln w="25400">
-            <a:solidFill>
-              <a:schemeClr val="tx1"/>
-            </a:solidFill>
-          </a:ln>
-        </p:spPr>
-        <p:style>
-          <a:lnRef idx="1">
-            <a:schemeClr val="accent1"/>
-          </a:lnRef>
-          <a:fillRef idx="0">
-            <a:schemeClr val="accent1"/>
-          </a:fillRef>
-          <a:effectRef idx="0">
-            <a:schemeClr val="accent1"/>
-          </a:effectRef>
-          <a:fontRef idx="minor">
-            <a:schemeClr val="tx1"/>
-          </a:fontRef>
-        </p:style>
-      </p:cxnSp>
-      <p:sp>
-        <p:nvSpPr>
-          <p:cNvPr id="89" name="Rectangle 88"/>
-          <p:cNvSpPr/>
-          <p:nvPr/>
-        </p:nvSpPr>
-        <p:spPr>
-          <a:xfrm>
-            <a:off x="1408521" y="3186027"/>
-            <a:ext cx="1475229" cy="677489"/>
-          </a:xfrm>
-          <a:prstGeom prst="rect">
-            <a:avLst/>
-          </a:prstGeom>
-          <a:solidFill>
-            <a:schemeClr val="accent1">
-              <a:alpha val="50000"/>
-            </a:schemeClr>
-          </a:solidFill>
-          <a:ln>
-            <a:prstDash val="dash"/>
-          </a:ln>
-        </p:spPr>
-        <p:style>
-          <a:lnRef idx="2">
-            <a:schemeClr val="accent1">
-              <a:shade val="50000"/>
-            </a:schemeClr>
-          </a:lnRef>
-          <a:fillRef idx="1">
-            <a:schemeClr val="accent1"/>
-          </a:fillRef>
-          <a:effectRef idx="0">
-            <a:schemeClr val="accent1"/>
-          </a:effectRef>
-          <a:fontRef idx="minor">
-            <a:schemeClr val="lt1"/>
-          </a:fontRef>
-        </p:style>
-        <p:txBody>
-          <a:bodyPr rtlCol="0" anchor="ctr"/>
-          <a:lstStyle/>
-          <a:p>
-            <a:pPr algn="ctr"/>
-            <a:r>
-              <a:rPr lang="en-US" sz="1600" i="1" dirty="0" err="1"/>
-              <a:t>CustomSender</a:t>
-            </a:r>
-            <a:endParaRPr lang="en-US" sz="1600" i="1" dirty="0"/>
-          </a:p>
-        </p:txBody>
-      </p:sp>
-      <p:cxnSp>
-        <p:nvCxnSpPr>
-          <p:cNvPr id="69" name="Straight Connector 68"/>
-          <p:cNvCxnSpPr>
-            <a:stCxn id="86" idx="3"/>
-            <a:endCxn id="85" idx="0"/>
-          </p:cNvCxnSpPr>
-          <p:nvPr/>
-        </p:nvCxnSpPr>
-        <p:spPr>
-          <a:xfrm>
-            <a:off x="6882967" y="2804082"/>
-            <a:ext cx="3701" cy="424586"/>
-          </a:xfrm>
-          <a:prstGeom prst="line">
-            <a:avLst/>
-          </a:prstGeom>
-          <a:ln w="25400">
-            <a:solidFill>
-              <a:schemeClr val="tx1"/>
-            </a:solidFill>
-          </a:ln>
-        </p:spPr>
-        <p:style>
-          <a:lnRef idx="1">
-            <a:schemeClr val="accent1"/>
-          </a:lnRef>
-          <a:fillRef idx="0">
-            <a:schemeClr val="accent1"/>
-          </a:fillRef>
-          <a:effectRef idx="0">
-            <a:schemeClr val="accent1"/>
-          </a:effectRef>
-          <a:fontRef idx="minor">
-            <a:schemeClr val="tx1"/>
-          </a:fontRef>
-        </p:style>
-      </p:cxnSp>
-      <p:sp>
-        <p:nvSpPr>
-          <p:cNvPr id="105" name="Diamond 104"/>
-          <p:cNvSpPr/>
-          <p:nvPr/>
-        </p:nvSpPr>
-        <p:spPr>
-          <a:xfrm rot="5400000">
-            <a:off x="5872897" y="1338974"/>
-            <a:ext cx="298049" cy="389760"/>
-          </a:xfrm>
-          <a:prstGeom prst="diamond">
-            <a:avLst/>
-          </a:prstGeom>
-          <a:solidFill>
-            <a:schemeClr val="tx1"/>
-          </a:solidFill>
-          <a:ln>
-            <a:solidFill>
-              <a:schemeClr val="tx1"/>
-            </a:solidFill>
-          </a:ln>
-        </p:spPr>
-        <p:style>
-          <a:lnRef idx="2">
-            <a:schemeClr val="accent1">
-              <a:shade val="50000"/>
-            </a:schemeClr>
-          </a:lnRef>
-          <a:fillRef idx="1">
-            <a:schemeClr val="accent1"/>
-          </a:fillRef>
-          <a:effectRef idx="0">
-            <a:schemeClr val="accent1"/>
-          </a:effectRef>
-          <a:fontRef idx="minor">
-            <a:schemeClr val="lt1"/>
-          </a:fontRef>
-        </p:style>
-        <p:txBody>
-          <a:bodyPr rtlCol="0" anchor="ctr"/>
-          <a:lstStyle/>
-          <a:p>
-            <a:pPr algn="ctr"/>
-            <a:endParaRPr lang="en-US" sz="1350"/>
-          </a:p>
-        </p:txBody>
-      </p:sp>
-      <p:cxnSp>
-        <p:nvCxnSpPr>
-          <p:cNvPr id="84" name="Elbow Connector 83"/>
-          <p:cNvCxnSpPr>
-            <a:stCxn id="105" idx="2"/>
-            <a:endCxn id="79" idx="3"/>
-          </p:cNvCxnSpPr>
-          <p:nvPr/>
-        </p:nvCxnSpPr>
-        <p:spPr>
-          <a:xfrm rot="10800000" flipV="1">
-            <a:off x="5098772" y="1533855"/>
-            <a:ext cx="728270" cy="756624"/>
-          </a:xfrm>
-          <a:prstGeom prst="bentConnector3">
-            <a:avLst/>
-          </a:prstGeom>
-          <a:ln w="25400">
-            <a:solidFill>
-              <a:schemeClr val="tx1"/>
-            </a:solidFill>
-          </a:ln>
-        </p:spPr>
-        <p:style>
-          <a:lnRef idx="1">
-            <a:schemeClr val="accent1"/>
-          </a:lnRef>
-          <a:fillRef idx="0">
-            <a:schemeClr val="accent1"/>
-          </a:fillRef>
-          <a:effectRef idx="0">
-            <a:schemeClr val="accent1"/>
-          </a:effectRef>
-          <a:fontRef idx="minor">
-            <a:schemeClr val="tx1"/>
-          </a:fontRef>
-        </p:style>
-      </p:cxnSp>
-      <p:cxnSp>
-        <p:nvCxnSpPr>
-          <p:cNvPr id="120" name="Straight Arrow Connector 119"/>
-          <p:cNvCxnSpPr>
-            <a:stCxn id="5" idx="1"/>
-            <a:endCxn id="11" idx="3"/>
-          </p:cNvCxnSpPr>
-          <p:nvPr/>
-        </p:nvCxnSpPr>
-        <p:spPr>
-          <a:xfrm flipH="1" flipV="1">
-            <a:off x="7563991" y="1270390"/>
-            <a:ext cx="669743" cy="1240"/>
-          </a:xfrm>
-          <a:prstGeom prst="straightConnector1">
-            <a:avLst/>
-          </a:prstGeom>
-          <a:ln w="28575">
-            <a:solidFill>
-              <a:schemeClr val="tx1"/>
-            </a:solidFill>
-            <a:tailEnd type="arrow"/>
-          </a:ln>
-        </p:spPr>
-        <p:style>
-          <a:lnRef idx="1">
-            <a:schemeClr val="accent1"/>
-          </a:lnRef>
-          <a:fillRef idx="0">
-            <a:schemeClr val="accent1"/>
-          </a:fillRef>
-          <a:effectRef idx="0">
-            <a:schemeClr val="accent1"/>
-          </a:effectRef>
-          <a:fontRef idx="minor">
-            <a:schemeClr val="tx1"/>
-          </a:fontRef>
-        </p:style>
-      </p:cxnSp>
-      <p:sp>
-        <p:nvSpPr>
-          <p:cNvPr id="2" name="TextBox 1"/>
-          <p:cNvSpPr txBox="1"/>
-          <p:nvPr/>
-        </p:nvSpPr>
-        <p:spPr>
-          <a:xfrm>
-            <a:off x="1026695" y="22833"/>
-            <a:ext cx="9009776" cy="584775"/>
-          </a:xfrm>
-          <a:prstGeom prst="rect">
-            <a:avLst/>
-          </a:prstGeom>
-          <a:noFill/>
-        </p:spPr>
-        <p:txBody>
-          <a:bodyPr wrap="square" rtlCol="0">
-            <a:spAutoFit/>
+          <p:cNvPr id="2" name="Title 1"/>
+          <p:cNvSpPr>
+            <a:spLocks noGrp="1"/>
+          </p:cNvSpPr>
+          <p:nvPr>
+            <p:ph type="title"/>
+          </p:nvPr>
+        </p:nvSpPr>
+        <p:spPr/>
+        <p:txBody>
+          <a:bodyPr/>
+          <a:lstStyle/>
+          <a:p>
+            <a:r>
+              <a:rPr lang="en-US" dirty="0"/>
+              <a:t>MPL Specializations  </a:t>
+            </a:r>
+          </a:p>
+        </p:txBody>
+      </p:sp>
+      <p:sp>
+        <p:nvSpPr>
+          <p:cNvPr id="3" name="Content Placeholder 2"/>
+          <p:cNvSpPr>
+            <a:spLocks noGrp="1"/>
+          </p:cNvSpPr>
+          <p:nvPr>
+            <p:ph idx="1"/>
+          </p:nvPr>
+        </p:nvSpPr>
+        <p:spPr/>
+        <p:txBody>
+          <a:bodyPr>
+            <a:normAutofit/>
           </a:bodyPr>
           <a:lstStyle/>
           <a:p>
-            <a:pPr algn="ctr"/>
+            <a:pPr lvl="1"/>
             <a:r>
               <a:rPr lang="en-US" sz="3200" dirty="0"/>
-              <a:t>Base MPL framework   </a:t>
-            </a:r>
-          </a:p>
-        </p:txBody>
-      </p:sp>
-      <p:sp>
-        <p:nvSpPr>
-          <p:cNvPr id="71" name="Rectangle 70"/>
-          <p:cNvSpPr/>
-          <p:nvPr/>
-        </p:nvSpPr>
-        <p:spPr>
-          <a:xfrm>
-            <a:off x="3647872" y="857903"/>
-            <a:ext cx="1450901" cy="824975"/>
-          </a:xfrm>
-          <a:prstGeom prst="rect">
-            <a:avLst/>
-          </a:prstGeom>
-          <a:solidFill>
-            <a:schemeClr val="accent5">
-              <a:lumMod val="50000"/>
-            </a:schemeClr>
-          </a:solidFill>
-        </p:spPr>
-        <p:style>
-          <a:lnRef idx="2">
-            <a:schemeClr val="accent1">
-              <a:shade val="50000"/>
-            </a:schemeClr>
-          </a:lnRef>
-          <a:fillRef idx="1">
-            <a:schemeClr val="accent1"/>
-          </a:fillRef>
-          <a:effectRef idx="0">
-            <a:schemeClr val="accent1"/>
-          </a:effectRef>
-          <a:fontRef idx="minor">
-            <a:schemeClr val="lt1"/>
-          </a:fontRef>
-        </p:style>
-        <p:txBody>
-          <a:bodyPr rtlCol="0" anchor="ctr"/>
-          <a:lstStyle/>
-          <a:p>
-            <a:pPr algn="ctr"/>
-            <a:r>
-              <a:rPr lang="en-US" sz="1600" dirty="0" err="1"/>
-              <a:t>BlockingQueue</a:t>
-            </a:r>
-            <a:endParaRPr lang="en-US" sz="1600" dirty="0"/>
-          </a:p>
-        </p:txBody>
-      </p:sp>
-      <p:sp>
-        <p:nvSpPr>
-          <p:cNvPr id="79" name="Rectangle 78"/>
-          <p:cNvSpPr/>
-          <p:nvPr/>
-        </p:nvSpPr>
-        <p:spPr>
-          <a:xfrm>
-            <a:off x="3647871" y="1904250"/>
-            <a:ext cx="1450901" cy="772457"/>
-          </a:xfrm>
-          <a:prstGeom prst="rect">
-            <a:avLst/>
-          </a:prstGeom>
-          <a:solidFill>
-            <a:schemeClr val="accent5">
-              <a:lumMod val="50000"/>
-            </a:schemeClr>
-          </a:solidFill>
-        </p:spPr>
-        <p:style>
-          <a:lnRef idx="2">
-            <a:schemeClr val="accent1">
-              <a:shade val="50000"/>
-            </a:schemeClr>
-          </a:lnRef>
-          <a:fillRef idx="1">
-            <a:schemeClr val="accent1"/>
-          </a:fillRef>
-          <a:effectRef idx="0">
-            <a:schemeClr val="accent1"/>
-          </a:effectRef>
-          <a:fontRef idx="minor">
-            <a:schemeClr val="lt1"/>
-          </a:fontRef>
-        </p:style>
-        <p:txBody>
-          <a:bodyPr rtlCol="0" anchor="ctr"/>
-          <a:lstStyle/>
-          <a:p>
-            <a:pPr algn="ctr"/>
-            <a:r>
-              <a:rPr lang="en-US" sz="1600" dirty="0" err="1"/>
-              <a:t>std</a:t>
-            </a:r>
-            <a:r>
-              <a:rPr lang="en-US" sz="1600" dirty="0"/>
-              <a:t>::thread</a:t>
-            </a:r>
-          </a:p>
-        </p:txBody>
-      </p:sp>
-      <p:sp>
-        <p:nvSpPr>
-          <p:cNvPr id="66" name="Diamond 65"/>
-          <p:cNvSpPr/>
-          <p:nvPr/>
-        </p:nvSpPr>
-        <p:spPr>
-          <a:xfrm rot="5400000">
-            <a:off x="5872897" y="922609"/>
-            <a:ext cx="298049" cy="389760"/>
-          </a:xfrm>
-          <a:prstGeom prst="diamond">
-            <a:avLst/>
-          </a:prstGeom>
-          <a:solidFill>
-            <a:schemeClr val="tx1"/>
-          </a:solidFill>
-          <a:ln>
-            <a:solidFill>
-              <a:schemeClr val="tx1"/>
-            </a:solidFill>
-          </a:ln>
-        </p:spPr>
-        <p:style>
-          <a:lnRef idx="2">
-            <a:schemeClr val="accent1">
-              <a:shade val="50000"/>
-            </a:schemeClr>
-          </a:lnRef>
-          <a:fillRef idx="1">
-            <a:schemeClr val="accent1"/>
-          </a:fillRef>
-          <a:effectRef idx="0">
-            <a:schemeClr val="accent1"/>
-          </a:effectRef>
-          <a:fontRef idx="minor">
-            <a:schemeClr val="lt1"/>
-          </a:fontRef>
-        </p:style>
-        <p:txBody>
-          <a:bodyPr rtlCol="0" anchor="ctr"/>
-          <a:lstStyle/>
-          <a:p>
-            <a:pPr algn="ctr"/>
-            <a:endParaRPr lang="en-US" sz="1350"/>
-          </a:p>
-        </p:txBody>
-      </p:sp>
-      <p:sp>
-        <p:nvSpPr>
-          <p:cNvPr id="92" name="Diamond 91"/>
-          <p:cNvSpPr/>
-          <p:nvPr/>
-        </p:nvSpPr>
-        <p:spPr>
-          <a:xfrm rot="5400000">
-            <a:off x="2834127" y="918543"/>
-            <a:ext cx="298049" cy="389760"/>
-          </a:xfrm>
-          <a:prstGeom prst="diamond">
-            <a:avLst/>
-          </a:prstGeom>
-          <a:solidFill>
-            <a:schemeClr val="tx1"/>
-          </a:solidFill>
-          <a:ln>
-            <a:solidFill>
-              <a:schemeClr val="tx1"/>
-            </a:solidFill>
-          </a:ln>
-        </p:spPr>
-        <p:style>
-          <a:lnRef idx="2">
-            <a:schemeClr val="accent1">
-              <a:shade val="50000"/>
-            </a:schemeClr>
-          </a:lnRef>
-          <a:fillRef idx="1">
-            <a:schemeClr val="accent1"/>
-          </a:fillRef>
-          <a:effectRef idx="0">
-            <a:schemeClr val="accent1"/>
-          </a:effectRef>
-          <a:fontRef idx="minor">
-            <a:schemeClr val="lt1"/>
-          </a:fontRef>
-        </p:style>
-        <p:txBody>
-          <a:bodyPr rtlCol="0" anchor="ctr"/>
-          <a:lstStyle/>
-          <a:p>
-            <a:pPr algn="ctr"/>
-            <a:endParaRPr lang="en-US" sz="1350"/>
-          </a:p>
-        </p:txBody>
-      </p:sp>
-      <p:cxnSp>
-        <p:nvCxnSpPr>
-          <p:cNvPr id="99" name="Straight Connector 98"/>
-          <p:cNvCxnSpPr/>
-          <p:nvPr/>
-        </p:nvCxnSpPr>
-        <p:spPr>
-          <a:xfrm flipH="1">
-            <a:off x="3178032" y="1112809"/>
-            <a:ext cx="469839" cy="615"/>
-          </a:xfrm>
-          <a:prstGeom prst="line">
-            <a:avLst/>
-          </a:prstGeom>
-          <a:ln w="25400">
-            <a:solidFill>
-              <a:schemeClr val="tx1"/>
-            </a:solidFill>
-          </a:ln>
-        </p:spPr>
-        <p:style>
-          <a:lnRef idx="1">
-            <a:schemeClr val="accent1"/>
-          </a:lnRef>
-          <a:fillRef idx="0">
-            <a:schemeClr val="accent1"/>
-          </a:fillRef>
-          <a:effectRef idx="0">
-            <a:schemeClr val="accent1"/>
-          </a:effectRef>
-          <a:fontRef idx="minor">
-            <a:schemeClr val="tx1"/>
-          </a:fontRef>
-        </p:style>
-      </p:cxnSp>
-      <p:sp>
-        <p:nvSpPr>
-          <p:cNvPr id="127" name="Diamond 126"/>
-          <p:cNvSpPr/>
-          <p:nvPr/>
-        </p:nvSpPr>
-        <p:spPr>
-          <a:xfrm rot="5400000">
-            <a:off x="2849752" y="1330170"/>
-            <a:ext cx="298049" cy="389760"/>
-          </a:xfrm>
-          <a:prstGeom prst="diamond">
-            <a:avLst/>
-          </a:prstGeom>
-          <a:solidFill>
-            <a:schemeClr val="tx1"/>
-          </a:solidFill>
-          <a:ln>
-            <a:solidFill>
-              <a:schemeClr val="tx1"/>
-            </a:solidFill>
-          </a:ln>
-        </p:spPr>
-        <p:style>
-          <a:lnRef idx="2">
-            <a:schemeClr val="accent1">
-              <a:shade val="50000"/>
-            </a:schemeClr>
-          </a:lnRef>
-          <a:fillRef idx="1">
-            <a:schemeClr val="accent1"/>
-          </a:fillRef>
-          <a:effectRef idx="0">
-            <a:schemeClr val="accent1"/>
-          </a:effectRef>
-          <a:fontRef idx="minor">
-            <a:schemeClr val="lt1"/>
-          </a:fontRef>
-        </p:style>
-        <p:txBody>
-          <a:bodyPr rtlCol="0" anchor="ctr"/>
-          <a:lstStyle/>
-          <a:p>
-            <a:pPr algn="ctr"/>
-            <a:endParaRPr lang="en-US" sz="1350"/>
-          </a:p>
-        </p:txBody>
-      </p:sp>
-      <p:cxnSp>
-        <p:nvCxnSpPr>
-          <p:cNvPr id="130" name="Elbow Connector 129"/>
-          <p:cNvCxnSpPr>
-            <a:stCxn id="127" idx="0"/>
-            <a:endCxn id="79" idx="1"/>
-          </p:cNvCxnSpPr>
-          <p:nvPr/>
-        </p:nvCxnSpPr>
-        <p:spPr>
-          <a:xfrm>
-            <a:off x="3193657" y="1525051"/>
-            <a:ext cx="454214" cy="765428"/>
-          </a:xfrm>
-          <a:prstGeom prst="bentConnector3">
-            <a:avLst>
-              <a:gd name="adj1" fmla="val 50000"/>
-            </a:avLst>
-          </a:prstGeom>
-          <a:ln w="25400">
-            <a:solidFill>
-              <a:schemeClr val="tx1"/>
-            </a:solidFill>
-          </a:ln>
-        </p:spPr>
-        <p:style>
-          <a:lnRef idx="1">
-            <a:schemeClr val="accent1"/>
-          </a:lnRef>
-          <a:fillRef idx="0">
-            <a:schemeClr val="accent1"/>
-          </a:fillRef>
-          <a:effectRef idx="0">
-            <a:schemeClr val="accent1"/>
-          </a:effectRef>
-          <a:fontRef idx="minor">
-            <a:schemeClr val="tx1"/>
-          </a:fontRef>
-        </p:style>
-      </p:cxnSp>
-      <p:cxnSp>
-        <p:nvCxnSpPr>
-          <p:cNvPr id="37" name="Straight Connector 36"/>
-          <p:cNvCxnSpPr>
-            <a:stCxn id="66" idx="2"/>
-          </p:cNvCxnSpPr>
-          <p:nvPr/>
-        </p:nvCxnSpPr>
-        <p:spPr>
-          <a:xfrm flipH="1" flipV="1">
-            <a:off x="5112729" y="1112809"/>
-            <a:ext cx="714313" cy="4681"/>
-          </a:xfrm>
-          <a:prstGeom prst="line">
-            <a:avLst/>
-          </a:prstGeom>
-          <a:ln w="25400">
-            <a:solidFill>
-              <a:schemeClr val="tx1"/>
-            </a:solidFill>
-          </a:ln>
-        </p:spPr>
-        <p:style>
-          <a:lnRef idx="1">
-            <a:schemeClr val="accent1"/>
-          </a:lnRef>
-          <a:fillRef idx="0">
-            <a:schemeClr val="accent1"/>
-          </a:fillRef>
-          <a:effectRef idx="0">
-            <a:schemeClr val="accent1"/>
-          </a:effectRef>
-          <a:fontRef idx="minor">
-            <a:schemeClr val="tx1"/>
-          </a:fontRef>
-        </p:style>
-      </p:cxnSp>
-      <p:sp>
-        <p:nvSpPr>
-          <p:cNvPr id="24" name="TextBox 23"/>
-          <p:cNvSpPr txBox="1"/>
-          <p:nvPr/>
-        </p:nvSpPr>
-        <p:spPr>
-          <a:xfrm>
-            <a:off x="1021577" y="4186863"/>
-            <a:ext cx="9610928" cy="2308324"/>
-          </a:xfrm>
-          <a:prstGeom prst="rect">
-            <a:avLst/>
-          </a:prstGeom>
-          <a:noFill/>
-        </p:spPr>
-        <p:txBody>
-          <a:bodyPr wrap="square" rtlCol="0">
-            <a:spAutoFit/>
-          </a:bodyPr>
-          <a:lstStyle/>
-          <a:p>
-            <a:pPr marL="285750" indent="-285750">
-              <a:buFont typeface="Arial" panose="020B0604020202020204" pitchFamily="34" charset="0"/>
-              <a:buChar char="•"/>
-            </a:pPr>
+              <a:t>Default MPL: variable sized message passing</a:t>
+            </a:r>
+          </a:p>
+          <a:p>
+            <a:pPr lvl="2"/>
             <a:r>
               <a:rPr lang="en-US" sz="2400" dirty="0"/>
-              <a:t>TCP Client/Server Model…</a:t>
-            </a:r>
-          </a:p>
-          <a:p>
-            <a:pPr marL="742950" lvl="1" indent="-285750">
-              <a:buFont typeface="Arial" panose="020B0604020202020204" pitchFamily="34" charset="0"/>
-              <a:buChar char="•"/>
-            </a:pPr>
+              <a:t>Simple and flexible</a:t>
+            </a:r>
+          </a:p>
+          <a:p>
+            <a:pPr lvl="1"/>
+            <a:r>
+              <a:rPr lang="en-US" sz="3200" dirty="0"/>
+              <a:t>Specialization 1:  fixed size message passing</a:t>
+            </a:r>
+          </a:p>
+          <a:p>
+            <a:pPr lvl="2"/>
             <a:r>
               <a:rPr lang="en-US" sz="2400" dirty="0"/>
-              <a:t>Client-side and Server-side and not symmetric!</a:t>
-            </a:r>
-          </a:p>
-          <a:p>
-            <a:pPr marL="1200150" lvl="2" indent="-285750">
-              <a:buFont typeface="Arial" panose="020B0604020202020204" pitchFamily="34" charset="0"/>
-              <a:buChar char="•"/>
-            </a:pPr>
+              <a:t>Better performance (high throughput applications)</a:t>
+            </a:r>
+          </a:p>
+          <a:p>
+            <a:pPr lvl="1"/>
+            <a:r>
+              <a:rPr lang="en-US" sz="3200" dirty="0"/>
+              <a:t>Specialization 2: SSL enabled (secure) message passing</a:t>
+            </a:r>
+          </a:p>
+          <a:p>
+            <a:pPr lvl="2"/>
             <a:r>
               <a:rPr lang="en-US" sz="2400" dirty="0"/>
-              <a:t>Client initiates, Server responds</a:t>
-            </a:r>
-          </a:p>
-          <a:p>
-            <a:pPr marL="1657350" lvl="3" indent="-285750">
-              <a:buFont typeface="Arial" panose="020B0604020202020204" pitchFamily="34" charset="0"/>
-              <a:buChar char="•"/>
-            </a:pPr>
+              <a:t>Security: based PKI (Public Key Infrastructure)</a:t>
+            </a:r>
+          </a:p>
+          <a:p>
+            <a:pPr lvl="1"/>
+            <a:r>
+              <a:rPr lang="en-US" sz="3200" dirty="0"/>
+              <a:t>Specialization 3:</a:t>
+            </a:r>
+            <a:r>
+              <a:rPr lang="en-US" sz="3600" dirty="0"/>
+              <a:t> Emphasize recovery</a:t>
+            </a:r>
+          </a:p>
+          <a:p>
+            <a:pPr lvl="2"/>
             <a:r>
               <a:rPr lang="en-US" sz="2400" dirty="0"/>
-              <a:t>Server listens, client connects</a:t>
-            </a:r>
-          </a:p>
-          <a:p>
-            <a:pPr marL="1657350" lvl="3" indent="-285750">
-              <a:buFont typeface="Arial" panose="020B0604020202020204" pitchFamily="34" charset="0"/>
-              <a:buChar char="•"/>
-            </a:pPr>
-            <a:endParaRPr lang="en-US" sz="2400" dirty="0"/>
-          </a:p>
-          <a:p>
-            <a:pPr marL="1200150" lvl="2" indent="-285750">
-              <a:buFont typeface="Arial" panose="020B0604020202020204" pitchFamily="34" charset="0"/>
-              <a:buChar char="•"/>
-            </a:pPr>
-            <a:r>
-              <a:rPr lang="en-US" sz="2400" dirty="0"/>
-              <a:t>Notice </a:t>
-            </a:r>
-            <a:r>
-              <a:rPr lang="en-US" sz="2400" i="1" dirty="0"/>
-              <a:t>Sender</a:t>
-            </a:r>
-            <a:r>
-              <a:rPr lang="en-US" sz="2400" dirty="0"/>
-              <a:t> </a:t>
-            </a:r>
-            <a:r>
-              <a:rPr lang="en-US" sz="2400" i="1" dirty="0"/>
-              <a:t>and </a:t>
-            </a:r>
-            <a:r>
-              <a:rPr lang="en-US" sz="2400" i="1" dirty="0" err="1"/>
-              <a:t>ClientHandler</a:t>
-            </a:r>
-            <a:r>
-              <a:rPr lang="en-US" sz="2400" i="1" dirty="0"/>
-              <a:t> aren’t much </a:t>
-            </a:r>
-            <a:r>
-              <a:rPr lang="en-US" sz="2400" dirty="0"/>
-              <a:t>different! </a:t>
+              <a:t>High reliability applications</a:t>
             </a:r>
           </a:p>
         </p:txBody>
@@ -8681,7 +9170,7 @@
     </p:spTree>
     <p:extLst>
       <p:ext uri="{BB962C8B-B14F-4D97-AF65-F5344CB8AC3E}">
-        <p14:creationId xmlns:p14="http://schemas.microsoft.com/office/powerpoint/2010/main" val="3644727066"/>
+        <p14:creationId xmlns:p14="http://schemas.microsoft.com/office/powerpoint/2010/main" val="402962620"/>
       </p:ext>
     </p:extLst>
   </p:cSld>
@@ -8716,6 +9205,1218 @@
         </p:nvSpPr>
         <p:spPr>
           <a:xfrm>
+            <a:off x="1453130" y="858058"/>
+            <a:ext cx="1366392" cy="1038847"/>
+          </a:xfrm>
+          <a:prstGeom prst="rect">
+            <a:avLst/>
+          </a:prstGeom>
+          <a:solidFill>
+            <a:schemeClr val="accent5">
+              <a:lumMod val="50000"/>
+            </a:schemeClr>
+          </a:solidFill>
+        </p:spPr>
+        <p:style>
+          <a:lnRef idx="2">
+            <a:schemeClr val="accent1">
+              <a:shade val="50000"/>
+            </a:schemeClr>
+          </a:lnRef>
+          <a:fillRef idx="1">
+            <a:schemeClr val="accent1"/>
+          </a:fillRef>
+          <a:effectRef idx="0">
+            <a:schemeClr val="accent1"/>
+          </a:effectRef>
+          <a:fontRef idx="minor">
+            <a:schemeClr val="lt1"/>
+          </a:fontRef>
+        </p:style>
+        <p:txBody>
+          <a:bodyPr rtlCol="0" anchor="t" anchorCtr="0"/>
+          <a:lstStyle/>
+          <a:p>
+            <a:pPr algn="ctr"/>
+            <a:r>
+              <a:rPr lang="en-US" sz="1600" u="sng" dirty="0"/>
+              <a:t>Sender</a:t>
+            </a:r>
+          </a:p>
+          <a:p>
+            <a:pPr algn="ctr"/>
+            <a:r>
+              <a:rPr lang="en-US" sz="1400" i="1" dirty="0"/>
+              <a:t>Connect()</a:t>
+            </a:r>
+          </a:p>
+          <a:p>
+            <a:pPr algn="ctr"/>
+            <a:r>
+              <a:rPr lang="en-US" sz="1400" i="1" dirty="0" err="1"/>
+              <a:t>PostMessage</a:t>
+            </a:r>
+            <a:r>
+              <a:rPr lang="en-US" sz="1400" i="1" dirty="0"/>
+              <a:t>()</a:t>
+            </a:r>
+          </a:p>
+          <a:p>
+            <a:pPr algn="ctr"/>
+            <a:r>
+              <a:rPr lang="en-US" sz="1400" i="1" dirty="0" err="1"/>
+              <a:t>GetMessage</a:t>
+            </a:r>
+            <a:r>
+              <a:rPr lang="en-US" sz="1400" i="1" dirty="0"/>
+              <a:t>()</a:t>
+            </a:r>
+          </a:p>
+        </p:txBody>
+      </p:sp>
+      <p:sp>
+        <p:nvSpPr>
+          <p:cNvPr id="5" name="Rectangle 4"/>
+          <p:cNvSpPr/>
+          <p:nvPr/>
+        </p:nvSpPr>
+        <p:spPr>
+          <a:xfrm>
+            <a:off x="8233734" y="846490"/>
+            <a:ext cx="1016112" cy="850279"/>
+          </a:xfrm>
+          <a:prstGeom prst="rect">
+            <a:avLst/>
+          </a:prstGeom>
+          <a:solidFill>
+            <a:schemeClr val="accent5">
+              <a:lumMod val="50000"/>
+            </a:schemeClr>
+          </a:solidFill>
+        </p:spPr>
+        <p:style>
+          <a:lnRef idx="2">
+            <a:schemeClr val="accent1">
+              <a:shade val="50000"/>
+            </a:schemeClr>
+          </a:lnRef>
+          <a:fillRef idx="1">
+            <a:schemeClr val="accent1"/>
+          </a:fillRef>
+          <a:effectRef idx="0">
+            <a:schemeClr val="accent1"/>
+          </a:effectRef>
+          <a:fontRef idx="minor">
+            <a:schemeClr val="lt1"/>
+          </a:fontRef>
+        </p:style>
+        <p:txBody>
+          <a:bodyPr rtlCol="0" anchor="t" anchorCtr="0"/>
+          <a:lstStyle/>
+          <a:p>
+            <a:pPr algn="ctr"/>
+            <a:r>
+              <a:rPr lang="en-US" sz="1600" u="sng" dirty="0"/>
+              <a:t>Receiver</a:t>
+            </a:r>
+          </a:p>
+          <a:p>
+            <a:pPr algn="ctr"/>
+            <a:r>
+              <a:rPr lang="en-US" sz="1400" i="1" dirty="0"/>
+              <a:t>Listen()</a:t>
+            </a:r>
+          </a:p>
+        </p:txBody>
+      </p:sp>
+      <p:sp>
+        <p:nvSpPr>
+          <p:cNvPr id="11" name="Rectangle 10"/>
+          <p:cNvSpPr/>
+          <p:nvPr/>
+        </p:nvSpPr>
+        <p:spPr>
+          <a:xfrm>
+            <a:off x="6201943" y="845250"/>
+            <a:ext cx="1362048" cy="850279"/>
+          </a:xfrm>
+          <a:prstGeom prst="rect">
+            <a:avLst/>
+          </a:prstGeom>
+          <a:solidFill>
+            <a:schemeClr val="accent5">
+              <a:lumMod val="50000"/>
+            </a:schemeClr>
+          </a:solidFill>
+        </p:spPr>
+        <p:style>
+          <a:lnRef idx="2">
+            <a:schemeClr val="accent1">
+              <a:shade val="50000"/>
+            </a:schemeClr>
+          </a:lnRef>
+          <a:fillRef idx="1">
+            <a:schemeClr val="accent1"/>
+          </a:fillRef>
+          <a:effectRef idx="0">
+            <a:schemeClr val="accent1"/>
+          </a:effectRef>
+          <a:fontRef idx="minor">
+            <a:schemeClr val="lt1"/>
+          </a:fontRef>
+        </p:style>
+        <p:txBody>
+          <a:bodyPr rtlCol="0" anchor="t" anchorCtr="0"/>
+          <a:lstStyle/>
+          <a:p>
+            <a:pPr algn="ctr"/>
+            <a:r>
+              <a:rPr lang="en-US" sz="1600" u="sng" dirty="0" err="1"/>
+              <a:t>ClientHandler</a:t>
+            </a:r>
+            <a:endParaRPr lang="en-US" sz="1600" u="sng" dirty="0"/>
+          </a:p>
+          <a:p>
+            <a:pPr algn="ctr"/>
+            <a:r>
+              <a:rPr lang="en-US" sz="1400" i="1" dirty="0" err="1"/>
+              <a:t>PostMessage</a:t>
+            </a:r>
+            <a:r>
+              <a:rPr lang="en-US" sz="1400" i="1" dirty="0"/>
+              <a:t>()</a:t>
+            </a:r>
+          </a:p>
+          <a:p>
+            <a:pPr algn="ctr"/>
+            <a:r>
+              <a:rPr lang="en-US" sz="1400" i="1" dirty="0" err="1"/>
+              <a:t>GetMessage</a:t>
+            </a:r>
+            <a:r>
+              <a:rPr lang="en-US" sz="1400" i="1" dirty="0"/>
+              <a:t>()</a:t>
+            </a:r>
+          </a:p>
+          <a:p>
+            <a:pPr algn="ctr"/>
+            <a:endParaRPr lang="en-US" sz="1600" dirty="0"/>
+          </a:p>
+        </p:txBody>
+      </p:sp>
+      <p:sp>
+        <p:nvSpPr>
+          <p:cNvPr id="33" name="Isosceles Triangle 32"/>
+          <p:cNvSpPr/>
+          <p:nvPr/>
+        </p:nvSpPr>
+        <p:spPr>
+          <a:xfrm>
+            <a:off x="1863271" y="2419390"/>
+            <a:ext cx="565727" cy="349772"/>
+          </a:xfrm>
+          <a:prstGeom prst="triangle">
+            <a:avLst/>
+          </a:prstGeom>
+          <a:solidFill>
+            <a:schemeClr val="tx1"/>
+          </a:solidFill>
+          <a:ln>
+            <a:solidFill>
+              <a:schemeClr val="tx1"/>
+            </a:solidFill>
+          </a:ln>
+        </p:spPr>
+        <p:style>
+          <a:lnRef idx="2">
+            <a:schemeClr val="accent1">
+              <a:shade val="50000"/>
+            </a:schemeClr>
+          </a:lnRef>
+          <a:fillRef idx="1">
+            <a:schemeClr val="accent1"/>
+          </a:fillRef>
+          <a:effectRef idx="0">
+            <a:schemeClr val="accent1"/>
+          </a:effectRef>
+          <a:fontRef idx="minor">
+            <a:schemeClr val="lt1"/>
+          </a:fontRef>
+        </p:style>
+        <p:txBody>
+          <a:bodyPr rtlCol="0" anchor="ctr"/>
+          <a:lstStyle/>
+          <a:p>
+            <a:pPr algn="ctr"/>
+            <a:endParaRPr lang="en-US" sz="1350"/>
+          </a:p>
+        </p:txBody>
+      </p:sp>
+      <p:cxnSp>
+        <p:nvCxnSpPr>
+          <p:cNvPr id="34" name="Straight Connector 33"/>
+          <p:cNvCxnSpPr>
+            <a:stCxn id="4" idx="2"/>
+            <a:endCxn id="33" idx="0"/>
+          </p:cNvCxnSpPr>
+          <p:nvPr/>
+        </p:nvCxnSpPr>
+        <p:spPr>
+          <a:xfrm>
+            <a:off x="2136326" y="1896905"/>
+            <a:ext cx="9809" cy="522485"/>
+          </a:xfrm>
+          <a:prstGeom prst="line">
+            <a:avLst/>
+          </a:prstGeom>
+          <a:ln w="25400">
+            <a:solidFill>
+              <a:schemeClr val="tx1"/>
+            </a:solidFill>
+          </a:ln>
+        </p:spPr>
+        <p:style>
+          <a:lnRef idx="1">
+            <a:schemeClr val="accent1"/>
+          </a:lnRef>
+          <a:fillRef idx="0">
+            <a:schemeClr val="accent1"/>
+          </a:fillRef>
+          <a:effectRef idx="0">
+            <a:schemeClr val="accent1"/>
+          </a:effectRef>
+          <a:fontRef idx="minor">
+            <a:schemeClr val="tx1"/>
+          </a:fontRef>
+        </p:style>
+      </p:cxnSp>
+      <p:cxnSp>
+        <p:nvCxnSpPr>
+          <p:cNvPr id="36" name="Straight Connector 35"/>
+          <p:cNvCxnSpPr>
+            <a:stCxn id="33" idx="3"/>
+            <a:endCxn id="89" idx="0"/>
+          </p:cNvCxnSpPr>
+          <p:nvPr/>
+        </p:nvCxnSpPr>
+        <p:spPr>
+          <a:xfrm>
+            <a:off x="2146135" y="2769162"/>
+            <a:ext cx="1" cy="416865"/>
+          </a:xfrm>
+          <a:prstGeom prst="line">
+            <a:avLst/>
+          </a:prstGeom>
+          <a:ln w="25400">
+            <a:solidFill>
+              <a:schemeClr val="tx1"/>
+            </a:solidFill>
+          </a:ln>
+        </p:spPr>
+        <p:style>
+          <a:lnRef idx="1">
+            <a:schemeClr val="accent1"/>
+          </a:lnRef>
+          <a:fillRef idx="0">
+            <a:schemeClr val="accent1"/>
+          </a:fillRef>
+          <a:effectRef idx="0">
+            <a:schemeClr val="accent1"/>
+          </a:effectRef>
+          <a:fontRef idx="minor">
+            <a:schemeClr val="tx1"/>
+          </a:fontRef>
+        </p:style>
+      </p:cxnSp>
+      <p:sp>
+        <p:nvSpPr>
+          <p:cNvPr id="85" name="Rectangle 84"/>
+          <p:cNvSpPr/>
+          <p:nvPr/>
+        </p:nvSpPr>
+        <p:spPr>
+          <a:xfrm>
+            <a:off x="6055593" y="3228668"/>
+            <a:ext cx="1662149" cy="651692"/>
+          </a:xfrm>
+          <a:prstGeom prst="rect">
+            <a:avLst/>
+          </a:prstGeom>
+          <a:solidFill>
+            <a:schemeClr val="accent1">
+              <a:alpha val="50000"/>
+            </a:schemeClr>
+          </a:solidFill>
+          <a:ln>
+            <a:prstDash val="dash"/>
+          </a:ln>
+        </p:spPr>
+        <p:style>
+          <a:lnRef idx="2">
+            <a:schemeClr val="accent1">
+              <a:shade val="50000"/>
+            </a:schemeClr>
+          </a:lnRef>
+          <a:fillRef idx="1">
+            <a:schemeClr val="accent1"/>
+          </a:fillRef>
+          <a:effectRef idx="0">
+            <a:schemeClr val="accent1"/>
+          </a:effectRef>
+          <a:fontRef idx="minor">
+            <a:schemeClr val="lt1"/>
+          </a:fontRef>
+        </p:style>
+        <p:txBody>
+          <a:bodyPr rtlCol="0" anchor="ctr"/>
+          <a:lstStyle/>
+          <a:p>
+            <a:pPr algn="ctr"/>
+            <a:r>
+              <a:rPr lang="en-US" sz="1600" i="1" dirty="0"/>
+              <a:t>Custom</a:t>
+            </a:r>
+          </a:p>
+          <a:p>
+            <a:pPr algn="ctr"/>
+            <a:r>
+              <a:rPr lang="en-US" sz="1600" i="1" dirty="0" err="1"/>
+              <a:t>ClientHandler</a:t>
+            </a:r>
+            <a:endParaRPr lang="en-US" sz="1600" i="1" dirty="0"/>
+          </a:p>
+        </p:txBody>
+      </p:sp>
+      <p:sp>
+        <p:nvSpPr>
+          <p:cNvPr id="86" name="Isosceles Triangle 85"/>
+          <p:cNvSpPr/>
+          <p:nvPr/>
+        </p:nvSpPr>
+        <p:spPr>
+          <a:xfrm>
+            <a:off x="6580912" y="2419390"/>
+            <a:ext cx="604109" cy="384692"/>
+          </a:xfrm>
+          <a:prstGeom prst="triangle">
+            <a:avLst/>
+          </a:prstGeom>
+          <a:solidFill>
+            <a:schemeClr val="tx1"/>
+          </a:solidFill>
+          <a:ln>
+            <a:solidFill>
+              <a:schemeClr val="tx1"/>
+            </a:solidFill>
+          </a:ln>
+        </p:spPr>
+        <p:style>
+          <a:lnRef idx="2">
+            <a:schemeClr val="accent1">
+              <a:shade val="50000"/>
+            </a:schemeClr>
+          </a:lnRef>
+          <a:fillRef idx="1">
+            <a:schemeClr val="accent1"/>
+          </a:fillRef>
+          <a:effectRef idx="0">
+            <a:schemeClr val="accent1"/>
+          </a:effectRef>
+          <a:fontRef idx="minor">
+            <a:schemeClr val="lt1"/>
+          </a:fontRef>
+        </p:style>
+        <p:txBody>
+          <a:bodyPr rtlCol="0" anchor="ctr"/>
+          <a:lstStyle/>
+          <a:p>
+            <a:pPr algn="ctr"/>
+            <a:endParaRPr lang="en-US" sz="1350"/>
+          </a:p>
+        </p:txBody>
+      </p:sp>
+      <p:cxnSp>
+        <p:nvCxnSpPr>
+          <p:cNvPr id="88" name="Straight Connector 87"/>
+          <p:cNvCxnSpPr>
+            <a:stCxn id="11" idx="2"/>
+            <a:endCxn id="86" idx="0"/>
+          </p:cNvCxnSpPr>
+          <p:nvPr/>
+        </p:nvCxnSpPr>
+        <p:spPr>
+          <a:xfrm>
+            <a:off x="6882967" y="1695529"/>
+            <a:ext cx="0" cy="723861"/>
+          </a:xfrm>
+          <a:prstGeom prst="line">
+            <a:avLst/>
+          </a:prstGeom>
+          <a:ln w="25400">
+            <a:solidFill>
+              <a:schemeClr val="tx1"/>
+            </a:solidFill>
+          </a:ln>
+        </p:spPr>
+        <p:style>
+          <a:lnRef idx="1">
+            <a:schemeClr val="accent1"/>
+          </a:lnRef>
+          <a:fillRef idx="0">
+            <a:schemeClr val="accent1"/>
+          </a:fillRef>
+          <a:effectRef idx="0">
+            <a:schemeClr val="accent1"/>
+          </a:effectRef>
+          <a:fontRef idx="minor">
+            <a:schemeClr val="tx1"/>
+          </a:fontRef>
+        </p:style>
+      </p:cxnSp>
+      <p:sp>
+        <p:nvSpPr>
+          <p:cNvPr id="89" name="Rectangle 88"/>
+          <p:cNvSpPr/>
+          <p:nvPr/>
+        </p:nvSpPr>
+        <p:spPr>
+          <a:xfrm>
+            <a:off x="1408521" y="3186027"/>
+            <a:ext cx="1475229" cy="677489"/>
+          </a:xfrm>
+          <a:prstGeom prst="rect">
+            <a:avLst/>
+          </a:prstGeom>
+          <a:solidFill>
+            <a:schemeClr val="accent1">
+              <a:alpha val="50000"/>
+            </a:schemeClr>
+          </a:solidFill>
+          <a:ln>
+            <a:prstDash val="dash"/>
+          </a:ln>
+        </p:spPr>
+        <p:style>
+          <a:lnRef idx="2">
+            <a:schemeClr val="accent1">
+              <a:shade val="50000"/>
+            </a:schemeClr>
+          </a:lnRef>
+          <a:fillRef idx="1">
+            <a:schemeClr val="accent1"/>
+          </a:fillRef>
+          <a:effectRef idx="0">
+            <a:schemeClr val="accent1"/>
+          </a:effectRef>
+          <a:fontRef idx="minor">
+            <a:schemeClr val="lt1"/>
+          </a:fontRef>
+        </p:style>
+        <p:txBody>
+          <a:bodyPr rtlCol="0" anchor="ctr"/>
+          <a:lstStyle/>
+          <a:p>
+            <a:pPr algn="ctr"/>
+            <a:r>
+              <a:rPr lang="en-US" sz="1600" i="1" dirty="0" err="1"/>
+              <a:t>CustomSender</a:t>
+            </a:r>
+            <a:endParaRPr lang="en-US" sz="1600" i="1" dirty="0"/>
+          </a:p>
+        </p:txBody>
+      </p:sp>
+      <p:cxnSp>
+        <p:nvCxnSpPr>
+          <p:cNvPr id="69" name="Straight Connector 68"/>
+          <p:cNvCxnSpPr>
+            <a:stCxn id="86" idx="3"/>
+            <a:endCxn id="85" idx="0"/>
+          </p:cNvCxnSpPr>
+          <p:nvPr/>
+        </p:nvCxnSpPr>
+        <p:spPr>
+          <a:xfrm>
+            <a:off x="6882967" y="2804082"/>
+            <a:ext cx="3701" cy="424586"/>
+          </a:xfrm>
+          <a:prstGeom prst="line">
+            <a:avLst/>
+          </a:prstGeom>
+          <a:ln w="25400">
+            <a:solidFill>
+              <a:schemeClr val="tx1"/>
+            </a:solidFill>
+          </a:ln>
+        </p:spPr>
+        <p:style>
+          <a:lnRef idx="1">
+            <a:schemeClr val="accent1"/>
+          </a:lnRef>
+          <a:fillRef idx="0">
+            <a:schemeClr val="accent1"/>
+          </a:fillRef>
+          <a:effectRef idx="0">
+            <a:schemeClr val="accent1"/>
+          </a:effectRef>
+          <a:fontRef idx="minor">
+            <a:schemeClr val="tx1"/>
+          </a:fontRef>
+        </p:style>
+      </p:cxnSp>
+      <p:sp>
+        <p:nvSpPr>
+          <p:cNvPr id="105" name="Diamond 104"/>
+          <p:cNvSpPr/>
+          <p:nvPr/>
+        </p:nvSpPr>
+        <p:spPr>
+          <a:xfrm rot="5400000">
+            <a:off x="5872897" y="1338974"/>
+            <a:ext cx="298049" cy="389760"/>
+          </a:xfrm>
+          <a:prstGeom prst="diamond">
+            <a:avLst/>
+          </a:prstGeom>
+          <a:solidFill>
+            <a:schemeClr val="tx1"/>
+          </a:solidFill>
+          <a:ln>
+            <a:solidFill>
+              <a:schemeClr val="tx1"/>
+            </a:solidFill>
+          </a:ln>
+        </p:spPr>
+        <p:style>
+          <a:lnRef idx="2">
+            <a:schemeClr val="accent1">
+              <a:shade val="50000"/>
+            </a:schemeClr>
+          </a:lnRef>
+          <a:fillRef idx="1">
+            <a:schemeClr val="accent1"/>
+          </a:fillRef>
+          <a:effectRef idx="0">
+            <a:schemeClr val="accent1"/>
+          </a:effectRef>
+          <a:fontRef idx="minor">
+            <a:schemeClr val="lt1"/>
+          </a:fontRef>
+        </p:style>
+        <p:txBody>
+          <a:bodyPr rtlCol="0" anchor="ctr"/>
+          <a:lstStyle/>
+          <a:p>
+            <a:pPr algn="ctr"/>
+            <a:endParaRPr lang="en-US" sz="1350"/>
+          </a:p>
+        </p:txBody>
+      </p:sp>
+      <p:cxnSp>
+        <p:nvCxnSpPr>
+          <p:cNvPr id="84" name="Elbow Connector 83"/>
+          <p:cNvCxnSpPr>
+            <a:stCxn id="105" idx="2"/>
+            <a:endCxn id="79" idx="3"/>
+          </p:cNvCxnSpPr>
+          <p:nvPr/>
+        </p:nvCxnSpPr>
+        <p:spPr>
+          <a:xfrm rot="10800000" flipV="1">
+            <a:off x="5098772" y="1533855"/>
+            <a:ext cx="728270" cy="756624"/>
+          </a:xfrm>
+          <a:prstGeom prst="bentConnector3">
+            <a:avLst/>
+          </a:prstGeom>
+          <a:ln w="25400">
+            <a:solidFill>
+              <a:schemeClr val="tx1"/>
+            </a:solidFill>
+          </a:ln>
+        </p:spPr>
+        <p:style>
+          <a:lnRef idx="1">
+            <a:schemeClr val="accent1"/>
+          </a:lnRef>
+          <a:fillRef idx="0">
+            <a:schemeClr val="accent1"/>
+          </a:fillRef>
+          <a:effectRef idx="0">
+            <a:schemeClr val="accent1"/>
+          </a:effectRef>
+          <a:fontRef idx="minor">
+            <a:schemeClr val="tx1"/>
+          </a:fontRef>
+        </p:style>
+      </p:cxnSp>
+      <p:cxnSp>
+        <p:nvCxnSpPr>
+          <p:cNvPr id="120" name="Straight Arrow Connector 119"/>
+          <p:cNvCxnSpPr>
+            <a:stCxn id="5" idx="1"/>
+            <a:endCxn id="11" idx="3"/>
+          </p:cNvCxnSpPr>
+          <p:nvPr/>
+        </p:nvCxnSpPr>
+        <p:spPr>
+          <a:xfrm flipH="1" flipV="1">
+            <a:off x="7563991" y="1270390"/>
+            <a:ext cx="669743" cy="1240"/>
+          </a:xfrm>
+          <a:prstGeom prst="straightConnector1">
+            <a:avLst/>
+          </a:prstGeom>
+          <a:ln w="28575">
+            <a:solidFill>
+              <a:schemeClr val="tx1"/>
+            </a:solidFill>
+            <a:tailEnd type="arrow"/>
+          </a:ln>
+        </p:spPr>
+        <p:style>
+          <a:lnRef idx="1">
+            <a:schemeClr val="accent1"/>
+          </a:lnRef>
+          <a:fillRef idx="0">
+            <a:schemeClr val="accent1"/>
+          </a:fillRef>
+          <a:effectRef idx="0">
+            <a:schemeClr val="accent1"/>
+          </a:effectRef>
+          <a:fontRef idx="minor">
+            <a:schemeClr val="tx1"/>
+          </a:fontRef>
+        </p:style>
+      </p:cxnSp>
+      <p:sp>
+        <p:nvSpPr>
+          <p:cNvPr id="2" name="TextBox 1"/>
+          <p:cNvSpPr txBox="1"/>
+          <p:nvPr/>
+        </p:nvSpPr>
+        <p:spPr>
+          <a:xfrm>
+            <a:off x="1026695" y="22833"/>
+            <a:ext cx="9009776" cy="584775"/>
+          </a:xfrm>
+          <a:prstGeom prst="rect">
+            <a:avLst/>
+          </a:prstGeom>
+          <a:noFill/>
+        </p:spPr>
+        <p:txBody>
+          <a:bodyPr wrap="square" rtlCol="0">
+            <a:spAutoFit/>
+          </a:bodyPr>
+          <a:lstStyle/>
+          <a:p>
+            <a:pPr algn="ctr"/>
+            <a:r>
+              <a:rPr lang="en-US" sz="3200" dirty="0"/>
+              <a:t>Base MPL framework   </a:t>
+            </a:r>
+          </a:p>
+        </p:txBody>
+      </p:sp>
+      <p:sp>
+        <p:nvSpPr>
+          <p:cNvPr id="71" name="Rectangle 70"/>
+          <p:cNvSpPr/>
+          <p:nvPr/>
+        </p:nvSpPr>
+        <p:spPr>
+          <a:xfrm>
+            <a:off x="3647872" y="857903"/>
+            <a:ext cx="1450901" cy="824975"/>
+          </a:xfrm>
+          <a:prstGeom prst="rect">
+            <a:avLst/>
+          </a:prstGeom>
+          <a:solidFill>
+            <a:schemeClr val="accent5">
+              <a:lumMod val="50000"/>
+            </a:schemeClr>
+          </a:solidFill>
+        </p:spPr>
+        <p:style>
+          <a:lnRef idx="2">
+            <a:schemeClr val="accent1">
+              <a:shade val="50000"/>
+            </a:schemeClr>
+          </a:lnRef>
+          <a:fillRef idx="1">
+            <a:schemeClr val="accent1"/>
+          </a:fillRef>
+          <a:effectRef idx="0">
+            <a:schemeClr val="accent1"/>
+          </a:effectRef>
+          <a:fontRef idx="minor">
+            <a:schemeClr val="lt1"/>
+          </a:fontRef>
+        </p:style>
+        <p:txBody>
+          <a:bodyPr rtlCol="0" anchor="ctr"/>
+          <a:lstStyle/>
+          <a:p>
+            <a:pPr algn="ctr"/>
+            <a:r>
+              <a:rPr lang="en-US" sz="1600" dirty="0" err="1"/>
+              <a:t>BlockingQueue</a:t>
+            </a:r>
+            <a:endParaRPr lang="en-US" sz="1600" dirty="0"/>
+          </a:p>
+        </p:txBody>
+      </p:sp>
+      <p:sp>
+        <p:nvSpPr>
+          <p:cNvPr id="79" name="Rectangle 78"/>
+          <p:cNvSpPr/>
+          <p:nvPr/>
+        </p:nvSpPr>
+        <p:spPr>
+          <a:xfrm>
+            <a:off x="3647871" y="1904250"/>
+            <a:ext cx="1450901" cy="772457"/>
+          </a:xfrm>
+          <a:prstGeom prst="rect">
+            <a:avLst/>
+          </a:prstGeom>
+          <a:solidFill>
+            <a:schemeClr val="accent5">
+              <a:lumMod val="50000"/>
+            </a:schemeClr>
+          </a:solidFill>
+        </p:spPr>
+        <p:style>
+          <a:lnRef idx="2">
+            <a:schemeClr val="accent1">
+              <a:shade val="50000"/>
+            </a:schemeClr>
+          </a:lnRef>
+          <a:fillRef idx="1">
+            <a:schemeClr val="accent1"/>
+          </a:fillRef>
+          <a:effectRef idx="0">
+            <a:schemeClr val="accent1"/>
+          </a:effectRef>
+          <a:fontRef idx="minor">
+            <a:schemeClr val="lt1"/>
+          </a:fontRef>
+        </p:style>
+        <p:txBody>
+          <a:bodyPr rtlCol="0" anchor="ctr"/>
+          <a:lstStyle/>
+          <a:p>
+            <a:pPr algn="ctr"/>
+            <a:r>
+              <a:rPr lang="en-US" sz="1600" dirty="0" err="1"/>
+              <a:t>std</a:t>
+            </a:r>
+            <a:r>
+              <a:rPr lang="en-US" sz="1600" dirty="0"/>
+              <a:t>::thread</a:t>
+            </a:r>
+          </a:p>
+        </p:txBody>
+      </p:sp>
+      <p:sp>
+        <p:nvSpPr>
+          <p:cNvPr id="66" name="Diamond 65"/>
+          <p:cNvSpPr/>
+          <p:nvPr/>
+        </p:nvSpPr>
+        <p:spPr>
+          <a:xfrm rot="5400000">
+            <a:off x="5872897" y="922609"/>
+            <a:ext cx="298049" cy="389760"/>
+          </a:xfrm>
+          <a:prstGeom prst="diamond">
+            <a:avLst/>
+          </a:prstGeom>
+          <a:solidFill>
+            <a:schemeClr val="tx1"/>
+          </a:solidFill>
+          <a:ln>
+            <a:solidFill>
+              <a:schemeClr val="tx1"/>
+            </a:solidFill>
+          </a:ln>
+        </p:spPr>
+        <p:style>
+          <a:lnRef idx="2">
+            <a:schemeClr val="accent1">
+              <a:shade val="50000"/>
+            </a:schemeClr>
+          </a:lnRef>
+          <a:fillRef idx="1">
+            <a:schemeClr val="accent1"/>
+          </a:fillRef>
+          <a:effectRef idx="0">
+            <a:schemeClr val="accent1"/>
+          </a:effectRef>
+          <a:fontRef idx="minor">
+            <a:schemeClr val="lt1"/>
+          </a:fontRef>
+        </p:style>
+        <p:txBody>
+          <a:bodyPr rtlCol="0" anchor="ctr"/>
+          <a:lstStyle/>
+          <a:p>
+            <a:pPr algn="ctr"/>
+            <a:endParaRPr lang="en-US" sz="1350"/>
+          </a:p>
+        </p:txBody>
+      </p:sp>
+      <p:sp>
+        <p:nvSpPr>
+          <p:cNvPr id="92" name="Diamond 91"/>
+          <p:cNvSpPr/>
+          <p:nvPr/>
+        </p:nvSpPr>
+        <p:spPr>
+          <a:xfrm rot="5400000">
+            <a:off x="2834127" y="918543"/>
+            <a:ext cx="298049" cy="389760"/>
+          </a:xfrm>
+          <a:prstGeom prst="diamond">
+            <a:avLst/>
+          </a:prstGeom>
+          <a:solidFill>
+            <a:schemeClr val="tx1"/>
+          </a:solidFill>
+          <a:ln>
+            <a:solidFill>
+              <a:schemeClr val="tx1"/>
+            </a:solidFill>
+          </a:ln>
+        </p:spPr>
+        <p:style>
+          <a:lnRef idx="2">
+            <a:schemeClr val="accent1">
+              <a:shade val="50000"/>
+            </a:schemeClr>
+          </a:lnRef>
+          <a:fillRef idx="1">
+            <a:schemeClr val="accent1"/>
+          </a:fillRef>
+          <a:effectRef idx="0">
+            <a:schemeClr val="accent1"/>
+          </a:effectRef>
+          <a:fontRef idx="minor">
+            <a:schemeClr val="lt1"/>
+          </a:fontRef>
+        </p:style>
+        <p:txBody>
+          <a:bodyPr rtlCol="0" anchor="ctr"/>
+          <a:lstStyle/>
+          <a:p>
+            <a:pPr algn="ctr"/>
+            <a:endParaRPr lang="en-US" sz="1350"/>
+          </a:p>
+        </p:txBody>
+      </p:sp>
+      <p:cxnSp>
+        <p:nvCxnSpPr>
+          <p:cNvPr id="99" name="Straight Connector 98"/>
+          <p:cNvCxnSpPr/>
+          <p:nvPr/>
+        </p:nvCxnSpPr>
+        <p:spPr>
+          <a:xfrm flipH="1">
+            <a:off x="3178032" y="1112809"/>
+            <a:ext cx="469839" cy="615"/>
+          </a:xfrm>
+          <a:prstGeom prst="line">
+            <a:avLst/>
+          </a:prstGeom>
+          <a:ln w="25400">
+            <a:solidFill>
+              <a:schemeClr val="tx1"/>
+            </a:solidFill>
+          </a:ln>
+        </p:spPr>
+        <p:style>
+          <a:lnRef idx="1">
+            <a:schemeClr val="accent1"/>
+          </a:lnRef>
+          <a:fillRef idx="0">
+            <a:schemeClr val="accent1"/>
+          </a:fillRef>
+          <a:effectRef idx="0">
+            <a:schemeClr val="accent1"/>
+          </a:effectRef>
+          <a:fontRef idx="minor">
+            <a:schemeClr val="tx1"/>
+          </a:fontRef>
+        </p:style>
+      </p:cxnSp>
+      <p:sp>
+        <p:nvSpPr>
+          <p:cNvPr id="127" name="Diamond 126"/>
+          <p:cNvSpPr/>
+          <p:nvPr/>
+        </p:nvSpPr>
+        <p:spPr>
+          <a:xfrm rot="5400000">
+            <a:off x="2849752" y="1330170"/>
+            <a:ext cx="298049" cy="389760"/>
+          </a:xfrm>
+          <a:prstGeom prst="diamond">
+            <a:avLst/>
+          </a:prstGeom>
+          <a:solidFill>
+            <a:schemeClr val="tx1"/>
+          </a:solidFill>
+          <a:ln>
+            <a:solidFill>
+              <a:schemeClr val="tx1"/>
+            </a:solidFill>
+          </a:ln>
+        </p:spPr>
+        <p:style>
+          <a:lnRef idx="2">
+            <a:schemeClr val="accent1">
+              <a:shade val="50000"/>
+            </a:schemeClr>
+          </a:lnRef>
+          <a:fillRef idx="1">
+            <a:schemeClr val="accent1"/>
+          </a:fillRef>
+          <a:effectRef idx="0">
+            <a:schemeClr val="accent1"/>
+          </a:effectRef>
+          <a:fontRef idx="minor">
+            <a:schemeClr val="lt1"/>
+          </a:fontRef>
+        </p:style>
+        <p:txBody>
+          <a:bodyPr rtlCol="0" anchor="ctr"/>
+          <a:lstStyle/>
+          <a:p>
+            <a:pPr algn="ctr"/>
+            <a:endParaRPr lang="en-US" sz="1350"/>
+          </a:p>
+        </p:txBody>
+      </p:sp>
+      <p:cxnSp>
+        <p:nvCxnSpPr>
+          <p:cNvPr id="130" name="Elbow Connector 129"/>
+          <p:cNvCxnSpPr>
+            <a:stCxn id="127" idx="0"/>
+            <a:endCxn id="79" idx="1"/>
+          </p:cNvCxnSpPr>
+          <p:nvPr/>
+        </p:nvCxnSpPr>
+        <p:spPr>
+          <a:xfrm>
+            <a:off x="3193657" y="1525051"/>
+            <a:ext cx="454214" cy="765428"/>
+          </a:xfrm>
+          <a:prstGeom prst="bentConnector3">
+            <a:avLst>
+              <a:gd name="adj1" fmla="val 50000"/>
+            </a:avLst>
+          </a:prstGeom>
+          <a:ln w="25400">
+            <a:solidFill>
+              <a:schemeClr val="tx1"/>
+            </a:solidFill>
+          </a:ln>
+        </p:spPr>
+        <p:style>
+          <a:lnRef idx="1">
+            <a:schemeClr val="accent1"/>
+          </a:lnRef>
+          <a:fillRef idx="0">
+            <a:schemeClr val="accent1"/>
+          </a:fillRef>
+          <a:effectRef idx="0">
+            <a:schemeClr val="accent1"/>
+          </a:effectRef>
+          <a:fontRef idx="minor">
+            <a:schemeClr val="tx1"/>
+          </a:fontRef>
+        </p:style>
+      </p:cxnSp>
+      <p:cxnSp>
+        <p:nvCxnSpPr>
+          <p:cNvPr id="37" name="Straight Connector 36"/>
+          <p:cNvCxnSpPr>
+            <a:stCxn id="66" idx="2"/>
+          </p:cNvCxnSpPr>
+          <p:nvPr/>
+        </p:nvCxnSpPr>
+        <p:spPr>
+          <a:xfrm flipH="1" flipV="1">
+            <a:off x="5112729" y="1112809"/>
+            <a:ext cx="714313" cy="4681"/>
+          </a:xfrm>
+          <a:prstGeom prst="line">
+            <a:avLst/>
+          </a:prstGeom>
+          <a:ln w="25400">
+            <a:solidFill>
+              <a:schemeClr val="tx1"/>
+            </a:solidFill>
+          </a:ln>
+        </p:spPr>
+        <p:style>
+          <a:lnRef idx="1">
+            <a:schemeClr val="accent1"/>
+          </a:lnRef>
+          <a:fillRef idx="0">
+            <a:schemeClr val="accent1"/>
+          </a:fillRef>
+          <a:effectRef idx="0">
+            <a:schemeClr val="accent1"/>
+          </a:effectRef>
+          <a:fontRef idx="minor">
+            <a:schemeClr val="tx1"/>
+          </a:fontRef>
+        </p:style>
+      </p:cxnSp>
+      <p:sp>
+        <p:nvSpPr>
+          <p:cNvPr id="24" name="TextBox 23"/>
+          <p:cNvSpPr txBox="1"/>
+          <p:nvPr/>
+        </p:nvSpPr>
+        <p:spPr>
+          <a:xfrm>
+            <a:off x="1021577" y="4186863"/>
+            <a:ext cx="9610928" cy="2308324"/>
+          </a:xfrm>
+          <a:prstGeom prst="rect">
+            <a:avLst/>
+          </a:prstGeom>
+          <a:noFill/>
+        </p:spPr>
+        <p:txBody>
+          <a:bodyPr wrap="square" rtlCol="0">
+            <a:spAutoFit/>
+          </a:bodyPr>
+          <a:lstStyle/>
+          <a:p>
+            <a:pPr marL="285750" indent="-285750">
+              <a:buFont typeface="Arial" panose="020B0604020202020204" pitchFamily="34" charset="0"/>
+              <a:buChar char="•"/>
+            </a:pPr>
+            <a:r>
+              <a:rPr lang="en-US" sz="2400" dirty="0"/>
+              <a:t>TCP Client/Server Model…</a:t>
+            </a:r>
+          </a:p>
+          <a:p>
+            <a:pPr marL="742950" lvl="1" indent="-285750">
+              <a:buFont typeface="Arial" panose="020B0604020202020204" pitchFamily="34" charset="0"/>
+              <a:buChar char="•"/>
+            </a:pPr>
+            <a:r>
+              <a:rPr lang="en-US" sz="2400" dirty="0"/>
+              <a:t>Client-side and Server-side and not symmetric!</a:t>
+            </a:r>
+          </a:p>
+          <a:p>
+            <a:pPr marL="1200150" lvl="2" indent="-285750">
+              <a:buFont typeface="Arial" panose="020B0604020202020204" pitchFamily="34" charset="0"/>
+              <a:buChar char="•"/>
+            </a:pPr>
+            <a:r>
+              <a:rPr lang="en-US" sz="2400" dirty="0"/>
+              <a:t>Client initiates, Server responds</a:t>
+            </a:r>
+          </a:p>
+          <a:p>
+            <a:pPr marL="1657350" lvl="3" indent="-285750">
+              <a:buFont typeface="Arial" panose="020B0604020202020204" pitchFamily="34" charset="0"/>
+              <a:buChar char="•"/>
+            </a:pPr>
+            <a:r>
+              <a:rPr lang="en-US" sz="2400" dirty="0"/>
+              <a:t>Server listens, client connects</a:t>
+            </a:r>
+          </a:p>
+          <a:p>
+            <a:pPr marL="1657350" lvl="3" indent="-285750">
+              <a:buFont typeface="Arial" panose="020B0604020202020204" pitchFamily="34" charset="0"/>
+              <a:buChar char="•"/>
+            </a:pPr>
+            <a:endParaRPr lang="en-US" sz="2400" dirty="0"/>
+          </a:p>
+          <a:p>
+            <a:pPr marL="1200150" lvl="2" indent="-285750">
+              <a:buFont typeface="Arial" panose="020B0604020202020204" pitchFamily="34" charset="0"/>
+              <a:buChar char="•"/>
+            </a:pPr>
+            <a:r>
+              <a:rPr lang="en-US" sz="2400" dirty="0"/>
+              <a:t>Notice </a:t>
+            </a:r>
+            <a:r>
+              <a:rPr lang="en-US" sz="2400" i="1" dirty="0"/>
+              <a:t>Sender</a:t>
+            </a:r>
+            <a:r>
+              <a:rPr lang="en-US" sz="2400" dirty="0"/>
+              <a:t> </a:t>
+            </a:r>
+            <a:r>
+              <a:rPr lang="en-US" sz="2400" i="1" dirty="0"/>
+              <a:t>and </a:t>
+            </a:r>
+            <a:r>
+              <a:rPr lang="en-US" sz="2400" i="1" dirty="0" err="1"/>
+              <a:t>ClientHandler</a:t>
+            </a:r>
+            <a:r>
+              <a:rPr lang="en-US" sz="2400" i="1" dirty="0"/>
+              <a:t> aren’t much </a:t>
+            </a:r>
+            <a:r>
+              <a:rPr lang="en-US" sz="2400" dirty="0"/>
+              <a:t>different! </a:t>
+            </a:r>
+          </a:p>
+        </p:txBody>
+      </p:sp>
+    </p:spTree>
+    <p:extLst>
+      <p:ext uri="{BB962C8B-B14F-4D97-AF65-F5344CB8AC3E}">
+        <p14:creationId xmlns:p14="http://schemas.microsoft.com/office/powerpoint/2010/main" val="3644727066"/>
+      </p:ext>
+    </p:extLst>
+  </p:cSld>
+  <p:clrMapOvr>
+    <a:masterClrMapping/>
+  </p:clrMapOvr>
+</p:sld>
+</file>
+
+<file path=ppt/slides/slide8.xml><?xml version="1.0" encoding="utf-8"?>
+<p:sld xmlns:a="http://schemas.openxmlformats.org/drawingml/2006/main" xmlns:r="http://schemas.openxmlformats.org/officeDocument/2006/relationships" xmlns:p="http://schemas.openxmlformats.org/presentationml/2006/main">
+  <p:cSld>
+    <p:spTree>
+      <p:nvGrpSpPr>
+        <p:cNvPr id="1" name=""/>
+        <p:cNvGrpSpPr/>
+        <p:nvPr/>
+      </p:nvGrpSpPr>
+      <p:grpSpPr>
+        <a:xfrm>
+          <a:off x="0" y="0"/>
+          <a:ext cx="0" cy="0"/>
+          <a:chOff x="0" y="0"/>
+          <a:chExt cx="0" cy="0"/>
+        </a:xfrm>
+      </p:grpSpPr>
+      <p:sp>
+        <p:nvSpPr>
+          <p:cNvPr id="4" name="Rectangle 3"/>
+          <p:cNvSpPr/>
+          <p:nvPr/>
+        </p:nvSpPr>
+        <p:spPr>
+          <a:xfrm>
             <a:off x="1511664" y="1714092"/>
             <a:ext cx="1346769" cy="904531"/>
           </a:xfrm>
@@ -9728,7 +11429,7 @@
 </p:sld>
 </file>
 
-<file path=ppt/slides/slide8.xml><?xml version="1.0" encoding="utf-8"?>
+<file path=ppt/slides/slide9.xml><?xml version="1.0" encoding="utf-8"?>
 <p:sld xmlns:a="http://schemas.openxmlformats.org/drawingml/2006/main" xmlns:r="http://schemas.openxmlformats.org/officeDocument/2006/relationships" xmlns:p="http://schemas.openxmlformats.org/presentationml/2006/main">
   <p:cSld>
     <p:spTree>
